--- a/Documentacion/TEMPLE BODY.pptx
+++ b/Documentacion/TEMPLE BODY.pptx
@@ -13,14 +13,14 @@
   <p:sldIdLst>
     <p:sldId id="262" r:id="rId2"/>
     <p:sldId id="257" r:id="rId3"/>
-    <p:sldId id="261" r:id="rId4"/>
-    <p:sldId id="284" r:id="rId5"/>
-    <p:sldId id="271" r:id="rId6"/>
-    <p:sldId id="282" r:id="rId7"/>
-    <p:sldId id="279" r:id="rId8"/>
-    <p:sldId id="280" r:id="rId9"/>
+    <p:sldId id="284" r:id="rId4"/>
+    <p:sldId id="271" r:id="rId5"/>
+    <p:sldId id="285" r:id="rId6"/>
+    <p:sldId id="280" r:id="rId7"/>
+    <p:sldId id="286" r:id="rId8"/>
+    <p:sldId id="279" r:id="rId9"/>
     <p:sldId id="281" r:id="rId10"/>
-    <p:sldId id="283" r:id="rId11"/>
+    <p:sldId id="287" r:id="rId11"/>
     <p:sldId id="273" r:id="rId12"/>
   </p:sldIdLst>
   <p:sldSz cx="12192000" cy="6858000"/>
@@ -226,7 +226,7 @@
             <a:pPr rtl="0"/>
             <a:fld id="{36733433-91C9-4F25-89C5-2049FA2AC72A}" type="datetime1">
               <a:rPr lang="es-ES" smtClean="0"/>
-              <a:t>19/12/2023</a:t>
+              <a:t>05/06/2024</a:t>
             </a:fld>
             <a:endParaRPr lang="es-ES" dirty="0"/>
           </a:p>
@@ -396,7 +396,7 @@
             <a:pPr rtl="0"/>
             <a:fld id="{0F42799A-0270-465F-BFBB-B1E8788AA761}" type="datetime1">
               <a:rPr lang="es-ES" noProof="0" smtClean="0"/>
-              <a:t>19/12/2023</a:t>
+              <a:t>05/06/2024</a:t>
             </a:fld>
             <a:endParaRPr lang="es-ES" noProof="0" dirty="0"/>
           </a:p>
@@ -827,7 +827,7 @@
     </p:spTree>
     <p:extLst>
       <p:ext uri="{BB962C8B-B14F-4D97-AF65-F5344CB8AC3E}">
-        <p14:creationId xmlns:p14="http://schemas.microsoft.com/office/powerpoint/2010/main" val="3247420874"/>
+        <p14:creationId xmlns:p14="http://schemas.microsoft.com/office/powerpoint/2010/main" val="2885952846"/>
       </p:ext>
     </p:extLst>
   </p:cSld>
@@ -1082,7 +1082,7 @@
     </p:spTree>
     <p:extLst>
       <p:ext uri="{BB962C8B-B14F-4D97-AF65-F5344CB8AC3E}">
-        <p14:creationId xmlns:p14="http://schemas.microsoft.com/office/powerpoint/2010/main" val="1910390171"/>
+        <p14:creationId xmlns:p14="http://schemas.microsoft.com/office/powerpoint/2010/main" val="3188381092"/>
       </p:ext>
     </p:extLst>
   </p:cSld>
@@ -1167,7 +1167,7 @@
     </p:spTree>
     <p:extLst>
       <p:ext uri="{BB962C8B-B14F-4D97-AF65-F5344CB8AC3E}">
-        <p14:creationId xmlns:p14="http://schemas.microsoft.com/office/powerpoint/2010/main" val="3188381092"/>
+        <p14:creationId xmlns:p14="http://schemas.microsoft.com/office/powerpoint/2010/main" val="2842516226"/>
       </p:ext>
     </p:extLst>
   </p:cSld>
@@ -1252,7 +1252,7 @@
     </p:spTree>
     <p:extLst>
       <p:ext uri="{BB962C8B-B14F-4D97-AF65-F5344CB8AC3E}">
-        <p14:creationId xmlns:p14="http://schemas.microsoft.com/office/powerpoint/2010/main" val="2842516226"/>
+        <p14:creationId xmlns:p14="http://schemas.microsoft.com/office/powerpoint/2010/main" val="4185941510"/>
       </p:ext>
     </p:extLst>
   </p:cSld>
@@ -1337,7 +1337,7 @@
     </p:spTree>
     <p:extLst>
       <p:ext uri="{BB962C8B-B14F-4D97-AF65-F5344CB8AC3E}">
-        <p14:creationId xmlns:p14="http://schemas.microsoft.com/office/powerpoint/2010/main" val="3593733513"/>
+        <p14:creationId xmlns:p14="http://schemas.microsoft.com/office/powerpoint/2010/main" val="1847282848"/>
       </p:ext>
     </p:extLst>
   </p:cSld>
@@ -1422,7 +1422,7 @@
     </p:spTree>
     <p:extLst>
       <p:ext uri="{BB962C8B-B14F-4D97-AF65-F5344CB8AC3E}">
-        <p14:creationId xmlns:p14="http://schemas.microsoft.com/office/powerpoint/2010/main" val="3882413640"/>
+        <p14:creationId xmlns:p14="http://schemas.microsoft.com/office/powerpoint/2010/main" val="1607625023"/>
       </p:ext>
     </p:extLst>
   </p:cSld>
@@ -1507,7 +1507,7 @@
     </p:spTree>
     <p:extLst>
       <p:ext uri="{BB962C8B-B14F-4D97-AF65-F5344CB8AC3E}">
-        <p14:creationId xmlns:p14="http://schemas.microsoft.com/office/powerpoint/2010/main" val="1847282848"/>
+        <p14:creationId xmlns:p14="http://schemas.microsoft.com/office/powerpoint/2010/main" val="3882413640"/>
       </p:ext>
     </p:extLst>
   </p:cSld>
@@ -1790,7 +1790,7 @@
           <a:p>
             <a:fld id="{ADA5217B-C461-4E0A-B4E4-B5A6F1D99B01}" type="datetimeFigureOut">
               <a:rPr lang="es-ES" smtClean="0"/>
-              <a:t>19/12/2023</a:t>
+              <a:t>05/06/2024</a:t>
             </a:fld>
             <a:endParaRPr lang="es-ES"/>
           </a:p>
@@ -2194,7 +2194,7 @@
             <a:pPr rtl="0"/>
             <a:fld id="{5E879E85-5BBE-4DC3-949C-B551255CCB64}" type="datetime1">
               <a:rPr lang="es-ES" noProof="0" smtClean="0"/>
-              <a:t>19/12/2023</a:t>
+              <a:t>05/06/2024</a:t>
             </a:fld>
             <a:endParaRPr lang="es-ES" noProof="0" dirty="0"/>
           </a:p>
@@ -2604,7 +2604,7 @@
             <a:pPr rtl="0"/>
             <a:fld id="{5E879E85-5BBE-4DC3-949C-B551255CCB64}" type="datetime1">
               <a:rPr lang="es-ES" noProof="0" smtClean="0"/>
-              <a:t>19/12/2023</a:t>
+              <a:t>05/06/2024</a:t>
             </a:fld>
             <a:endParaRPr lang="es-ES" noProof="0" dirty="0"/>
           </a:p>
@@ -2949,7 +2949,7 @@
             <a:pPr rtl="0"/>
             <a:fld id="{5E879E85-5BBE-4DC3-949C-B551255CCB64}" type="datetime1">
               <a:rPr lang="es-ES" noProof="0" smtClean="0"/>
-              <a:t>19/12/2023</a:t>
+              <a:t>05/06/2024</a:t>
             </a:fld>
             <a:endParaRPr lang="es-ES" noProof="0" dirty="0"/>
           </a:p>
@@ -3278,7 +3278,7 @@
             <a:pPr rtl="0"/>
             <a:fld id="{5E879E85-5BBE-4DC3-949C-B551255CCB64}" type="datetime1">
               <a:rPr lang="es-ES" noProof="0" smtClean="0"/>
-              <a:t>19/12/2023</a:t>
+              <a:t>05/06/2024</a:t>
             </a:fld>
             <a:endParaRPr lang="es-ES" noProof="0" dirty="0"/>
           </a:p>
@@ -3683,7 +3683,7 @@
             <a:pPr rtl="0"/>
             <a:fld id="{5E879E85-5BBE-4DC3-949C-B551255CCB64}" type="datetime1">
               <a:rPr lang="es-ES" noProof="0" smtClean="0"/>
-              <a:t>19/12/2023</a:t>
+              <a:t>05/06/2024</a:t>
             </a:fld>
             <a:endParaRPr lang="es-ES" noProof="0" dirty="0"/>
           </a:p>
@@ -3949,7 +3949,7 @@
             <a:pPr rtl="0"/>
             <a:fld id="{A49C5101-B6E1-4C2F-96CC-D4D7C5FEAAF7}" type="datetime1">
               <a:rPr lang="es-ES" noProof="0" smtClean="0"/>
-              <a:t>19/12/2023</a:t>
+              <a:t>05/06/2024</a:t>
             </a:fld>
             <a:endParaRPr lang="es-ES" noProof="0" dirty="0"/>
           </a:p>
@@ -4230,7 +4230,7 @@
             <a:pPr rtl="0"/>
             <a:fld id="{AE3F2578-7180-4CCB-9A96-7D1B03AD95AA}" type="datetime1">
               <a:rPr lang="es-ES" noProof="0" smtClean="0"/>
-              <a:t>19/12/2023</a:t>
+              <a:t>05/06/2024</a:t>
             </a:fld>
             <a:endParaRPr lang="es-ES" noProof="0" dirty="0"/>
           </a:p>
@@ -5134,7 +5134,7 @@
             <a:pPr rtl="0"/>
             <a:fld id="{5E879E85-5BBE-4DC3-949C-B551255CCB64}" type="datetime1">
               <a:rPr lang="es-ES" noProof="0" smtClean="0"/>
-              <a:t>19/12/2023</a:t>
+              <a:t>05/06/2024</a:t>
             </a:fld>
             <a:endParaRPr lang="es-ES" noProof="0" dirty="0"/>
           </a:p>
@@ -5472,7 +5472,7 @@
             <a:pPr rtl="0"/>
             <a:fld id="{5E879E85-5BBE-4DC3-949C-B551255CCB64}" type="datetime1">
               <a:rPr lang="es-ES" noProof="0" smtClean="0"/>
-              <a:t>19/12/2023</a:t>
+              <a:t>05/06/2024</a:t>
             </a:fld>
             <a:endParaRPr lang="es-ES" noProof="0" dirty="0"/>
           </a:p>
@@ -5804,7 +5804,7 @@
             <a:pPr rtl="0"/>
             <a:fld id="{28D2FC1E-83DA-4E03-9666-93C59D8ACCEA}" type="datetime1">
               <a:rPr lang="es-ES" noProof="0" smtClean="0"/>
-              <a:t>19/12/2023</a:t>
+              <a:t>05/06/2024</a:t>
             </a:fld>
             <a:endParaRPr lang="es-ES" noProof="0" dirty="0"/>
           </a:p>
@@ -6280,7 +6280,7 @@
             <a:pPr rtl="0"/>
             <a:fld id="{CA1153A9-469E-4B41-9F8D-6E09C4AFB7F0}" type="datetime1">
               <a:rPr lang="es-ES" noProof="0" smtClean="0"/>
-              <a:t>19/12/2023</a:t>
+              <a:t>05/06/2024</a:t>
             </a:fld>
             <a:endParaRPr lang="es-ES" noProof="0" dirty="0"/>
           </a:p>
@@ -6504,7 +6504,7 @@
             <a:pPr rtl="0"/>
             <a:fld id="{C9ADA510-67ED-4878-A088-E9242C8AA6FD}" type="datetime1">
               <a:rPr lang="es-ES" noProof="0" smtClean="0"/>
-              <a:t>19/12/2023</a:t>
+              <a:t>05/06/2024</a:t>
             </a:fld>
             <a:endParaRPr lang="es-ES" noProof="0" dirty="0"/>
           </a:p>
@@ -6699,7 +6699,7 @@
           <a:p>
             <a:fld id="{ADA5217B-C461-4E0A-B4E4-B5A6F1D99B01}" type="datetimeFigureOut">
               <a:rPr lang="es-ES" smtClean="0"/>
-              <a:t>19/12/2023</a:t>
+              <a:t>05/06/2024</a:t>
             </a:fld>
             <a:endParaRPr lang="es-ES"/>
           </a:p>
@@ -7045,7 +7045,7 @@
             <a:pPr rtl="0"/>
             <a:fld id="{5E879E85-5BBE-4DC3-949C-B551255CCB64}" type="datetime1">
               <a:rPr lang="es-ES" noProof="0" smtClean="0"/>
-              <a:t>19/12/2023</a:t>
+              <a:t>05/06/2024</a:t>
             </a:fld>
             <a:endParaRPr lang="es-ES" noProof="0" dirty="0"/>
           </a:p>
@@ -7399,7 +7399,7 @@
             <a:pPr rtl="0"/>
             <a:fld id="{5E879E85-5BBE-4DC3-949C-B551255CCB64}" type="datetime1">
               <a:rPr lang="es-ES" noProof="0" smtClean="0"/>
-              <a:t>19/12/2023</a:t>
+              <a:t>05/06/2024</a:t>
             </a:fld>
             <a:endParaRPr lang="es-ES" noProof="0" dirty="0"/>
           </a:p>
@@ -9525,7 +9525,7 @@
             <a:pPr rtl="0"/>
             <a:fld id="{5E879E85-5BBE-4DC3-949C-B551255CCB64}" type="datetime1">
               <a:rPr lang="es-ES" noProof="0" smtClean="0"/>
-              <a:t>19/12/2023</a:t>
+              <a:t>05/06/2024</a:t>
             </a:fld>
             <a:endParaRPr lang="es-ES" noProof="0" dirty="0"/>
           </a:p>
@@ -10286,7 +10286,7 @@
                 <a:ea typeface="+mj-ea"/>
                 <a:cs typeface="Helvetica" panose="020B0604020202020204" pitchFamily="34" charset="0"/>
               </a:rPr>
-              <a:t>Desarrollado por Alberto moreno arcos,  javier ramiro castellano, mohamed el younousi bentalha</a:t>
+              <a:t>Desarrollado por Alberto moreno arcos y javier ramiro castellano</a:t>
             </a:r>
           </a:p>
         </p:txBody>
@@ -10358,20 +10358,12 @@
           <a:p>
             <a:pPr algn="ctr"/>
             <a:r>
-              <a:rPr lang="es-ES" sz="5000" b="1" i="1" u="sng" dirty="0">
-                <a:solidFill>
-                  <a:srgbClr val="FFFF00"/>
-                </a:solidFill>
-              </a:rPr>
-              <a:t>POSIBLES</a:t>
-            </a:r>
-            <a:r>
               <a:rPr lang="es-ES" dirty="0">
                 <a:solidFill>
                   <a:srgbClr val="FFFF00"/>
                 </a:solidFill>
               </a:rPr>
-              <a:t> Integraciones Futuras</a:t>
+              <a:t>Historial</a:t>
             </a:r>
           </a:p>
         </p:txBody>
@@ -10394,7 +10386,7 @@
         </p:spPr>
         <p:txBody>
           <a:bodyPr rtlCol="0">
-            <a:noAutofit/>
+            <a:normAutofit/>
           </a:bodyPr>
           <a:lstStyle/>
           <a:p>
@@ -10405,7 +10397,7 @@
                 </a:solidFill>
                 <a:latin typeface="Baskerville"/>
               </a:rPr>
-              <a:t>Uso de tarjetas NFC para cada usuario para el acceso rápido a tu cuenta e información.</a:t>
+              <a:t>Listado de ejercicios realizados recogidos por fecha</a:t>
             </a:r>
           </a:p>
           <a:p>
@@ -10416,28 +10408,17 @@
                 </a:solidFill>
                 <a:latin typeface="Baskerville"/>
               </a:rPr>
-              <a:t>Permisos de acceso con huella digital o conexión con Facebook, Google, Instagram, Twitter.</a:t>
-            </a:r>
-          </a:p>
-          <a:p>
-            <a:r>
-              <a:rPr lang="es-ES" sz="2500" dirty="0">
-                <a:solidFill>
-                  <a:schemeClr val="bg1"/>
-                </a:solidFill>
-                <a:latin typeface="Baskerville"/>
-              </a:rPr>
-              <a:t>Apartado donde los usuarios pueden colgar sus listas de reproducción de Spotify.</a:t>
+              <a:t>Incluye registros de peso, repeticiones y series</a:t>
             </a:r>
           </a:p>
         </p:txBody>
       </p:sp>
       <p:pic>
         <p:nvPicPr>
-          <p:cNvPr id="5" name="Imagen 4">
+          <p:cNvPr id="6" name="Imagen 5">
             <a:extLst>
               <a:ext uri="{FF2B5EF4-FFF2-40B4-BE49-F238E27FC236}">
-                <a16:creationId xmlns:a16="http://schemas.microsoft.com/office/drawing/2014/main" id="{0B4779C3-5C6E-BC85-8F59-C86EB8D3E1B8}"/>
+                <a16:creationId xmlns:a16="http://schemas.microsoft.com/office/drawing/2014/main" id="{7EA7F6C1-874C-7C73-6507-495A97915F86}"/>
               </a:ext>
             </a:extLst>
           </p:cNvPr>
@@ -10454,8 +10435,8 @@
         </p:blipFill>
         <p:spPr>
           <a:xfrm>
-            <a:off x="429998" y="1892731"/>
-            <a:ext cx="3253754" cy="2586318"/>
+            <a:off x="1753488" y="952500"/>
+            <a:ext cx="2284717" cy="4953000"/>
           </a:xfrm>
           <a:prstGeom prst="rect">
             <a:avLst/>
@@ -10465,20 +10446,20 @@
     </p:spTree>
     <p:extLst>
       <p:ext uri="{BB962C8B-B14F-4D97-AF65-F5344CB8AC3E}">
-        <p14:creationId xmlns:p14="http://schemas.microsoft.com/office/powerpoint/2010/main" val="532951671"/>
+        <p14:creationId xmlns:p14="http://schemas.microsoft.com/office/powerpoint/2010/main" val="141678947"/>
       </p:ext>
     </p:extLst>
   </p:cSld>
   <p:clrMapOvr>
     <a:masterClrMapping/>
   </p:clrMapOvr>
-  <mc:AlternateContent xmlns:mc="http://schemas.openxmlformats.org/markup-compatibility/2006" xmlns:p14="http://schemas.microsoft.com/office/powerpoint/2010/main">
-    <mc:Choice Requires="p14">
+  <mc:AlternateContent xmlns:mc="http://schemas.openxmlformats.org/markup-compatibility/2006">
+    <mc:Choice xmlns:p14="http://schemas.microsoft.com/office/powerpoint/2010/main" Requires="p14">
       <p:transition spd="med" p14:dur="700">
         <p:fade/>
       </p:transition>
     </mc:Choice>
-    <mc:Fallback xmlns="">
+    <mc:Fallback>
       <p:transition spd="med">
         <p:fade/>
       </p:transition>
@@ -10713,17 +10694,6 @@
                 </a:solidFill>
                 <a:latin typeface="Baskerville"/>
               </a:rPr>
-              <a:t>Diseño de la Aplicación</a:t>
-            </a:r>
-          </a:p>
-          <a:p>
-            <a:r>
-              <a:rPr lang="es-ES" sz="2500" dirty="0">
-                <a:solidFill>
-                  <a:schemeClr val="bg1"/>
-                </a:solidFill>
-                <a:latin typeface="Baskerville"/>
-              </a:rPr>
               <a:t>Página de Inicio de Sesión</a:t>
             </a:r>
           </a:p>
@@ -10746,7 +10716,44 @@
                 </a:solidFill>
                 <a:latin typeface="Baskerville"/>
               </a:rPr>
-              <a:t>Información y contacto</a:t>
+              <a:t>Información y </a:t>
+            </a:r>
+            <a:r>
+              <a:rPr lang="es-ES" sz="2500" dirty="0" err="1">
+                <a:solidFill>
+                  <a:schemeClr val="bg1"/>
+                </a:solidFill>
+                <a:latin typeface="Baskerville"/>
+              </a:rPr>
+              <a:t>configuracion</a:t>
+            </a:r>
+            <a:endParaRPr lang="es-ES" sz="2500" dirty="0">
+              <a:solidFill>
+                <a:schemeClr val="bg1"/>
+              </a:solidFill>
+              <a:latin typeface="Baskerville"/>
+            </a:endParaRPr>
+          </a:p>
+          <a:p>
+            <a:r>
+              <a:rPr lang="es-ES" sz="2500" dirty="0">
+                <a:solidFill>
+                  <a:schemeClr val="bg1"/>
+                </a:solidFill>
+                <a:latin typeface="Baskerville"/>
+              </a:rPr>
+              <a:t>Ejercicios</a:t>
+            </a:r>
+          </a:p>
+          <a:p>
+            <a:r>
+              <a:rPr lang="es-ES" sz="2500" dirty="0">
+                <a:solidFill>
+                  <a:schemeClr val="bg1"/>
+                </a:solidFill>
+                <a:latin typeface="Baskerville"/>
+              </a:rPr>
+              <a:t>Funcionalidades de ejercicios</a:t>
             </a:r>
           </a:p>
           <a:p>
@@ -10768,7 +10775,7 @@
                 </a:solidFill>
                 <a:latin typeface="Baskerville"/>
               </a:rPr>
-              <a:t>Registro de Series y Repeticiones</a:t>
+              <a:t>Suplementación</a:t>
             </a:r>
           </a:p>
           <a:p>
@@ -10779,21 +10786,21 @@
                 </a:solidFill>
                 <a:latin typeface="Baskerville"/>
               </a:rPr>
-              <a:t>Suplementación</a:t>
-            </a:r>
-          </a:p>
-          <a:p>
-            <a:r>
-              <a:rPr lang="es-ES" sz="2500" dirty="0">
-                <a:solidFill>
-                  <a:schemeClr val="bg1"/>
-                </a:solidFill>
-                <a:latin typeface="Baskerville"/>
-              </a:rPr>
-              <a:t>Posibles Integraciones Futuras</a:t>
-            </a:r>
-          </a:p>
-          <a:p>
+              <a:t>Consulta de historial</a:t>
+            </a:r>
+          </a:p>
+          <a:p>
+            <a:endParaRPr lang="es-ES" sz="2500" dirty="0">
+              <a:solidFill>
+                <a:schemeClr val="bg1"/>
+              </a:solidFill>
+              <a:latin typeface="Baskerville"/>
+            </a:endParaRPr>
+          </a:p>
+          <a:p>
+            <a:pPr marL="0" indent="0">
+              <a:buNone/>
+            </a:pPr>
             <a:endParaRPr lang="es-ES" sz="2500" dirty="0">
               <a:solidFill>
                 <a:schemeClr val="bg1"/>
@@ -10863,197 +10870,6 @@
             <p:ph type="title"/>
           </p:nvPr>
         </p:nvSpPr>
-        <p:spPr>
-          <a:xfrm>
-            <a:off x="1640156" y="525498"/>
-            <a:ext cx="8911687" cy="1280890"/>
-          </a:xfrm>
-        </p:spPr>
-        <p:txBody>
-          <a:bodyPr rtlCol="0"/>
-          <a:lstStyle/>
-          <a:p>
-            <a:pPr algn="ctr" rtl="0"/>
-            <a:r>
-              <a:rPr lang="es-ES" dirty="0">
-                <a:solidFill>
-                  <a:srgbClr val="FFFF00"/>
-                </a:solidFill>
-                <a:latin typeface="Baskerville"/>
-              </a:rPr>
-              <a:t>Diseño de Aplicación</a:t>
-            </a:r>
-          </a:p>
-        </p:txBody>
-      </p:sp>
-      <p:sp>
-        <p:nvSpPr>
-          <p:cNvPr id="3" name="Marcador de posición de contenido 2"/>
-          <p:cNvSpPr>
-            <a:spLocks noGrp="1"/>
-          </p:cNvSpPr>
-          <p:nvPr>
-            <p:ph sz="half" idx="1"/>
-          </p:nvPr>
-        </p:nvSpPr>
-        <p:spPr>
-          <a:xfrm>
-            <a:off x="3574215" y="1600200"/>
-            <a:ext cx="5043567" cy="4427502"/>
-          </a:xfrm>
-        </p:spPr>
-        <p:txBody>
-          <a:bodyPr rtlCol="0"/>
-          <a:lstStyle/>
-          <a:p>
-            <a:endParaRPr lang="es-ES" dirty="0">
-              <a:solidFill>
-                <a:schemeClr val="bg1"/>
-              </a:solidFill>
-            </a:endParaRPr>
-          </a:p>
-          <a:p>
-            <a:r>
-              <a:rPr lang="es-ES" sz="2500" dirty="0">
-                <a:solidFill>
-                  <a:schemeClr val="bg1"/>
-                </a:solidFill>
-                <a:latin typeface="Baskerville"/>
-              </a:rPr>
-              <a:t>Tipo de letra en Baskerville</a:t>
-            </a:r>
-          </a:p>
-          <a:p>
-            <a:r>
-              <a:rPr lang="es-ES" sz="2500" dirty="0">
-                <a:solidFill>
-                  <a:schemeClr val="bg1"/>
-                </a:solidFill>
-                <a:latin typeface="Baskerville"/>
-              </a:rPr>
-              <a:t>Paleta de Colores:</a:t>
-            </a:r>
-          </a:p>
-          <a:p>
-            <a:pPr lvl="1"/>
-            <a:r>
-              <a:rPr lang="es-ES" sz="2500" dirty="0">
-                <a:solidFill>
-                  <a:schemeClr val="bg1"/>
-                </a:solidFill>
-                <a:latin typeface="Baskerville"/>
-              </a:rPr>
-              <a:t>Texto y botones en blanco</a:t>
-            </a:r>
-          </a:p>
-          <a:p>
-            <a:pPr lvl="1"/>
-            <a:r>
-              <a:rPr lang="es-ES" sz="2500" dirty="0">
-                <a:solidFill>
-                  <a:schemeClr val="bg1"/>
-                </a:solidFill>
-                <a:latin typeface="Baskerville"/>
-              </a:rPr>
-              <a:t>Fondo en Negro</a:t>
-            </a:r>
-          </a:p>
-          <a:p>
-            <a:pPr lvl="1"/>
-            <a:r>
-              <a:rPr lang="es-ES" sz="2500" dirty="0">
-                <a:solidFill>
-                  <a:schemeClr val="bg1"/>
-                </a:solidFill>
-                <a:latin typeface="Baskerville"/>
-              </a:rPr>
-              <a:t>Títulos, Enlaces y elementos de énfasis  en Amarillo</a:t>
-            </a:r>
-          </a:p>
-          <a:p>
-            <a:pPr lvl="1"/>
-            <a:endParaRPr lang="es-ES" sz="2500" dirty="0">
-              <a:solidFill>
-                <a:schemeClr val="bg1"/>
-              </a:solidFill>
-              <a:latin typeface="Baskerville"/>
-            </a:endParaRPr>
-          </a:p>
-          <a:p>
-            <a:pPr lvl="1"/>
-            <a:endParaRPr lang="es-ES" sz="2500" dirty="0">
-              <a:solidFill>
-                <a:schemeClr val="bg1"/>
-              </a:solidFill>
-              <a:latin typeface="Baskerville"/>
-            </a:endParaRPr>
-          </a:p>
-          <a:p>
-            <a:pPr lvl="1"/>
-            <a:endParaRPr lang="es-ES" dirty="0"/>
-          </a:p>
-        </p:txBody>
-      </p:sp>
-    </p:spTree>
-    <p:extLst>
-      <p:ext uri="{BB962C8B-B14F-4D97-AF65-F5344CB8AC3E}">
-        <p14:creationId xmlns:p14="http://schemas.microsoft.com/office/powerpoint/2010/main" val="4260464928"/>
-      </p:ext>
-    </p:extLst>
-  </p:cSld>
-  <p:clrMapOvr>
-    <a:masterClrMapping/>
-  </p:clrMapOvr>
-  <mc:AlternateContent xmlns:mc="http://schemas.openxmlformats.org/markup-compatibility/2006" xmlns:p14="http://schemas.microsoft.com/office/powerpoint/2010/main">
-    <mc:Choice Requires="p14">
-      <p:transition spd="med" p14:dur="700">
-        <p:fade/>
-      </p:transition>
-    </mc:Choice>
-    <mc:Fallback xmlns="">
-      <p:transition spd="med">
-        <p:fade/>
-      </p:transition>
-    </mc:Fallback>
-  </mc:AlternateContent>
-</p:sld>
-</file>
-
-<file path=ppt/slides/slide4.xml><?xml version="1.0" encoding="utf-8"?>
-<p:sld xmlns:a="http://schemas.openxmlformats.org/drawingml/2006/main" xmlns:r="http://schemas.openxmlformats.org/officeDocument/2006/relationships" xmlns:p="http://schemas.openxmlformats.org/presentationml/2006/main">
-  <p:cSld>
-    <p:bg>
-      <p:bgPr>
-        <a:solidFill>
-          <a:schemeClr val="tx1"/>
-        </a:solidFill>
-        <a:effectLst/>
-      </p:bgPr>
-    </p:bg>
-    <p:spTree>
-      <p:nvGrpSpPr>
-        <p:cNvPr id="1" name=""/>
-        <p:cNvGrpSpPr/>
-        <p:nvPr/>
-      </p:nvGrpSpPr>
-      <p:grpSpPr>
-        <a:xfrm>
-          <a:off x="0" y="0"/>
-          <a:ext cx="0" cy="0"/>
-          <a:chOff x="0" y="0"/>
-          <a:chExt cx="0" cy="0"/>
-        </a:xfrm>
-      </p:grpSpPr>
-      <p:sp>
-        <p:nvSpPr>
-          <p:cNvPr id="2" name="Título 1"/>
-          <p:cNvSpPr>
-            <a:spLocks noGrp="1"/>
-          </p:cNvSpPr>
-          <p:nvPr>
-            <p:ph type="title"/>
-          </p:nvPr>
-        </p:nvSpPr>
         <p:spPr/>
         <p:txBody>
           <a:bodyPr rtlCol="0"/>
@@ -11083,7 +10899,7 @@
         </p:nvSpPr>
         <p:spPr>
           <a:xfrm>
-            <a:off x="69877" y="1905000"/>
+            <a:off x="667805" y="1540189"/>
             <a:ext cx="4313864" cy="3777622"/>
           </a:xfrm>
         </p:spPr>
@@ -11091,58 +10907,53 @@
           <a:bodyPr rtlCol="0"/>
           <a:lstStyle/>
           <a:p>
-            <a:pPr rtl="0"/>
-            <a:r>
-              <a:rPr lang="es-ES" sz="2500" dirty="0">
+            <a:pPr marL="0" indent="0" rtl="0">
+              <a:buNone/>
+            </a:pPr>
+            <a:r>
+              <a:rPr lang="es-ES" dirty="0">
                 <a:solidFill>
                   <a:schemeClr val="bg1"/>
                 </a:solidFill>
-                <a:latin typeface="Baskerville"/>
               </a:rPr>
-              <a:t>Si estas logeado:</a:t>
-            </a:r>
-          </a:p>
-          <a:p>
-            <a:pPr lvl="1"/>
-            <a:r>
-              <a:rPr lang="es-ES" sz="2500" dirty="0">
+              <a:t>-Acceso al perfil de la aplicación y posibilidad de registrar historiales de ejercicios</a:t>
+            </a:r>
+          </a:p>
+          <a:p>
+            <a:pPr marL="0" indent="0" rtl="0">
+              <a:buNone/>
+            </a:pPr>
+            <a:r>
+              <a:rPr lang="es-ES" dirty="0">
                 <a:solidFill>
                   <a:schemeClr val="bg1"/>
                 </a:solidFill>
-                <a:latin typeface="Baskerville"/>
               </a:rPr>
-              <a:t>Correo Electrónico</a:t>
-            </a:r>
-          </a:p>
-          <a:p>
-            <a:pPr lvl="1"/>
-            <a:r>
-              <a:rPr lang="es-ES" sz="2500" dirty="0">
+              <a:t>-Enlace a registro, para nuevos usuarios</a:t>
+            </a:r>
+          </a:p>
+          <a:p>
+            <a:pPr marL="0" indent="0" rtl="0">
+              <a:buNone/>
+            </a:pPr>
+            <a:r>
+              <a:rPr lang="es-ES" dirty="0">
                 <a:solidFill>
                   <a:schemeClr val="bg1"/>
                 </a:solidFill>
-                <a:latin typeface="Baskerville"/>
               </a:rPr>
-              <a:t>Contraseña</a:t>
-            </a:r>
-          </a:p>
-          <a:p>
-            <a:pPr lvl="1"/>
-            <a:r>
-              <a:rPr lang="es-ES" sz="2500" dirty="0">
-                <a:solidFill>
-                  <a:schemeClr val="bg1"/>
-                </a:solidFill>
-                <a:latin typeface="Baskerville"/>
-              </a:rPr>
-              <a:t>Acceso a las funciones de la app</a:t>
+              <a:t>-Enlace a cambio de contraseña, donde se enviará un correo para el cambio</a:t>
             </a:r>
           </a:p>
           <a:p>
             <a:pPr marL="0" indent="0" rtl="0">
               <a:buNone/>
             </a:pPr>
-            <a:endParaRPr lang="es-ES" dirty="0"/>
+            <a:endParaRPr lang="es-ES" dirty="0">
+              <a:solidFill>
+                <a:schemeClr val="bg1"/>
+              </a:solidFill>
+            </a:endParaRPr>
           </a:p>
         </p:txBody>
       </p:sp>
@@ -11392,77 +11203,6 @@
             </a:lvl9pPr>
           </a:lstStyle>
           <a:p>
-            <a:r>
-              <a:rPr lang="es-ES" sz="2500" dirty="0">
-                <a:solidFill>
-                  <a:schemeClr val="bg1"/>
-                </a:solidFill>
-                <a:latin typeface="Baskerville"/>
-              </a:rPr>
-              <a:t>Si no estas logeado:</a:t>
-            </a:r>
-          </a:p>
-          <a:p>
-            <a:pPr lvl="1"/>
-            <a:r>
-              <a:rPr lang="es-ES" sz="2500" dirty="0">
-                <a:solidFill>
-                  <a:schemeClr val="bg1"/>
-                </a:solidFill>
-                <a:latin typeface="Baskerville"/>
-              </a:rPr>
-              <a:t>Crear Cuenta:</a:t>
-            </a:r>
-          </a:p>
-          <a:p>
-            <a:pPr lvl="2"/>
-            <a:r>
-              <a:rPr lang="es-ES" sz="2500" dirty="0">
-                <a:solidFill>
-                  <a:schemeClr val="bg1"/>
-                </a:solidFill>
-                <a:latin typeface="Baskerville"/>
-              </a:rPr>
-              <a:t>Nombre y apellidos.</a:t>
-            </a:r>
-          </a:p>
-          <a:p>
-            <a:pPr lvl="2"/>
-            <a:r>
-              <a:rPr lang="es-ES" sz="2500" dirty="0">
-                <a:solidFill>
-                  <a:schemeClr val="bg1"/>
-                </a:solidFill>
-                <a:latin typeface="Baskerville"/>
-              </a:rPr>
-              <a:t>Correo Electrónico</a:t>
-            </a:r>
-          </a:p>
-          <a:p>
-            <a:pPr lvl="2"/>
-            <a:r>
-              <a:rPr lang="es-ES" sz="2500" dirty="0">
-                <a:solidFill>
-                  <a:schemeClr val="bg1"/>
-                </a:solidFill>
-                <a:latin typeface="Baskerville"/>
-              </a:rPr>
-              <a:t>Contraseña</a:t>
-            </a:r>
-          </a:p>
-          <a:p>
-            <a:pPr lvl="2"/>
-            <a:r>
-              <a:rPr lang="es-ES" sz="2500" dirty="0">
-                <a:solidFill>
-                  <a:schemeClr val="bg1"/>
-                </a:solidFill>
-                <a:latin typeface="Baskerville"/>
-              </a:rPr>
-              <a:t>Aceptar los términos y condiciones de la aplicación.</a:t>
-            </a:r>
-          </a:p>
-          <a:p>
             <a:pPr lvl="2"/>
             <a:endParaRPr lang="es-ES" sz="2500" dirty="0">
               <a:solidFill>
@@ -11486,10 +11226,10 @@
       </p:sp>
       <p:pic>
         <p:nvPicPr>
-          <p:cNvPr id="9" name="Imagen 8">
+          <p:cNvPr id="5" name="Imagen 4">
             <a:extLst>
               <a:ext uri="{FF2B5EF4-FFF2-40B4-BE49-F238E27FC236}">
-                <a16:creationId xmlns:a16="http://schemas.microsoft.com/office/drawing/2014/main" id="{9FBB6EB8-9CAD-C89E-1AF4-B372573682DA}"/>
+                <a16:creationId xmlns:a16="http://schemas.microsoft.com/office/drawing/2014/main" id="{3C5C1E56-8739-0B4D-1FE4-F9D4106D9017}"/>
               </a:ext>
             </a:extLst>
           </p:cNvPr>
@@ -11506,8 +11246,68 @@
         </p:blipFill>
         <p:spPr>
           <a:xfrm>
-            <a:off x="4383741" y="3480033"/>
-            <a:ext cx="3424518" cy="2945936"/>
+            <a:off x="4913267" y="1469385"/>
+            <a:ext cx="2210417" cy="4666436"/>
+          </a:xfrm>
+          <a:prstGeom prst="rect">
+            <a:avLst/>
+          </a:prstGeom>
+        </p:spPr>
+      </p:pic>
+      <p:pic>
+        <p:nvPicPr>
+          <p:cNvPr id="8" name="Imagen 7">
+            <a:extLst>
+              <a:ext uri="{FF2B5EF4-FFF2-40B4-BE49-F238E27FC236}">
+                <a16:creationId xmlns:a16="http://schemas.microsoft.com/office/drawing/2014/main" id="{C6B079C5-B141-992C-40A1-9E4A5B1FAFA5}"/>
+              </a:ext>
+            </a:extLst>
+          </p:cNvPr>
+          <p:cNvPicPr>
+            <a:picLocks noChangeAspect="1"/>
+          </p:cNvPicPr>
+          <p:nvPr/>
+        </p:nvPicPr>
+        <p:blipFill>
+          <a:blip r:embed="rId4"/>
+          <a:stretch>
+            <a:fillRect/>
+          </a:stretch>
+        </p:blipFill>
+        <p:spPr>
+          <a:xfrm>
+            <a:off x="9830890" y="1469385"/>
+            <a:ext cx="2137496" cy="4666436"/>
+          </a:xfrm>
+          <a:prstGeom prst="rect">
+            <a:avLst/>
+          </a:prstGeom>
+        </p:spPr>
+      </p:pic>
+      <p:pic>
+        <p:nvPicPr>
+          <p:cNvPr id="11" name="Imagen 10">
+            <a:extLst>
+              <a:ext uri="{FF2B5EF4-FFF2-40B4-BE49-F238E27FC236}">
+                <a16:creationId xmlns:a16="http://schemas.microsoft.com/office/drawing/2014/main" id="{1D994958-8D99-E0F6-724B-DFF0B59FE723}"/>
+              </a:ext>
+            </a:extLst>
+          </p:cNvPr>
+          <p:cNvPicPr>
+            <a:picLocks noChangeAspect="1"/>
+          </p:cNvPicPr>
+          <p:nvPr/>
+        </p:nvPicPr>
+        <p:blipFill>
+          <a:blip r:embed="rId5"/>
+          <a:stretch>
+            <a:fillRect/>
+          </a:stretch>
+        </p:blipFill>
+        <p:spPr>
+          <a:xfrm>
+            <a:off x="7330247" y="1469385"/>
+            <a:ext cx="2294080" cy="4953000"/>
           </a:xfrm>
           <a:prstGeom prst="rect">
             <a:avLst/>
@@ -11518,6 +11318,202 @@
     <p:extLst>
       <p:ext uri="{BB962C8B-B14F-4D97-AF65-F5344CB8AC3E}">
         <p14:creationId xmlns:p14="http://schemas.microsoft.com/office/powerpoint/2010/main" val="1619568945"/>
+      </p:ext>
+    </p:extLst>
+  </p:cSld>
+  <p:clrMapOvr>
+    <a:masterClrMapping/>
+  </p:clrMapOvr>
+  <mc:AlternateContent xmlns:mc="http://schemas.openxmlformats.org/markup-compatibility/2006" xmlns:p14="http://schemas.microsoft.com/office/powerpoint/2010/main">
+    <mc:Choice Requires="p14">
+      <p:transition spd="med" p14:dur="700">
+        <p:fade/>
+      </p:transition>
+    </mc:Choice>
+    <mc:Fallback xmlns="">
+      <p:transition spd="med">
+        <p:fade/>
+      </p:transition>
+    </mc:Fallback>
+  </mc:AlternateContent>
+</p:sld>
+</file>
+
+<file path=ppt/slides/slide4.xml><?xml version="1.0" encoding="utf-8"?>
+<p:sld xmlns:a="http://schemas.openxmlformats.org/drawingml/2006/main" xmlns:r="http://schemas.openxmlformats.org/officeDocument/2006/relationships" xmlns:p="http://schemas.openxmlformats.org/presentationml/2006/main">
+  <p:cSld>
+    <p:bg>
+      <p:bgPr>
+        <a:solidFill>
+          <a:schemeClr val="tx1"/>
+        </a:solidFill>
+        <a:effectLst/>
+      </p:bgPr>
+    </p:bg>
+    <p:spTree>
+      <p:nvGrpSpPr>
+        <p:cNvPr id="1" name=""/>
+        <p:cNvGrpSpPr/>
+        <p:nvPr/>
+      </p:nvGrpSpPr>
+      <p:grpSpPr>
+        <a:xfrm>
+          <a:off x="0" y="0"/>
+          <a:ext cx="0" cy="0"/>
+          <a:chOff x="0" y="0"/>
+          <a:chExt cx="0" cy="0"/>
+        </a:xfrm>
+      </p:grpSpPr>
+      <p:sp>
+        <p:nvSpPr>
+          <p:cNvPr id="2" name="Título 1"/>
+          <p:cNvSpPr>
+            <a:spLocks noGrp="1"/>
+          </p:cNvSpPr>
+          <p:nvPr>
+            <p:ph type="title"/>
+          </p:nvPr>
+        </p:nvSpPr>
+        <p:spPr/>
+        <p:txBody>
+          <a:bodyPr rtlCol="0"/>
+          <a:lstStyle/>
+          <a:p>
+            <a:pPr algn="ctr" rtl="0"/>
+            <a:r>
+              <a:rPr lang="es-ES" dirty="0">
+                <a:solidFill>
+                  <a:srgbClr val="FFFF00"/>
+                </a:solidFill>
+              </a:rPr>
+              <a:t>Perfil de usuario</a:t>
+            </a:r>
+            <a:br>
+              <a:rPr lang="es-ES" dirty="0">
+                <a:solidFill>
+                  <a:srgbClr val="FFFF00"/>
+                </a:solidFill>
+              </a:rPr>
+            </a:br>
+            <a:endParaRPr lang="es-ES" dirty="0">
+              <a:solidFill>
+                <a:srgbClr val="FFFF00"/>
+              </a:solidFill>
+            </a:endParaRPr>
+          </a:p>
+        </p:txBody>
+      </p:sp>
+      <p:sp>
+        <p:nvSpPr>
+          <p:cNvPr id="3" name="Marcador de posición de contenido 2"/>
+          <p:cNvSpPr>
+            <a:spLocks noGrp="1"/>
+          </p:cNvSpPr>
+          <p:nvPr>
+            <p:ph sz="half" idx="1"/>
+          </p:nvPr>
+        </p:nvSpPr>
+        <p:spPr>
+          <a:xfrm>
+            <a:off x="4891835" y="1905000"/>
+            <a:ext cx="4313864" cy="3777622"/>
+          </a:xfrm>
+        </p:spPr>
+        <p:txBody>
+          <a:bodyPr rtlCol="0"/>
+          <a:lstStyle/>
+          <a:p>
+            <a:pPr rtl="0"/>
+            <a:endParaRPr lang="es-ES" dirty="0"/>
+          </a:p>
+          <a:p>
+            <a:pPr rtl="0"/>
+            <a:endParaRPr lang="es-ES" dirty="0">
+              <a:solidFill>
+                <a:schemeClr val="bg1"/>
+              </a:solidFill>
+            </a:endParaRPr>
+          </a:p>
+          <a:p>
+            <a:pPr rtl="0"/>
+            <a:r>
+              <a:rPr lang="es-ES" sz="2500" dirty="0">
+                <a:solidFill>
+                  <a:schemeClr val="bg1"/>
+                </a:solidFill>
+                <a:latin typeface="Baskerville"/>
+              </a:rPr>
+              <a:t>Acceso a historiales de entrenamientos</a:t>
+            </a:r>
+          </a:p>
+          <a:p>
+            <a:pPr rtl="0"/>
+            <a:r>
+              <a:rPr lang="es-ES" sz="2500" dirty="0">
+                <a:solidFill>
+                  <a:schemeClr val="bg1"/>
+                </a:solidFill>
+                <a:latin typeface="Baskerville"/>
+              </a:rPr>
+              <a:t>Acceso a información</a:t>
+            </a:r>
+          </a:p>
+          <a:p>
+            <a:pPr rtl="0"/>
+            <a:r>
+              <a:rPr lang="es-ES" sz="2500" dirty="0">
+                <a:solidFill>
+                  <a:schemeClr val="bg1"/>
+                </a:solidFill>
+                <a:latin typeface="Baskerville"/>
+              </a:rPr>
+              <a:t>Acceso a configuración</a:t>
+            </a:r>
+          </a:p>
+          <a:p>
+            <a:pPr rtl="0"/>
+            <a:endParaRPr lang="es-ES" dirty="0"/>
+          </a:p>
+          <a:p>
+            <a:pPr rtl="0"/>
+            <a:endParaRPr lang="es-ES" dirty="0"/>
+          </a:p>
+        </p:txBody>
+      </p:sp>
+      <p:pic>
+        <p:nvPicPr>
+          <p:cNvPr id="5" name="Imagen 4">
+            <a:extLst>
+              <a:ext uri="{FF2B5EF4-FFF2-40B4-BE49-F238E27FC236}">
+                <a16:creationId xmlns:a16="http://schemas.microsoft.com/office/drawing/2014/main" id="{9EEFCEBD-580F-9572-444A-6C8636F6BD5F}"/>
+              </a:ext>
+            </a:extLst>
+          </p:cNvPr>
+          <p:cNvPicPr>
+            <a:picLocks noChangeAspect="1"/>
+          </p:cNvPicPr>
+          <p:nvPr/>
+        </p:nvPicPr>
+        <p:blipFill>
+          <a:blip r:embed="rId3"/>
+          <a:stretch>
+            <a:fillRect/>
+          </a:stretch>
+        </p:blipFill>
+        <p:spPr>
+          <a:xfrm>
+            <a:off x="1676665" y="798427"/>
+            <a:ext cx="2411758" cy="5039665"/>
+          </a:xfrm>
+          <a:prstGeom prst="rect">
+            <a:avLst/>
+          </a:prstGeom>
+        </p:spPr>
+      </p:pic>
+    </p:spTree>
+    <p:extLst>
+      <p:ext uri="{BB962C8B-B14F-4D97-AF65-F5344CB8AC3E}">
+        <p14:creationId xmlns:p14="http://schemas.microsoft.com/office/powerpoint/2010/main" val="1382416307"/>
       </p:ext>
     </p:extLst>
   </p:cSld>
@@ -11586,7 +11582,15 @@
                   <a:srgbClr val="FFFF00"/>
                 </a:solidFill>
               </a:rPr>
-              <a:t>Perfil de usuario</a:t>
+              <a:t>Información y </a:t>
+            </a:r>
+            <a:r>
+              <a:rPr lang="es-ES" dirty="0" err="1">
+                <a:solidFill>
+                  <a:srgbClr val="FFFF00"/>
+                </a:solidFill>
+              </a:rPr>
+              <a:t>configuracion</a:t>
             </a:r>
             <a:br>
               <a:rPr lang="es-ES" dirty="0">
@@ -11615,12 +11619,14 @@
         </p:nvSpPr>
         <p:spPr>
           <a:xfrm>
-            <a:off x="4891835" y="1905000"/>
-            <a:ext cx="4313864" cy="3777622"/>
+            <a:off x="3290217" y="1047146"/>
+            <a:ext cx="5130910" cy="4896454"/>
           </a:xfrm>
         </p:spPr>
         <p:txBody>
-          <a:bodyPr rtlCol="0"/>
+          <a:bodyPr rtlCol="0">
+            <a:normAutofit/>
+          </a:bodyPr>
           <a:lstStyle/>
           <a:p>
             <a:pPr rtl="0"/>
@@ -11643,7 +11649,21 @@
                 </a:solidFill>
                 <a:latin typeface="Baskerville"/>
               </a:rPr>
-              <a:t>Vamos a poder ver la información de la cuenta</a:t>
+              <a:t>Desde configuración se accede a:</a:t>
+            </a:r>
+          </a:p>
+          <a:p>
+            <a:pPr marL="457200" lvl="1" indent="0">
+              <a:buNone/>
+            </a:pPr>
+            <a:r>
+              <a:rPr lang="es-ES" sz="2300" dirty="0">
+                <a:solidFill>
+                  <a:schemeClr val="bg1"/>
+                </a:solidFill>
+                <a:latin typeface="Baskerville"/>
+              </a:rPr>
+              <a:t>-Actualización de la app, modificación de datos, e informar sobre problemas</a:t>
             </a:r>
           </a:p>
           <a:p>
@@ -11655,19 +11675,99 @@
                 </a:solidFill>
                 <a:latin typeface="Baskerville"/>
               </a:rPr>
-              <a:t>Vamos a poder cambiar datos de la cuenta</a:t>
-            </a:r>
-          </a:p>
-          <a:p>
-            <a:pPr rtl="0"/>
-            <a:r>
-              <a:rPr lang="es-ES" sz="2500" dirty="0">
+              <a:t>Desde información se accede a:</a:t>
+            </a:r>
+          </a:p>
+          <a:p>
+            <a:pPr marL="457200" lvl="1" indent="0">
+              <a:buNone/>
+            </a:pPr>
+            <a:r>
+              <a:rPr lang="es-ES" sz="2300" dirty="0">
                 <a:solidFill>
                   <a:schemeClr val="bg1"/>
                 </a:solidFill>
                 <a:latin typeface="Baskerville"/>
               </a:rPr>
-              <a:t>Cambiar el idioma de la aplicación </a:t>
+              <a:t>-</a:t>
+            </a:r>
+            <a:r>
+              <a:rPr lang="es-ES" sz="2300" dirty="0" err="1">
+                <a:solidFill>
+                  <a:schemeClr val="bg1"/>
+                </a:solidFill>
+                <a:latin typeface="Baskerville"/>
+              </a:rPr>
+              <a:t>Politicas</a:t>
+            </a:r>
+            <a:r>
+              <a:rPr lang="es-ES" sz="2300" dirty="0">
+                <a:solidFill>
+                  <a:schemeClr val="bg1"/>
+                </a:solidFill>
+                <a:latin typeface="Baskerville"/>
+              </a:rPr>
+              <a:t> de privacidad</a:t>
+            </a:r>
+          </a:p>
+          <a:p>
+            <a:pPr marL="457200" lvl="1" indent="0">
+              <a:buNone/>
+            </a:pPr>
+            <a:r>
+              <a:rPr lang="es-ES" sz="2300" dirty="0">
+                <a:solidFill>
+                  <a:schemeClr val="bg1"/>
+                </a:solidFill>
+                <a:latin typeface="Baskerville"/>
+              </a:rPr>
+              <a:t>-Reglamentos</a:t>
+            </a:r>
+          </a:p>
+          <a:p>
+            <a:pPr marL="457200" lvl="1" indent="0">
+              <a:buNone/>
+            </a:pPr>
+            <a:r>
+              <a:rPr lang="es-ES" sz="2300" dirty="0">
+                <a:solidFill>
+                  <a:schemeClr val="bg1"/>
+                </a:solidFill>
+                <a:latin typeface="Baskerville"/>
+              </a:rPr>
+              <a:t>-Condiciones de uso</a:t>
+            </a:r>
+          </a:p>
+          <a:p>
+            <a:pPr marL="457200" lvl="1" indent="0">
+              <a:buNone/>
+            </a:pPr>
+            <a:r>
+              <a:rPr lang="es-ES" sz="2300" dirty="0">
+                <a:solidFill>
+                  <a:schemeClr val="bg1"/>
+                </a:solidFill>
+                <a:latin typeface="Baskerville"/>
+              </a:rPr>
+              <a:t>-Chat de </a:t>
+            </a:r>
+            <a:r>
+              <a:rPr lang="es-ES" sz="2300" dirty="0" err="1">
+                <a:solidFill>
+                  <a:schemeClr val="bg1"/>
+                </a:solidFill>
+                <a:latin typeface="Baskerville"/>
+              </a:rPr>
+              <a:t>telegram</a:t>
+            </a:r>
+            <a:r>
+              <a:rPr lang="es-ES" sz="2300" dirty="0">
+                <a:solidFill>
+                  <a:schemeClr val="bg1"/>
+                </a:solidFill>
+                <a:latin typeface="Baskerville"/>
+              </a:rPr>
+              <a:t> de usuarios</a:t>
             </a:r>
           </a:p>
           <a:p>
@@ -11682,10 +11782,10 @@
       </p:sp>
       <p:pic>
         <p:nvPicPr>
-          <p:cNvPr id="8" name="Imagen 7">
+          <p:cNvPr id="6" name="Imagen 5">
             <a:extLst>
               <a:ext uri="{FF2B5EF4-FFF2-40B4-BE49-F238E27FC236}">
-                <a16:creationId xmlns:a16="http://schemas.microsoft.com/office/drawing/2014/main" id="{1AB7A38A-DF25-01DD-80BE-21F4F7BC56AD}"/>
+                <a16:creationId xmlns:a16="http://schemas.microsoft.com/office/drawing/2014/main" id="{3FD8A0B3-59D3-F836-701F-AA757BF8479E}"/>
               </a:ext>
             </a:extLst>
           </p:cNvPr>
@@ -11702,8 +11802,38 @@
         </p:blipFill>
         <p:spPr>
           <a:xfrm>
-            <a:off x="1965670" y="983113"/>
-            <a:ext cx="2283600" cy="4891773"/>
+            <a:off x="1081454" y="1447661"/>
+            <a:ext cx="2173517" cy="4694376"/>
+          </a:xfrm>
+          <a:prstGeom prst="rect">
+            <a:avLst/>
+          </a:prstGeom>
+        </p:spPr>
+      </p:pic>
+      <p:pic>
+        <p:nvPicPr>
+          <p:cNvPr id="8" name="Imagen 7">
+            <a:extLst>
+              <a:ext uri="{FF2B5EF4-FFF2-40B4-BE49-F238E27FC236}">
+                <a16:creationId xmlns:a16="http://schemas.microsoft.com/office/drawing/2014/main" id="{5094CCCC-2527-525C-D0BF-EF6E884F0BB4}"/>
+              </a:ext>
+            </a:extLst>
+          </p:cNvPr>
+          <p:cNvPicPr>
+            <a:picLocks noChangeAspect="1"/>
+          </p:cNvPicPr>
+          <p:nvPr/>
+        </p:nvPicPr>
+        <p:blipFill>
+          <a:blip r:embed="rId4"/>
+          <a:stretch>
+            <a:fillRect/>
+          </a:stretch>
+        </p:blipFill>
+        <p:spPr>
+          <a:xfrm>
+            <a:off x="8456373" y="1447661"/>
+            <a:ext cx="2357329" cy="4798660"/>
           </a:xfrm>
           <a:prstGeom prst="rect">
             <a:avLst/>
@@ -11713,20 +11843,20 @@
     </p:spTree>
     <p:extLst>
       <p:ext uri="{BB962C8B-B14F-4D97-AF65-F5344CB8AC3E}">
-        <p14:creationId xmlns:p14="http://schemas.microsoft.com/office/powerpoint/2010/main" val="1382416307"/>
+        <p14:creationId xmlns:p14="http://schemas.microsoft.com/office/powerpoint/2010/main" val="3014657887"/>
       </p:ext>
     </p:extLst>
   </p:cSld>
   <p:clrMapOvr>
     <a:masterClrMapping/>
   </p:clrMapOvr>
-  <mc:AlternateContent xmlns:mc="http://schemas.openxmlformats.org/markup-compatibility/2006" xmlns:p14="http://schemas.microsoft.com/office/powerpoint/2010/main">
-    <mc:Choice Requires="p14">
+  <mc:AlternateContent xmlns:mc="http://schemas.openxmlformats.org/markup-compatibility/2006">
+    <mc:Choice xmlns:p14="http://schemas.microsoft.com/office/powerpoint/2010/main" Requires="p14">
       <p:transition spd="med" p14:dur="700">
         <p:fade/>
       </p:transition>
     </mc:Choice>
-    <mc:Fallback xmlns="">
+    <mc:Fallback>
       <p:transition spd="med">
         <p:fade/>
       </p:transition>
@@ -11772,37 +11902,23 @@
         </p:nvSpPr>
         <p:spPr>
           <a:xfrm>
-            <a:off x="2052906" y="426887"/>
+            <a:off x="2003840" y="404302"/>
             <a:ext cx="8911687" cy="1280890"/>
           </a:xfrm>
         </p:spPr>
         <p:txBody>
-          <a:bodyPr rtlCol="0">
-            <a:normAutofit/>
-          </a:bodyPr>
+          <a:bodyPr rtlCol="0"/>
           <a:lstStyle/>
           <a:p>
-            <a:pPr algn="ctr" rtl="0"/>
+            <a:pPr algn="ctr"/>
             <a:r>
               <a:rPr lang="es-ES" dirty="0">
                 <a:solidFill>
                   <a:srgbClr val="FFFF00"/>
                 </a:solidFill>
               </a:rPr>
-              <a:t>Información y contacto</a:t>
-            </a:r>
-            <a:br>
-              <a:rPr lang="es-ES" dirty="0">
-                <a:solidFill>
-                  <a:srgbClr val="FFFF00"/>
-                </a:solidFill>
-              </a:rPr>
-            </a:br>
-            <a:endParaRPr lang="es-ES" dirty="0">
-              <a:solidFill>
-                <a:srgbClr val="FFFF00"/>
-              </a:solidFill>
-            </a:endParaRPr>
+              <a:t>Ejercicios</a:t>
+            </a:r>
           </a:p>
         </p:txBody>
       </p:sp>
@@ -11818,69 +11934,56 @@
         </p:nvSpPr>
         <p:spPr>
           <a:xfrm>
-            <a:off x="4351818" y="1905000"/>
-            <a:ext cx="4313864" cy="3518647"/>
+            <a:off x="5999666" y="1540189"/>
+            <a:ext cx="4313864" cy="3777622"/>
           </a:xfrm>
         </p:spPr>
         <p:txBody>
           <a:bodyPr rtlCol="0">
-            <a:normAutofit fontScale="92500" lnSpcReduction="10000"/>
+            <a:normAutofit/>
           </a:bodyPr>
           <a:lstStyle/>
           <a:p>
-            <a:pPr marL="0" indent="0" rtl="0">
-              <a:buNone/>
-            </a:pPr>
-            <a:endParaRPr lang="es-ES" dirty="0"/>
-          </a:p>
-          <a:p>
-            <a:pPr rtl="0"/>
-            <a:r>
-              <a:rPr lang="es-ES" sz="2500" dirty="0">
+            <a:r>
+              <a:rPr lang="es-ES" sz="2700" dirty="0">
                 <a:solidFill>
                   <a:schemeClr val="bg1"/>
                 </a:solidFill>
                 <a:latin typeface="Baskerville"/>
               </a:rPr>
-              <a:t>Información de la aplicación y formas varias de contactar a los creadores de esta aplicación.</a:t>
-            </a:r>
-          </a:p>
-          <a:p>
-            <a:pPr rtl="0"/>
-            <a:r>
-              <a:rPr lang="es-ES" sz="2500" dirty="0">
+              <a:t>Listado de ejercicios según el musculo seleccionado</a:t>
+            </a:r>
+          </a:p>
+          <a:p>
+            <a:r>
+              <a:rPr lang="es-ES" sz="2700" dirty="0">
                 <a:solidFill>
                   <a:schemeClr val="bg1"/>
                 </a:solidFill>
                 <a:latin typeface="Baskerville"/>
               </a:rPr>
-              <a:t>Información sobre la política de privacidad y acuerdos con el usuario.</a:t>
-            </a:r>
-          </a:p>
-          <a:p>
-            <a:pPr rtl="0"/>
-            <a:r>
-              <a:rPr lang="es-ES" sz="2500" dirty="0">
+              <a:t>Posibilidad de ver explicación y videotutorial sobre el ejercicio seleccionado</a:t>
+            </a:r>
+          </a:p>
+          <a:p>
+            <a:r>
+              <a:rPr lang="es-ES" sz="2700" dirty="0">
                 <a:solidFill>
                   <a:schemeClr val="bg1"/>
                 </a:solidFill>
                 <a:latin typeface="Baskerville"/>
               </a:rPr>
-              <a:t>Chat de Telegram de todos los usuarios de la aplicación</a:t>
-            </a:r>
-          </a:p>
-          <a:p>
-            <a:pPr rtl="0"/>
-            <a:endParaRPr lang="es-ES" dirty="0"/>
+              <a:t>Posibilidad de registrar entrenamiento</a:t>
+            </a:r>
           </a:p>
         </p:txBody>
       </p:sp>
       <p:pic>
         <p:nvPicPr>
-          <p:cNvPr id="5" name="Imagen 4">
+          <p:cNvPr id="6" name="Imagen 5">
             <a:extLst>
               <a:ext uri="{FF2B5EF4-FFF2-40B4-BE49-F238E27FC236}">
-                <a16:creationId xmlns:a16="http://schemas.microsoft.com/office/drawing/2014/main" id="{149DCBE6-BE7F-78ED-E80C-9F8E7EF5AA81}"/>
+                <a16:creationId xmlns:a16="http://schemas.microsoft.com/office/drawing/2014/main" id="{5FD78B59-B509-AE87-D0A2-7CA8BC50E6BE}"/>
               </a:ext>
             </a:extLst>
           </p:cNvPr>
@@ -11897,8 +12000,8 @@
         </p:blipFill>
         <p:spPr>
           <a:xfrm>
-            <a:off x="1159415" y="1483670"/>
-            <a:ext cx="2155513" cy="4750220"/>
+            <a:off x="355795" y="1361271"/>
+            <a:ext cx="2322407" cy="4953000"/>
           </a:xfrm>
           <a:prstGeom prst="rect">
             <a:avLst/>
@@ -11907,10 +12010,10 @@
       </p:pic>
       <p:pic>
         <p:nvPicPr>
-          <p:cNvPr id="7" name="Imagen 6">
+          <p:cNvPr id="12" name="Imagen 11">
             <a:extLst>
               <a:ext uri="{FF2B5EF4-FFF2-40B4-BE49-F238E27FC236}">
-                <a16:creationId xmlns:a16="http://schemas.microsoft.com/office/drawing/2014/main" id="{03D52191-0867-AEA6-A1B9-2F67E85B4A48}"/>
+                <a16:creationId xmlns:a16="http://schemas.microsoft.com/office/drawing/2014/main" id="{7995DE06-5ADA-694E-C9E5-CD7B11BCD6F7}"/>
               </a:ext>
             </a:extLst>
           </p:cNvPr>
@@ -11927,8 +12030,8 @@
         </p:blipFill>
         <p:spPr>
           <a:xfrm>
-            <a:off x="9702572" y="1535885"/>
-            <a:ext cx="2160067" cy="4698005"/>
+            <a:off x="3243862" y="1365804"/>
+            <a:ext cx="2322406" cy="4948468"/>
           </a:xfrm>
           <a:prstGeom prst="rect">
             <a:avLst/>
@@ -11938,7 +12041,7 @@
     </p:spTree>
     <p:extLst>
       <p:ext uri="{BB962C8B-B14F-4D97-AF65-F5344CB8AC3E}">
-        <p14:creationId xmlns:p14="http://schemas.microsoft.com/office/powerpoint/2010/main" val="1977886966"/>
+        <p14:creationId xmlns:p14="http://schemas.microsoft.com/office/powerpoint/2010/main" val="3581807848"/>
       </p:ext>
     </p:extLst>
   </p:cSld>
@@ -12007,7 +12110,7 @@
                   <a:srgbClr val="FFFF00"/>
                 </a:solidFill>
               </a:rPr>
-              <a:t>Búsqueda de Gimnasios Cercanos</a:t>
+              <a:t>Funcionalidades de ejercicios</a:t>
             </a:r>
           </a:p>
         </p:txBody>
@@ -12024,21 +12127,16 @@
         </p:nvSpPr>
         <p:spPr>
           <a:xfrm>
-            <a:off x="4891835" y="1905000"/>
+            <a:off x="6534485" y="1685192"/>
             <a:ext cx="4313864" cy="3777622"/>
           </a:xfrm>
         </p:spPr>
         <p:txBody>
-          <a:bodyPr rtlCol="0"/>
+          <a:bodyPr rtlCol="0">
+            <a:normAutofit/>
+          </a:bodyPr>
           <a:lstStyle/>
           <a:p>
-            <a:pPr marL="0" indent="0" rtl="0">
-              <a:buNone/>
-            </a:pPr>
-            <a:endParaRPr lang="es-ES" dirty="0"/>
-          </a:p>
-          <a:p>
-            <a:pPr rtl="0"/>
             <a:r>
               <a:rPr lang="es-ES" sz="2500" dirty="0">
                 <a:solidFill>
@@ -12046,17 +12144,10 @@
                 </a:solidFill>
                 <a:latin typeface="Baskerville"/>
               </a:rPr>
-              <a:t>Vas a poder acceder a Google </a:t>
-            </a:r>
-            <a:r>
-              <a:rPr lang="es-ES" sz="2500" dirty="0" err="1">
-                <a:solidFill>
-                  <a:schemeClr val="bg1"/>
-                </a:solidFill>
-                <a:latin typeface="Baskerville"/>
-              </a:rPr>
-              <a:t>Maps</a:t>
-            </a:r>
+              <a:t>Ver videotutorial explicativo sobre el ejercicio</a:t>
+            </a:r>
+          </a:p>
+          <a:p>
             <a:r>
               <a:rPr lang="es-ES" sz="2500" dirty="0">
                 <a:solidFill>
@@ -12064,29 +12155,25 @@
                 </a:solidFill>
                 <a:latin typeface="Baskerville"/>
               </a:rPr>
-              <a:t> para poder ver los gimnasios mas cercanos.</a:t>
-            </a:r>
-          </a:p>
-          <a:p>
-            <a:pPr rtl="0"/>
-            <a:r>
-              <a:rPr lang="es-ES" sz="2500" dirty="0">
-                <a:solidFill>
-                  <a:schemeClr val="bg1"/>
-                </a:solidFill>
-                <a:latin typeface="Baskerville"/>
-              </a:rPr>
-              <a:t>Ver un listado de los gimnasios mas económicos y mejor valorados</a:t>
-            </a:r>
+              <a:t>Registrar marcas de entrenamiento por fecha</a:t>
+            </a:r>
+          </a:p>
+          <a:p>
+            <a:endParaRPr lang="es-ES" sz="2500" dirty="0">
+              <a:solidFill>
+                <a:schemeClr val="bg1"/>
+              </a:solidFill>
+              <a:latin typeface="Baskerville"/>
+            </a:endParaRPr>
           </a:p>
         </p:txBody>
       </p:sp>
       <p:pic>
         <p:nvPicPr>
-          <p:cNvPr id="5" name="Imagen 4">
+          <p:cNvPr id="8" name="Imagen 7">
             <a:extLst>
               <a:ext uri="{FF2B5EF4-FFF2-40B4-BE49-F238E27FC236}">
-                <a16:creationId xmlns:a16="http://schemas.microsoft.com/office/drawing/2014/main" id="{59D8FC67-2ABB-E36B-2F83-D926B2833FE4}"/>
+                <a16:creationId xmlns:a16="http://schemas.microsoft.com/office/drawing/2014/main" id="{37AD00F6-2030-158A-424D-4C2B976085FF}"/>
               </a:ext>
             </a:extLst>
           </p:cNvPr>
@@ -12096,21 +12183,45 @@
           <p:nvPr/>
         </p:nvPicPr>
         <p:blipFill>
-          <a:blip r:embed="rId3" cstate="print">
-            <a:extLst>
-              <a:ext uri="{28A0092B-C50C-407E-A947-70E740481C1C}">
-                <a14:useLocalDpi xmlns:a14="http://schemas.microsoft.com/office/drawing/2010/main" val="0"/>
-              </a:ext>
-            </a:extLst>
-          </a:blip>
+          <a:blip r:embed="rId3"/>
           <a:stretch>
             <a:fillRect/>
           </a:stretch>
         </p:blipFill>
         <p:spPr>
           <a:xfrm>
-            <a:off x="914400" y="1270896"/>
-            <a:ext cx="2389438" cy="5177115"/>
+            <a:off x="3369622" y="1516601"/>
+            <a:ext cx="2287895" cy="4908871"/>
+          </a:xfrm>
+          <a:prstGeom prst="rect">
+            <a:avLst/>
+          </a:prstGeom>
+        </p:spPr>
+      </p:pic>
+      <p:pic>
+        <p:nvPicPr>
+          <p:cNvPr id="10" name="Imagen 9">
+            <a:extLst>
+              <a:ext uri="{FF2B5EF4-FFF2-40B4-BE49-F238E27FC236}">
+                <a16:creationId xmlns:a16="http://schemas.microsoft.com/office/drawing/2014/main" id="{77E90FBB-1414-B38B-8A60-7B8072D032EA}"/>
+              </a:ext>
+            </a:extLst>
+          </p:cNvPr>
+          <p:cNvPicPr>
+            <a:picLocks noChangeAspect="1"/>
+          </p:cNvPicPr>
+          <p:nvPr/>
+        </p:nvPicPr>
+        <p:blipFill>
+          <a:blip r:embed="rId4"/>
+          <a:stretch>
+            <a:fillRect/>
+          </a:stretch>
+        </p:blipFill>
+        <p:spPr>
+          <a:xfrm>
+            <a:off x="824581" y="1516602"/>
+            <a:ext cx="2287895" cy="4887030"/>
           </a:xfrm>
           <a:prstGeom prst="rect">
             <a:avLst/>
@@ -12120,20 +12231,20 @@
     </p:spTree>
     <p:extLst>
       <p:ext uri="{BB962C8B-B14F-4D97-AF65-F5344CB8AC3E}">
-        <p14:creationId xmlns:p14="http://schemas.microsoft.com/office/powerpoint/2010/main" val="2417256824"/>
+        <p14:creationId xmlns:p14="http://schemas.microsoft.com/office/powerpoint/2010/main" val="719840412"/>
       </p:ext>
     </p:extLst>
   </p:cSld>
   <p:clrMapOvr>
     <a:masterClrMapping/>
   </p:clrMapOvr>
-  <mc:AlternateContent xmlns:mc="http://schemas.openxmlformats.org/markup-compatibility/2006" xmlns:p14="http://schemas.microsoft.com/office/powerpoint/2010/main">
-    <mc:Choice Requires="p14">
+  <mc:AlternateContent xmlns:mc="http://schemas.openxmlformats.org/markup-compatibility/2006">
+    <mc:Choice xmlns:p14="http://schemas.microsoft.com/office/powerpoint/2010/main" Requires="p14">
       <p:transition spd="med" p14:dur="700">
         <p:fade/>
       </p:transition>
     </mc:Choice>
-    <mc:Fallback xmlns="">
+    <mc:Fallback>
       <p:transition spd="med">
         <p:fade/>
       </p:transition>
@@ -12189,7 +12300,7 @@
                   <a:srgbClr val="FFFF00"/>
                 </a:solidFill>
               </a:rPr>
-              <a:t>Registro de Series y Repeticiones</a:t>
+              <a:t>Búsqueda de Gimnasios Cercanos</a:t>
             </a:r>
           </a:p>
         </p:txBody>
@@ -12206,16 +12317,30 @@
         </p:nvSpPr>
         <p:spPr>
           <a:xfrm>
-            <a:off x="4891835" y="1905000"/>
+            <a:off x="3682892" y="1850010"/>
             <a:ext cx="4313864" cy="3777622"/>
           </a:xfrm>
         </p:spPr>
         <p:txBody>
-          <a:bodyPr rtlCol="0">
-            <a:normAutofit/>
-          </a:bodyPr>
+          <a:bodyPr rtlCol="0"/>
           <a:lstStyle/>
           <a:p>
+            <a:pPr marL="0" indent="0" rtl="0">
+              <a:buNone/>
+            </a:pPr>
+            <a:endParaRPr lang="es-ES" dirty="0"/>
+          </a:p>
+          <a:p>
+            <a:pPr rtl="0"/>
+            <a:r>
+              <a:rPr lang="es-ES" sz="2500" dirty="0" err="1">
+                <a:solidFill>
+                  <a:schemeClr val="bg1"/>
+                </a:solidFill>
+                <a:latin typeface="Baskerville"/>
+              </a:rPr>
+              <a:t>Accedso</a:t>
+            </a:r>
             <a:r>
               <a:rPr lang="es-ES" sz="2500" dirty="0">
                 <a:solidFill>
@@ -12223,11 +12348,17 @@
                 </a:solidFill>
                 <a:latin typeface="Baskerville"/>
               </a:rPr>
-              <a:t>Una vez logeado vas a poder acceder a:</a:t>
-            </a:r>
-          </a:p>
-          <a:p>
-            <a:pPr lvl="1"/>
+              <a:t> a Google </a:t>
+            </a:r>
+            <a:r>
+              <a:rPr lang="es-ES" sz="2500" dirty="0" err="1">
+                <a:solidFill>
+                  <a:schemeClr val="bg1"/>
+                </a:solidFill>
+                <a:latin typeface="Baskerville"/>
+              </a:rPr>
+              <a:t>Maps</a:t>
+            </a:r>
             <a:r>
               <a:rPr lang="es-ES" sz="2500" dirty="0">
                 <a:solidFill>
@@ -12235,7 +12366,19 @@
                 </a:solidFill>
                 <a:latin typeface="Baskerville"/>
               </a:rPr>
-              <a:t>Registro y acceso en cualquier momento a las series, repeticiones y marcas personales.</a:t>
+              <a:t> para poder ver los gimnasios mas cercanos.</a:t>
+            </a:r>
+          </a:p>
+          <a:p>
+            <a:pPr rtl="0"/>
+            <a:r>
+              <a:rPr lang="es-ES" sz="2500" dirty="0">
+                <a:solidFill>
+                  <a:schemeClr val="bg1"/>
+                </a:solidFill>
+                <a:latin typeface="Baskerville"/>
+              </a:rPr>
+              <a:t>Listado de los gimnasios mas económicos y mejor valorados</a:t>
             </a:r>
           </a:p>
         </p:txBody>
@@ -12245,7 +12388,7 @@
           <p:cNvPr id="5" name="Imagen 4">
             <a:extLst>
               <a:ext uri="{FF2B5EF4-FFF2-40B4-BE49-F238E27FC236}">
-                <a16:creationId xmlns:a16="http://schemas.microsoft.com/office/drawing/2014/main" id="{1AEA71B1-A18C-B4D8-32AB-601BC941BF03}"/>
+                <a16:creationId xmlns:a16="http://schemas.microsoft.com/office/drawing/2014/main" id="{59D8FC67-2ABB-E36B-2F83-D926B2833FE4}"/>
               </a:ext>
             </a:extLst>
           </p:cNvPr>
@@ -12255,15 +12398,51 @@
           <p:nvPr/>
         </p:nvPicPr>
         <p:blipFill>
-          <a:blip r:embed="rId3"/>
+          <a:blip r:embed="rId3" cstate="print">
+            <a:extLst>
+              <a:ext uri="{28A0092B-C50C-407E-A947-70E740481C1C}">
+                <a14:useLocalDpi xmlns:a14="http://schemas.microsoft.com/office/drawing/2010/main" val="0"/>
+              </a:ext>
+            </a:extLst>
+          </a:blip>
           <a:stretch>
             <a:fillRect/>
           </a:stretch>
         </p:blipFill>
         <p:spPr>
           <a:xfrm>
-            <a:off x="1282383" y="1420971"/>
-            <a:ext cx="2621080" cy="5061626"/>
+            <a:off x="8881962" y="1264555"/>
+            <a:ext cx="2417885" cy="5238750"/>
+          </a:xfrm>
+          <a:prstGeom prst="rect">
+            <a:avLst/>
+          </a:prstGeom>
+        </p:spPr>
+      </p:pic>
+      <p:pic>
+        <p:nvPicPr>
+          <p:cNvPr id="6" name="Imagen 5">
+            <a:extLst>
+              <a:ext uri="{FF2B5EF4-FFF2-40B4-BE49-F238E27FC236}">
+                <a16:creationId xmlns:a16="http://schemas.microsoft.com/office/drawing/2014/main" id="{77B83D21-691E-8E33-FB2A-F5B202C36D5F}"/>
+              </a:ext>
+            </a:extLst>
+          </p:cNvPr>
+          <p:cNvPicPr>
+            <a:picLocks noChangeAspect="1"/>
+          </p:cNvPicPr>
+          <p:nvPr/>
+        </p:nvPicPr>
+        <p:blipFill>
+          <a:blip r:embed="rId4"/>
+          <a:stretch>
+            <a:fillRect/>
+          </a:stretch>
+        </p:blipFill>
+        <p:spPr>
+          <a:xfrm>
+            <a:off x="815522" y="1264555"/>
+            <a:ext cx="2348363" cy="4948532"/>
           </a:xfrm>
           <a:prstGeom prst="rect">
             <a:avLst/>
@@ -12273,7 +12452,7 @@
     </p:spTree>
     <p:extLst>
       <p:ext uri="{BB962C8B-B14F-4D97-AF65-F5344CB8AC3E}">
-        <p14:creationId xmlns:p14="http://schemas.microsoft.com/office/powerpoint/2010/main" val="3581807848"/>
+        <p14:creationId xmlns:p14="http://schemas.microsoft.com/office/powerpoint/2010/main" val="2417256824"/>
       </p:ext>
     </p:extLst>
   </p:cSld>
@@ -12376,7 +12555,7 @@
                 </a:solidFill>
                 <a:latin typeface="Baskerville"/>
               </a:rPr>
-              <a:t>Según lo que elijas en la pantalla de plan de entrenamiento, obtendrás sugerencias de suplementos.</a:t>
+              <a:t>Listado de suplementación recomendada, con descripción según lo seleccionado</a:t>
             </a:r>
           </a:p>
           <a:p>
@@ -12387,56 +12566,39 @@
                 </a:solidFill>
                 <a:latin typeface="Baskerville"/>
               </a:rPr>
-              <a:t>Listado de marcas donde podrás obtener el producto.</a:t>
+              <a:t>Listado de marcas recomendadas donde podrás obtener el producto, mediante acceso a su web</a:t>
             </a:r>
           </a:p>
         </p:txBody>
       </p:sp>
       <p:pic>
         <p:nvPicPr>
-          <p:cNvPr id="1026" name="Picture 2" descr="DIANABOL 25mg – FARMACO CUU">
+          <p:cNvPr id="5" name="Imagen 4">
             <a:extLst>
               <a:ext uri="{FF2B5EF4-FFF2-40B4-BE49-F238E27FC236}">
-                <a16:creationId xmlns:a16="http://schemas.microsoft.com/office/drawing/2014/main" id="{4DBDC5F9-6C3C-790C-C4DC-10F57651CE38}"/>
+                <a16:creationId xmlns:a16="http://schemas.microsoft.com/office/drawing/2014/main" id="{5D5FA107-505A-2966-8085-B8C3382313F1}"/>
               </a:ext>
             </a:extLst>
           </p:cNvPr>
           <p:cNvPicPr>
-            <a:picLocks noChangeAspect="1" noChangeArrowheads="1"/>
+            <a:picLocks noChangeAspect="1"/>
           </p:cNvPicPr>
           <p:nvPr/>
         </p:nvPicPr>
         <p:blipFill>
-          <a:blip r:embed="rId3">
-            <a:extLst>
-              <a:ext uri="{28A0092B-C50C-407E-A947-70E740481C1C}">
-                <a14:useLocalDpi xmlns:a14="http://schemas.microsoft.com/office/drawing/2010/main" val="0"/>
-              </a:ext>
-            </a:extLst>
-          </a:blip>
-          <a:srcRect/>
+          <a:blip r:embed="rId3"/>
           <a:stretch>
             <a:fillRect/>
           </a:stretch>
         </p:blipFill>
-        <p:spPr bwMode="auto">
+        <p:spPr>
           <a:xfrm>
-            <a:off x="548410" y="1537922"/>
-            <a:ext cx="4089026" cy="2866327"/>
+            <a:off x="1484243" y="495298"/>
+            <a:ext cx="2639349" cy="5518639"/>
           </a:xfrm>
           <a:prstGeom prst="rect">
             <a:avLst/>
           </a:prstGeom>
-          <a:noFill/>
-          <a:extLst>
-            <a:ext uri="{909E8E84-426E-40DD-AFC4-6F175D3DCCD1}">
-              <a14:hiddenFill xmlns:a14="http://schemas.microsoft.com/office/drawing/2010/main">
-                <a:solidFill>
-                  <a:srgbClr val="FFFFFF"/>
-                </a:solidFill>
-              </a14:hiddenFill>
-            </a:ext>
-          </a:extLst>
         </p:spPr>
       </p:pic>
     </p:spTree>

--- a/Documentacion/TEMPLE BODY.pptx
+++ b/Documentacion/TEMPLE BODY.pptx
@@ -5,23 +5,25 @@
     <p:sldMasterId id="2147483757" r:id="rId1"/>
   </p:sldMasterIdLst>
   <p:notesMasterIdLst>
-    <p:notesMasterId r:id="rId13"/>
+    <p:notesMasterId r:id="rId15"/>
   </p:notesMasterIdLst>
   <p:handoutMasterIdLst>
-    <p:handoutMasterId r:id="rId14"/>
+    <p:handoutMasterId r:id="rId16"/>
   </p:handoutMasterIdLst>
   <p:sldIdLst>
     <p:sldId id="262" r:id="rId2"/>
     <p:sldId id="257" r:id="rId3"/>
-    <p:sldId id="284" r:id="rId4"/>
-    <p:sldId id="271" r:id="rId5"/>
-    <p:sldId id="285" r:id="rId6"/>
-    <p:sldId id="280" r:id="rId7"/>
-    <p:sldId id="286" r:id="rId8"/>
-    <p:sldId id="279" r:id="rId9"/>
-    <p:sldId id="281" r:id="rId10"/>
-    <p:sldId id="287" r:id="rId11"/>
-    <p:sldId id="273" r:id="rId12"/>
+    <p:sldId id="289" r:id="rId4"/>
+    <p:sldId id="288" r:id="rId5"/>
+    <p:sldId id="284" r:id="rId6"/>
+    <p:sldId id="271" r:id="rId7"/>
+    <p:sldId id="285" r:id="rId8"/>
+    <p:sldId id="280" r:id="rId9"/>
+    <p:sldId id="286" r:id="rId10"/>
+    <p:sldId id="279" r:id="rId11"/>
+    <p:sldId id="281" r:id="rId12"/>
+    <p:sldId id="287" r:id="rId13"/>
+    <p:sldId id="273" r:id="rId14"/>
   </p:sldIdLst>
   <p:sldSz cx="12192000" cy="6858000"/>
   <p:notesSz cx="6858000" cy="9144000"/>
@@ -226,7 +228,7 @@
             <a:pPr rtl="0"/>
             <a:fld id="{36733433-91C9-4F25-89C5-2049FA2AC72A}" type="datetime1">
               <a:rPr lang="es-ES" smtClean="0"/>
-              <a:t>05/06/2024</a:t>
+              <a:t>06/06/2024</a:t>
             </a:fld>
             <a:endParaRPr lang="es-ES" dirty="0"/>
           </a:p>
@@ -396,7 +398,7 @@
             <a:pPr rtl="0"/>
             <a:fld id="{0F42799A-0270-465F-BFBB-B1E8788AA761}" type="datetime1">
               <a:rPr lang="es-ES" noProof="0" smtClean="0"/>
-              <a:t>05/06/2024</a:t>
+              <a:t>06/06/2024</a:t>
             </a:fld>
             <a:endParaRPr lang="es-ES" noProof="0" dirty="0"/>
           </a:p>
@@ -827,7 +829,7 @@
     </p:spTree>
     <p:extLst>
       <p:ext uri="{BB962C8B-B14F-4D97-AF65-F5344CB8AC3E}">
-        <p14:creationId xmlns:p14="http://schemas.microsoft.com/office/powerpoint/2010/main" val="2885952846"/>
+        <p14:creationId xmlns:p14="http://schemas.microsoft.com/office/powerpoint/2010/main" val="3882413640"/>
       </p:ext>
     </p:extLst>
   </p:cSld>
@@ -904,6 +906,176 @@
             <a:fld id="{FC8BD8E7-1312-41F3-99C4-6DA5AF891969}" type="slidenum">
               <a:rPr lang="es-ES" smtClean="0"/>
               <a:t>11</a:t>
+            </a:fld>
+            <a:endParaRPr lang="es-ES" dirty="0"/>
+          </a:p>
+        </p:txBody>
+      </p:sp>
+    </p:spTree>
+    <p:extLst>
+      <p:ext uri="{BB962C8B-B14F-4D97-AF65-F5344CB8AC3E}">
+        <p14:creationId xmlns:p14="http://schemas.microsoft.com/office/powerpoint/2010/main" val="56764602"/>
+      </p:ext>
+    </p:extLst>
+  </p:cSld>
+  <p:clrMapOvr>
+    <a:masterClrMapping/>
+  </p:clrMapOvr>
+</p:notes>
+</file>
+
+<file path=ppt/notesSlides/notesSlide12.xml><?xml version="1.0" encoding="utf-8"?>
+<p:notes xmlns:a="http://schemas.openxmlformats.org/drawingml/2006/main" xmlns:r="http://schemas.openxmlformats.org/officeDocument/2006/relationships" xmlns:p="http://schemas.openxmlformats.org/presentationml/2006/main">
+  <p:cSld>
+    <p:spTree>
+      <p:nvGrpSpPr>
+        <p:cNvPr id="1" name=""/>
+        <p:cNvGrpSpPr/>
+        <p:nvPr/>
+      </p:nvGrpSpPr>
+      <p:grpSpPr>
+        <a:xfrm>
+          <a:off x="0" y="0"/>
+          <a:ext cx="0" cy="0"/>
+          <a:chOff x="0" y="0"/>
+          <a:chExt cx="0" cy="0"/>
+        </a:xfrm>
+      </p:grpSpPr>
+      <p:sp>
+        <p:nvSpPr>
+          <p:cNvPr id="2" name="Marcador de imagen de diapositiva 1"/>
+          <p:cNvSpPr>
+            <a:spLocks noGrp="1" noRot="1" noChangeAspect="1"/>
+          </p:cNvSpPr>
+          <p:nvPr>
+            <p:ph type="sldImg"/>
+          </p:nvPr>
+        </p:nvSpPr>
+        <p:spPr/>
+      </p:sp>
+      <p:sp>
+        <p:nvSpPr>
+          <p:cNvPr id="3" name="Marcador de notas 2"/>
+          <p:cNvSpPr>
+            <a:spLocks noGrp="1"/>
+          </p:cNvSpPr>
+          <p:nvPr>
+            <p:ph type="body" idx="1"/>
+          </p:nvPr>
+        </p:nvSpPr>
+        <p:spPr/>
+        <p:txBody>
+          <a:bodyPr/>
+          <a:lstStyle/>
+          <a:p>
+            <a:endParaRPr lang="es-ES" dirty="0"/>
+          </a:p>
+        </p:txBody>
+      </p:sp>
+      <p:sp>
+        <p:nvSpPr>
+          <p:cNvPr id="4" name="Marcador de número de diapositiva 3"/>
+          <p:cNvSpPr>
+            <a:spLocks noGrp="1"/>
+          </p:cNvSpPr>
+          <p:nvPr>
+            <p:ph type="sldNum" sz="quarter" idx="10"/>
+          </p:nvPr>
+        </p:nvSpPr>
+        <p:spPr/>
+        <p:txBody>
+          <a:bodyPr/>
+          <a:lstStyle/>
+          <a:p>
+            <a:pPr rtl="0"/>
+            <a:fld id="{FC8BD8E7-1312-41F3-99C4-6DA5AF891969}" type="slidenum">
+              <a:rPr lang="es-ES" smtClean="0"/>
+              <a:t>12</a:t>
+            </a:fld>
+            <a:endParaRPr lang="es-ES" dirty="0"/>
+          </a:p>
+        </p:txBody>
+      </p:sp>
+    </p:spTree>
+    <p:extLst>
+      <p:ext uri="{BB962C8B-B14F-4D97-AF65-F5344CB8AC3E}">
+        <p14:creationId xmlns:p14="http://schemas.microsoft.com/office/powerpoint/2010/main" val="2885952846"/>
+      </p:ext>
+    </p:extLst>
+  </p:cSld>
+  <p:clrMapOvr>
+    <a:masterClrMapping/>
+  </p:clrMapOvr>
+</p:notes>
+</file>
+
+<file path=ppt/notesSlides/notesSlide13.xml><?xml version="1.0" encoding="utf-8"?>
+<p:notes xmlns:a="http://schemas.openxmlformats.org/drawingml/2006/main" xmlns:r="http://schemas.openxmlformats.org/officeDocument/2006/relationships" xmlns:p="http://schemas.openxmlformats.org/presentationml/2006/main">
+  <p:cSld>
+    <p:spTree>
+      <p:nvGrpSpPr>
+        <p:cNvPr id="1" name=""/>
+        <p:cNvGrpSpPr/>
+        <p:nvPr/>
+      </p:nvGrpSpPr>
+      <p:grpSpPr>
+        <a:xfrm>
+          <a:off x="0" y="0"/>
+          <a:ext cx="0" cy="0"/>
+          <a:chOff x="0" y="0"/>
+          <a:chExt cx="0" cy="0"/>
+        </a:xfrm>
+      </p:grpSpPr>
+      <p:sp>
+        <p:nvSpPr>
+          <p:cNvPr id="2" name="Marcador de imagen de diapositiva 1"/>
+          <p:cNvSpPr>
+            <a:spLocks noGrp="1" noRot="1" noChangeAspect="1"/>
+          </p:cNvSpPr>
+          <p:nvPr>
+            <p:ph type="sldImg"/>
+          </p:nvPr>
+        </p:nvSpPr>
+        <p:spPr/>
+      </p:sp>
+      <p:sp>
+        <p:nvSpPr>
+          <p:cNvPr id="3" name="Marcador de notas 2"/>
+          <p:cNvSpPr>
+            <a:spLocks noGrp="1"/>
+          </p:cNvSpPr>
+          <p:nvPr>
+            <p:ph type="body" idx="1"/>
+          </p:nvPr>
+        </p:nvSpPr>
+        <p:spPr/>
+        <p:txBody>
+          <a:bodyPr/>
+          <a:lstStyle/>
+          <a:p>
+            <a:endParaRPr lang="es-ES" dirty="0"/>
+          </a:p>
+        </p:txBody>
+      </p:sp>
+      <p:sp>
+        <p:nvSpPr>
+          <p:cNvPr id="4" name="Marcador de número de diapositiva 3"/>
+          <p:cNvSpPr>
+            <a:spLocks noGrp="1"/>
+          </p:cNvSpPr>
+          <p:nvPr>
+            <p:ph type="sldNum" sz="quarter" idx="10"/>
+          </p:nvPr>
+        </p:nvSpPr>
+        <p:spPr/>
+        <p:txBody>
+          <a:bodyPr/>
+          <a:lstStyle/>
+          <a:p>
+            <a:pPr rtl="0"/>
+            <a:fld id="{FC8BD8E7-1312-41F3-99C4-6DA5AF891969}" type="slidenum">
+              <a:rPr lang="es-ES" smtClean="0"/>
+              <a:t>13</a:t>
             </a:fld>
             <a:endParaRPr lang="es-ES" dirty="0"/>
           </a:p>
@@ -1082,7 +1254,7 @@
     </p:spTree>
     <p:extLst>
       <p:ext uri="{BB962C8B-B14F-4D97-AF65-F5344CB8AC3E}">
-        <p14:creationId xmlns:p14="http://schemas.microsoft.com/office/powerpoint/2010/main" val="3188381092"/>
+        <p14:creationId xmlns:p14="http://schemas.microsoft.com/office/powerpoint/2010/main" val="2776556123"/>
       </p:ext>
     </p:extLst>
   </p:cSld>
@@ -1167,7 +1339,7 @@
     </p:spTree>
     <p:extLst>
       <p:ext uri="{BB962C8B-B14F-4D97-AF65-F5344CB8AC3E}">
-        <p14:creationId xmlns:p14="http://schemas.microsoft.com/office/powerpoint/2010/main" val="2842516226"/>
+        <p14:creationId xmlns:p14="http://schemas.microsoft.com/office/powerpoint/2010/main" val="2908009316"/>
       </p:ext>
     </p:extLst>
   </p:cSld>
@@ -1252,7 +1424,7 @@
     </p:spTree>
     <p:extLst>
       <p:ext uri="{BB962C8B-B14F-4D97-AF65-F5344CB8AC3E}">
-        <p14:creationId xmlns:p14="http://schemas.microsoft.com/office/powerpoint/2010/main" val="4185941510"/>
+        <p14:creationId xmlns:p14="http://schemas.microsoft.com/office/powerpoint/2010/main" val="3188381092"/>
       </p:ext>
     </p:extLst>
   </p:cSld>
@@ -1337,7 +1509,7 @@
     </p:spTree>
     <p:extLst>
       <p:ext uri="{BB962C8B-B14F-4D97-AF65-F5344CB8AC3E}">
-        <p14:creationId xmlns:p14="http://schemas.microsoft.com/office/powerpoint/2010/main" val="1847282848"/>
+        <p14:creationId xmlns:p14="http://schemas.microsoft.com/office/powerpoint/2010/main" val="2842516226"/>
       </p:ext>
     </p:extLst>
   </p:cSld>
@@ -1422,7 +1594,7 @@
     </p:spTree>
     <p:extLst>
       <p:ext uri="{BB962C8B-B14F-4D97-AF65-F5344CB8AC3E}">
-        <p14:creationId xmlns:p14="http://schemas.microsoft.com/office/powerpoint/2010/main" val="1607625023"/>
+        <p14:creationId xmlns:p14="http://schemas.microsoft.com/office/powerpoint/2010/main" val="4185941510"/>
       </p:ext>
     </p:extLst>
   </p:cSld>
@@ -1507,7 +1679,7 @@
     </p:spTree>
     <p:extLst>
       <p:ext uri="{BB962C8B-B14F-4D97-AF65-F5344CB8AC3E}">
-        <p14:creationId xmlns:p14="http://schemas.microsoft.com/office/powerpoint/2010/main" val="3882413640"/>
+        <p14:creationId xmlns:p14="http://schemas.microsoft.com/office/powerpoint/2010/main" val="1847282848"/>
       </p:ext>
     </p:extLst>
   </p:cSld>
@@ -1592,7 +1764,7 @@
     </p:spTree>
     <p:extLst>
       <p:ext uri="{BB962C8B-B14F-4D97-AF65-F5344CB8AC3E}">
-        <p14:creationId xmlns:p14="http://schemas.microsoft.com/office/powerpoint/2010/main" val="56764602"/>
+        <p14:creationId xmlns:p14="http://schemas.microsoft.com/office/powerpoint/2010/main" val="1607625023"/>
       </p:ext>
     </p:extLst>
   </p:cSld>
@@ -1790,7 +1962,7 @@
           <a:p>
             <a:fld id="{ADA5217B-C461-4E0A-B4E4-B5A6F1D99B01}" type="datetimeFigureOut">
               <a:rPr lang="es-ES" smtClean="0"/>
-              <a:t>05/06/2024</a:t>
+              <a:t>06/06/2024</a:t>
             </a:fld>
             <a:endParaRPr lang="es-ES"/>
           </a:p>
@@ -2194,7 +2366,7 @@
             <a:pPr rtl="0"/>
             <a:fld id="{5E879E85-5BBE-4DC3-949C-B551255CCB64}" type="datetime1">
               <a:rPr lang="es-ES" noProof="0" smtClean="0"/>
-              <a:t>05/06/2024</a:t>
+              <a:t>06/06/2024</a:t>
             </a:fld>
             <a:endParaRPr lang="es-ES" noProof="0" dirty="0"/>
           </a:p>
@@ -2604,7 +2776,7 @@
             <a:pPr rtl="0"/>
             <a:fld id="{5E879E85-5BBE-4DC3-949C-B551255CCB64}" type="datetime1">
               <a:rPr lang="es-ES" noProof="0" smtClean="0"/>
-              <a:t>05/06/2024</a:t>
+              <a:t>06/06/2024</a:t>
             </a:fld>
             <a:endParaRPr lang="es-ES" noProof="0" dirty="0"/>
           </a:p>
@@ -2949,7 +3121,7 @@
             <a:pPr rtl="0"/>
             <a:fld id="{5E879E85-5BBE-4DC3-949C-B551255CCB64}" type="datetime1">
               <a:rPr lang="es-ES" noProof="0" smtClean="0"/>
-              <a:t>05/06/2024</a:t>
+              <a:t>06/06/2024</a:t>
             </a:fld>
             <a:endParaRPr lang="es-ES" noProof="0" dirty="0"/>
           </a:p>
@@ -3278,7 +3450,7 @@
             <a:pPr rtl="0"/>
             <a:fld id="{5E879E85-5BBE-4DC3-949C-B551255CCB64}" type="datetime1">
               <a:rPr lang="es-ES" noProof="0" smtClean="0"/>
-              <a:t>05/06/2024</a:t>
+              <a:t>06/06/2024</a:t>
             </a:fld>
             <a:endParaRPr lang="es-ES" noProof="0" dirty="0"/>
           </a:p>
@@ -3683,7 +3855,7 @@
             <a:pPr rtl="0"/>
             <a:fld id="{5E879E85-5BBE-4DC3-949C-B551255CCB64}" type="datetime1">
               <a:rPr lang="es-ES" noProof="0" smtClean="0"/>
-              <a:t>05/06/2024</a:t>
+              <a:t>06/06/2024</a:t>
             </a:fld>
             <a:endParaRPr lang="es-ES" noProof="0" dirty="0"/>
           </a:p>
@@ -3949,7 +4121,7 @@
             <a:pPr rtl="0"/>
             <a:fld id="{A49C5101-B6E1-4C2F-96CC-D4D7C5FEAAF7}" type="datetime1">
               <a:rPr lang="es-ES" noProof="0" smtClean="0"/>
-              <a:t>05/06/2024</a:t>
+              <a:t>06/06/2024</a:t>
             </a:fld>
             <a:endParaRPr lang="es-ES" noProof="0" dirty="0"/>
           </a:p>
@@ -4230,7 +4402,7 @@
             <a:pPr rtl="0"/>
             <a:fld id="{AE3F2578-7180-4CCB-9A96-7D1B03AD95AA}" type="datetime1">
               <a:rPr lang="es-ES" noProof="0" smtClean="0"/>
-              <a:t>05/06/2024</a:t>
+              <a:t>06/06/2024</a:t>
             </a:fld>
             <a:endParaRPr lang="es-ES" noProof="0" dirty="0"/>
           </a:p>
@@ -5134,7 +5306,7 @@
             <a:pPr rtl="0"/>
             <a:fld id="{5E879E85-5BBE-4DC3-949C-B551255CCB64}" type="datetime1">
               <a:rPr lang="es-ES" noProof="0" smtClean="0"/>
-              <a:t>05/06/2024</a:t>
+              <a:t>06/06/2024</a:t>
             </a:fld>
             <a:endParaRPr lang="es-ES" noProof="0" dirty="0"/>
           </a:p>
@@ -5472,7 +5644,7 @@
             <a:pPr rtl="0"/>
             <a:fld id="{5E879E85-5BBE-4DC3-949C-B551255CCB64}" type="datetime1">
               <a:rPr lang="es-ES" noProof="0" smtClean="0"/>
-              <a:t>05/06/2024</a:t>
+              <a:t>06/06/2024</a:t>
             </a:fld>
             <a:endParaRPr lang="es-ES" noProof="0" dirty="0"/>
           </a:p>
@@ -5804,7 +5976,7 @@
             <a:pPr rtl="0"/>
             <a:fld id="{28D2FC1E-83DA-4E03-9666-93C59D8ACCEA}" type="datetime1">
               <a:rPr lang="es-ES" noProof="0" smtClean="0"/>
-              <a:t>05/06/2024</a:t>
+              <a:t>06/06/2024</a:t>
             </a:fld>
             <a:endParaRPr lang="es-ES" noProof="0" dirty="0"/>
           </a:p>
@@ -6280,7 +6452,7 @@
             <a:pPr rtl="0"/>
             <a:fld id="{CA1153A9-469E-4B41-9F8D-6E09C4AFB7F0}" type="datetime1">
               <a:rPr lang="es-ES" noProof="0" smtClean="0"/>
-              <a:t>05/06/2024</a:t>
+              <a:t>06/06/2024</a:t>
             </a:fld>
             <a:endParaRPr lang="es-ES" noProof="0" dirty="0"/>
           </a:p>
@@ -6504,7 +6676,7 @@
             <a:pPr rtl="0"/>
             <a:fld id="{C9ADA510-67ED-4878-A088-E9242C8AA6FD}" type="datetime1">
               <a:rPr lang="es-ES" noProof="0" smtClean="0"/>
-              <a:t>05/06/2024</a:t>
+              <a:t>06/06/2024</a:t>
             </a:fld>
             <a:endParaRPr lang="es-ES" noProof="0" dirty="0"/>
           </a:p>
@@ -6699,7 +6871,7 @@
           <a:p>
             <a:fld id="{ADA5217B-C461-4E0A-B4E4-B5A6F1D99B01}" type="datetimeFigureOut">
               <a:rPr lang="es-ES" smtClean="0"/>
-              <a:t>05/06/2024</a:t>
+              <a:t>06/06/2024</a:t>
             </a:fld>
             <a:endParaRPr lang="es-ES"/>
           </a:p>
@@ -7045,7 +7217,7 @@
             <a:pPr rtl="0"/>
             <a:fld id="{5E879E85-5BBE-4DC3-949C-B551255CCB64}" type="datetime1">
               <a:rPr lang="es-ES" noProof="0" smtClean="0"/>
-              <a:t>05/06/2024</a:t>
+              <a:t>06/06/2024</a:t>
             </a:fld>
             <a:endParaRPr lang="es-ES" noProof="0" dirty="0"/>
           </a:p>
@@ -7399,7 +7571,7 @@
             <a:pPr rtl="0"/>
             <a:fld id="{5E879E85-5BBE-4DC3-949C-B551255CCB64}" type="datetime1">
               <a:rPr lang="es-ES" noProof="0" smtClean="0"/>
-              <a:t>05/06/2024</a:t>
+              <a:t>06/06/2024</a:t>
             </a:fld>
             <a:endParaRPr lang="es-ES" noProof="0" dirty="0"/>
           </a:p>
@@ -9525,7 +9697,7 @@
             <a:pPr rtl="0"/>
             <a:fld id="{5E879E85-5BBE-4DC3-949C-B551255CCB64}" type="datetime1">
               <a:rPr lang="es-ES" noProof="0" smtClean="0"/>
-              <a:t>05/06/2024</a:t>
+              <a:t>06/06/2024</a:t>
             </a:fld>
             <a:endParaRPr lang="es-ES" noProof="0" dirty="0"/>
           </a:p>
@@ -10363,7 +10535,7 @@
                   <a:srgbClr val="FFFF00"/>
                 </a:solidFill>
               </a:rPr>
-              <a:t>Historial</a:t>
+              <a:t>Búsqueda de Gimnasios Cercanos</a:t>
             </a:r>
           </a:p>
         </p:txBody>
@@ -10380,16 +10552,30 @@
         </p:nvSpPr>
         <p:spPr>
           <a:xfrm>
-            <a:off x="4891835" y="1905000"/>
+            <a:off x="3682892" y="1850010"/>
             <a:ext cx="4313864" cy="3777622"/>
           </a:xfrm>
         </p:spPr>
         <p:txBody>
-          <a:bodyPr rtlCol="0">
-            <a:normAutofit/>
-          </a:bodyPr>
+          <a:bodyPr rtlCol="0"/>
           <a:lstStyle/>
           <a:p>
+            <a:pPr marL="0" indent="0" rtl="0">
+              <a:buNone/>
+            </a:pPr>
+            <a:endParaRPr lang="es-ES" dirty="0"/>
+          </a:p>
+          <a:p>
+            <a:pPr rtl="0"/>
+            <a:r>
+              <a:rPr lang="es-ES" sz="2500" dirty="0" err="1">
+                <a:solidFill>
+                  <a:schemeClr val="bg1"/>
+                </a:solidFill>
+                <a:latin typeface="Baskerville"/>
+              </a:rPr>
+              <a:t>Accedso</a:t>
+            </a:r>
             <a:r>
               <a:rPr lang="es-ES" sz="2500" dirty="0">
                 <a:solidFill>
@@ -10397,10 +10583,17 @@
                 </a:solidFill>
                 <a:latin typeface="Baskerville"/>
               </a:rPr>
-              <a:t>Listado de ejercicios realizados recogidos por fecha</a:t>
-            </a:r>
-          </a:p>
-          <a:p>
+              <a:t> a Google </a:t>
+            </a:r>
+            <a:r>
+              <a:rPr lang="es-ES" sz="2500" dirty="0" err="1">
+                <a:solidFill>
+                  <a:schemeClr val="bg1"/>
+                </a:solidFill>
+                <a:latin typeface="Baskerville"/>
+              </a:rPr>
+              <a:t>Maps</a:t>
+            </a:r>
             <a:r>
               <a:rPr lang="es-ES" sz="2500" dirty="0">
                 <a:solidFill>
@@ -10408,17 +10601,29 @@
                 </a:solidFill>
                 <a:latin typeface="Baskerville"/>
               </a:rPr>
-              <a:t>Incluye registros de peso, repeticiones y series</a:t>
+              <a:t> para poder ver los gimnasios mas cercanos.</a:t>
+            </a:r>
+          </a:p>
+          <a:p>
+            <a:pPr rtl="0"/>
+            <a:r>
+              <a:rPr lang="es-ES" sz="2500" dirty="0">
+                <a:solidFill>
+                  <a:schemeClr val="bg1"/>
+                </a:solidFill>
+                <a:latin typeface="Baskerville"/>
+              </a:rPr>
+              <a:t>Listado de los gimnasios mas económicos y mejor valorados</a:t>
             </a:r>
           </a:p>
         </p:txBody>
       </p:sp>
       <p:pic>
         <p:nvPicPr>
-          <p:cNvPr id="6" name="Imagen 5">
+          <p:cNvPr id="7" name="Imagen 6">
             <a:extLst>
               <a:ext uri="{FF2B5EF4-FFF2-40B4-BE49-F238E27FC236}">
-                <a16:creationId xmlns:a16="http://schemas.microsoft.com/office/drawing/2014/main" id="{7EA7F6C1-874C-7C73-6507-495A97915F86}"/>
+                <a16:creationId xmlns:a16="http://schemas.microsoft.com/office/drawing/2014/main" id="{5CA85637-48DF-41ED-AEA3-B987501C2BC1}"/>
               </a:ext>
             </a:extLst>
           </p:cNvPr>
@@ -10435,8 +10640,342 @@
         </p:blipFill>
         <p:spPr>
           <a:xfrm>
-            <a:off x="1753488" y="952500"/>
-            <a:ext cx="2284717" cy="4953000"/>
+            <a:off x="472066" y="1217919"/>
+            <a:ext cx="2325620" cy="5332021"/>
+          </a:xfrm>
+          <a:prstGeom prst="rect">
+            <a:avLst/>
+          </a:prstGeom>
+        </p:spPr>
+      </p:pic>
+      <p:pic>
+        <p:nvPicPr>
+          <p:cNvPr id="9" name="Imagen 8">
+            <a:extLst>
+              <a:ext uri="{FF2B5EF4-FFF2-40B4-BE49-F238E27FC236}">
+                <a16:creationId xmlns:a16="http://schemas.microsoft.com/office/drawing/2014/main" id="{197A02B4-A95B-4C31-A6EC-EF826CD53FE4}"/>
+              </a:ext>
+            </a:extLst>
+          </p:cNvPr>
+          <p:cNvPicPr>
+            <a:picLocks noChangeAspect="1"/>
+          </p:cNvPicPr>
+          <p:nvPr/>
+        </p:nvPicPr>
+        <p:blipFill>
+          <a:blip r:embed="rId4"/>
+          <a:stretch>
+            <a:fillRect/>
+          </a:stretch>
+        </p:blipFill>
+        <p:spPr>
+          <a:xfrm>
+            <a:off x="8943692" y="1264555"/>
+            <a:ext cx="2325621" cy="5251989"/>
+          </a:xfrm>
+          <a:prstGeom prst="rect">
+            <a:avLst/>
+          </a:prstGeom>
+        </p:spPr>
+      </p:pic>
+    </p:spTree>
+    <p:extLst>
+      <p:ext uri="{BB962C8B-B14F-4D97-AF65-F5344CB8AC3E}">
+        <p14:creationId xmlns:p14="http://schemas.microsoft.com/office/powerpoint/2010/main" val="2417256824"/>
+      </p:ext>
+    </p:extLst>
+  </p:cSld>
+  <p:clrMapOvr>
+    <a:masterClrMapping/>
+  </p:clrMapOvr>
+  <mc:AlternateContent xmlns:mc="http://schemas.openxmlformats.org/markup-compatibility/2006" xmlns:p14="http://schemas.microsoft.com/office/powerpoint/2010/main">
+    <mc:Choice Requires="p14">
+      <p:transition spd="med" p14:dur="700">
+        <p:fade/>
+      </p:transition>
+    </mc:Choice>
+    <mc:Fallback xmlns="">
+      <p:transition spd="med">
+        <p:fade/>
+      </p:transition>
+    </mc:Fallback>
+  </mc:AlternateContent>
+</p:sld>
+</file>
+
+<file path=ppt/slides/slide11.xml><?xml version="1.0" encoding="utf-8"?>
+<p:sld xmlns:a="http://schemas.openxmlformats.org/drawingml/2006/main" xmlns:r="http://schemas.openxmlformats.org/officeDocument/2006/relationships" xmlns:p="http://schemas.openxmlformats.org/presentationml/2006/main">
+  <p:cSld>
+    <p:bg>
+      <p:bgPr>
+        <a:solidFill>
+          <a:schemeClr val="tx1"/>
+        </a:solidFill>
+        <a:effectLst/>
+      </p:bgPr>
+    </p:bg>
+    <p:spTree>
+      <p:nvGrpSpPr>
+        <p:cNvPr id="1" name=""/>
+        <p:cNvGrpSpPr/>
+        <p:nvPr/>
+      </p:nvGrpSpPr>
+      <p:grpSpPr>
+        <a:xfrm>
+          <a:off x="0" y="0"/>
+          <a:ext cx="0" cy="0"/>
+          <a:chOff x="0" y="0"/>
+          <a:chExt cx="0" cy="0"/>
+        </a:xfrm>
+      </p:grpSpPr>
+      <p:sp>
+        <p:nvSpPr>
+          <p:cNvPr id="2" name="Título 1"/>
+          <p:cNvSpPr>
+            <a:spLocks noGrp="1"/>
+          </p:cNvSpPr>
+          <p:nvPr>
+            <p:ph type="title"/>
+          </p:nvPr>
+        </p:nvSpPr>
+        <p:spPr/>
+        <p:txBody>
+          <a:bodyPr rtlCol="0"/>
+          <a:lstStyle/>
+          <a:p>
+            <a:pPr algn="ctr"/>
+            <a:r>
+              <a:rPr lang="es-ES" dirty="0">
+                <a:solidFill>
+                  <a:srgbClr val="FFFF00"/>
+                </a:solidFill>
+              </a:rPr>
+              <a:t>Suplementación</a:t>
+            </a:r>
+          </a:p>
+        </p:txBody>
+      </p:sp>
+      <p:sp>
+        <p:nvSpPr>
+          <p:cNvPr id="3" name="Marcador de posición de contenido 2"/>
+          <p:cNvSpPr>
+            <a:spLocks noGrp="1"/>
+          </p:cNvSpPr>
+          <p:nvPr>
+            <p:ph sz="half" idx="1"/>
+          </p:nvPr>
+        </p:nvSpPr>
+        <p:spPr>
+          <a:xfrm>
+            <a:off x="4891835" y="1905000"/>
+            <a:ext cx="4313864" cy="3777622"/>
+          </a:xfrm>
+        </p:spPr>
+        <p:txBody>
+          <a:bodyPr rtlCol="0">
+            <a:normAutofit/>
+          </a:bodyPr>
+          <a:lstStyle/>
+          <a:p>
+            <a:r>
+              <a:rPr lang="es-ES" sz="2500" dirty="0">
+                <a:solidFill>
+                  <a:schemeClr val="bg1"/>
+                </a:solidFill>
+                <a:latin typeface="Baskerville"/>
+              </a:rPr>
+              <a:t>Listado de suplementación recomendada, con descripción según lo seleccionado</a:t>
+            </a:r>
+          </a:p>
+          <a:p>
+            <a:r>
+              <a:rPr lang="es-ES" sz="2500" dirty="0">
+                <a:solidFill>
+                  <a:schemeClr val="bg1"/>
+                </a:solidFill>
+                <a:latin typeface="Baskerville"/>
+              </a:rPr>
+              <a:t>Listado de marcas recomendadas donde podrás obtener el producto, mediante acceso a su web</a:t>
+            </a:r>
+          </a:p>
+        </p:txBody>
+      </p:sp>
+      <p:pic>
+        <p:nvPicPr>
+          <p:cNvPr id="6" name="Imagen 5">
+            <a:extLst>
+              <a:ext uri="{FF2B5EF4-FFF2-40B4-BE49-F238E27FC236}">
+                <a16:creationId xmlns:a16="http://schemas.microsoft.com/office/drawing/2014/main" id="{264DDE44-F076-416C-BE5E-2AAA44675C27}"/>
+              </a:ext>
+            </a:extLst>
+          </p:cNvPr>
+          <p:cNvPicPr>
+            <a:picLocks noChangeAspect="1"/>
+          </p:cNvPicPr>
+          <p:nvPr/>
+        </p:nvPicPr>
+        <p:blipFill>
+          <a:blip r:embed="rId3"/>
+          <a:stretch>
+            <a:fillRect/>
+          </a:stretch>
+        </p:blipFill>
+        <p:spPr>
+          <a:xfrm>
+            <a:off x="1718910" y="549234"/>
+            <a:ext cx="2534781" cy="5759532"/>
+          </a:xfrm>
+          <a:prstGeom prst="rect">
+            <a:avLst/>
+          </a:prstGeom>
+        </p:spPr>
+      </p:pic>
+    </p:spTree>
+    <p:extLst>
+      <p:ext uri="{BB962C8B-B14F-4D97-AF65-F5344CB8AC3E}">
+        <p14:creationId xmlns:p14="http://schemas.microsoft.com/office/powerpoint/2010/main" val="880576793"/>
+      </p:ext>
+    </p:extLst>
+  </p:cSld>
+  <p:clrMapOvr>
+    <a:masterClrMapping/>
+  </p:clrMapOvr>
+  <mc:AlternateContent xmlns:mc="http://schemas.openxmlformats.org/markup-compatibility/2006" xmlns:p14="http://schemas.microsoft.com/office/powerpoint/2010/main">
+    <mc:Choice Requires="p14">
+      <p:transition spd="med" p14:dur="700">
+        <p:fade/>
+      </p:transition>
+    </mc:Choice>
+    <mc:Fallback xmlns="">
+      <p:transition spd="med">
+        <p:fade/>
+      </p:transition>
+    </mc:Fallback>
+  </mc:AlternateContent>
+</p:sld>
+</file>
+
+<file path=ppt/slides/slide12.xml><?xml version="1.0" encoding="utf-8"?>
+<p:sld xmlns:a="http://schemas.openxmlformats.org/drawingml/2006/main" xmlns:r="http://schemas.openxmlformats.org/officeDocument/2006/relationships" xmlns:p="http://schemas.openxmlformats.org/presentationml/2006/main">
+  <p:cSld>
+    <p:bg>
+      <p:bgPr>
+        <a:solidFill>
+          <a:schemeClr val="tx1"/>
+        </a:solidFill>
+        <a:effectLst/>
+      </p:bgPr>
+    </p:bg>
+    <p:spTree>
+      <p:nvGrpSpPr>
+        <p:cNvPr id="1" name=""/>
+        <p:cNvGrpSpPr/>
+        <p:nvPr/>
+      </p:nvGrpSpPr>
+      <p:grpSpPr>
+        <a:xfrm>
+          <a:off x="0" y="0"/>
+          <a:ext cx="0" cy="0"/>
+          <a:chOff x="0" y="0"/>
+          <a:chExt cx="0" cy="0"/>
+        </a:xfrm>
+      </p:grpSpPr>
+      <p:sp>
+        <p:nvSpPr>
+          <p:cNvPr id="2" name="Título 1"/>
+          <p:cNvSpPr>
+            <a:spLocks noGrp="1"/>
+          </p:cNvSpPr>
+          <p:nvPr>
+            <p:ph type="title"/>
+          </p:nvPr>
+        </p:nvSpPr>
+        <p:spPr/>
+        <p:txBody>
+          <a:bodyPr rtlCol="0"/>
+          <a:lstStyle/>
+          <a:p>
+            <a:pPr algn="ctr"/>
+            <a:r>
+              <a:rPr lang="es-ES" dirty="0">
+                <a:solidFill>
+                  <a:srgbClr val="FFFF00"/>
+                </a:solidFill>
+              </a:rPr>
+              <a:t>Historial</a:t>
+            </a:r>
+          </a:p>
+        </p:txBody>
+      </p:sp>
+      <p:sp>
+        <p:nvSpPr>
+          <p:cNvPr id="3" name="Marcador de posición de contenido 2"/>
+          <p:cNvSpPr>
+            <a:spLocks noGrp="1"/>
+          </p:cNvSpPr>
+          <p:nvPr>
+            <p:ph sz="half" idx="1"/>
+          </p:nvPr>
+        </p:nvSpPr>
+        <p:spPr>
+          <a:xfrm>
+            <a:off x="4891835" y="1905000"/>
+            <a:ext cx="4313864" cy="3777622"/>
+          </a:xfrm>
+        </p:spPr>
+        <p:txBody>
+          <a:bodyPr rtlCol="0">
+            <a:normAutofit/>
+          </a:bodyPr>
+          <a:lstStyle/>
+          <a:p>
+            <a:r>
+              <a:rPr lang="es-ES" sz="2500" dirty="0">
+                <a:solidFill>
+                  <a:schemeClr val="bg1"/>
+                </a:solidFill>
+                <a:latin typeface="Baskerville"/>
+              </a:rPr>
+              <a:t>Listado de ejercicios realizados recogidos por fecha</a:t>
+            </a:r>
+          </a:p>
+          <a:p>
+            <a:r>
+              <a:rPr lang="es-ES" sz="2500" dirty="0">
+                <a:solidFill>
+                  <a:schemeClr val="bg1"/>
+                </a:solidFill>
+                <a:latin typeface="Baskerville"/>
+              </a:rPr>
+              <a:t>Incluye registros de peso, repeticiones y series</a:t>
+            </a:r>
+          </a:p>
+        </p:txBody>
+      </p:sp>
+      <p:pic>
+        <p:nvPicPr>
+          <p:cNvPr id="5" name="Imagen 4">
+            <a:extLst>
+              <a:ext uri="{FF2B5EF4-FFF2-40B4-BE49-F238E27FC236}">
+                <a16:creationId xmlns:a16="http://schemas.microsoft.com/office/drawing/2014/main" id="{BC1CB719-3E23-46A7-A395-65E91E22DF28}"/>
+              </a:ext>
+            </a:extLst>
+          </p:cNvPr>
+          <p:cNvPicPr>
+            <a:picLocks noChangeAspect="1"/>
+          </p:cNvPicPr>
+          <p:nvPr/>
+        </p:nvPicPr>
+        <p:blipFill>
+          <a:blip r:embed="rId3"/>
+          <a:stretch>
+            <a:fillRect/>
+          </a:stretch>
+        </p:blipFill>
+        <p:spPr>
+          <a:xfrm>
+            <a:off x="1780073" y="905493"/>
+            <a:ext cx="2192484" cy="5047013"/>
           </a:xfrm>
           <a:prstGeom prst="rect">
             <a:avLst/>
@@ -10453,13 +10992,13 @@
   <p:clrMapOvr>
     <a:masterClrMapping/>
   </p:clrMapOvr>
-  <mc:AlternateContent xmlns:mc="http://schemas.openxmlformats.org/markup-compatibility/2006">
-    <mc:Choice xmlns:p14="http://schemas.microsoft.com/office/powerpoint/2010/main" Requires="p14">
+  <mc:AlternateContent xmlns:mc="http://schemas.openxmlformats.org/markup-compatibility/2006" xmlns:p14="http://schemas.microsoft.com/office/powerpoint/2010/main">
+    <mc:Choice Requires="p14">
       <p:transition spd="med" p14:dur="700">
         <p:fade/>
       </p:transition>
     </mc:Choice>
-    <mc:Fallback>
+    <mc:Fallback xmlns="">
       <p:transition spd="med">
         <p:fade/>
       </p:transition>
@@ -10468,7 +11007,7 @@
 </p:sld>
 </file>
 
-<file path=ppt/slides/slide11.xml><?xml version="1.0" encoding="utf-8"?>
+<file path=ppt/slides/slide13.xml><?xml version="1.0" encoding="utf-8"?>
 <p:sld xmlns:a="http://schemas.openxmlformats.org/drawingml/2006/main" xmlns:r="http://schemas.openxmlformats.org/officeDocument/2006/relationships" xmlns:p="http://schemas.openxmlformats.org/presentationml/2006/main">
   <p:cSld>
     <p:spTree>
@@ -10683,9 +11222,31 @@
         </p:spPr>
         <p:txBody>
           <a:bodyPr rtlCol="0">
-            <a:normAutofit/>
+            <a:normAutofit fontScale="92500" lnSpcReduction="20000"/>
           </a:bodyPr>
           <a:lstStyle/>
+          <a:p>
+            <a:r>
+              <a:rPr lang="es-ES" sz="2500" dirty="0">
+                <a:solidFill>
+                  <a:schemeClr val="bg1"/>
+                </a:solidFill>
+                <a:latin typeface="Baskerville"/>
+              </a:rPr>
+              <a:t>Idea del desarrollo de la aplicación</a:t>
+            </a:r>
+          </a:p>
+          <a:p>
+            <a:r>
+              <a:rPr lang="es-ES" sz="2500" dirty="0">
+                <a:solidFill>
+                  <a:schemeClr val="bg1"/>
+                </a:solidFill>
+                <a:latin typeface="Baskerville"/>
+              </a:rPr>
+              <a:t>Diagrama de Gantt o cronograma</a:t>
+            </a:r>
+          </a:p>
           <a:p>
             <a:r>
               <a:rPr lang="es-ES" sz="2500" dirty="0">
@@ -10716,23 +11277,8 @@
                 </a:solidFill>
                 <a:latin typeface="Baskerville"/>
               </a:rPr>
-              <a:t>Información y </a:t>
-            </a:r>
-            <a:r>
-              <a:rPr lang="es-ES" sz="2500" dirty="0" err="1">
-                <a:solidFill>
-                  <a:schemeClr val="bg1"/>
-                </a:solidFill>
-                <a:latin typeface="Baskerville"/>
-              </a:rPr>
-              <a:t>configuracion</a:t>
-            </a:r>
-            <a:endParaRPr lang="es-ES" sz="2500" dirty="0">
-              <a:solidFill>
-                <a:schemeClr val="bg1"/>
-              </a:solidFill>
-              <a:latin typeface="Baskerville"/>
-            </a:endParaRPr>
+              <a:t>Información y configuración</a:t>
+            </a:r>
           </a:p>
           <a:p>
             <a:r>
@@ -10836,6 +11382,273 @@
 </file>
 
 <file path=ppt/slides/slide3.xml><?xml version="1.0" encoding="utf-8"?>
+<p:sld xmlns:a="http://schemas.openxmlformats.org/drawingml/2006/main" xmlns:r="http://schemas.openxmlformats.org/officeDocument/2006/relationships" xmlns:p="http://schemas.openxmlformats.org/presentationml/2006/main">
+  <p:cSld>
+    <p:bg>
+      <p:bgPr>
+        <a:solidFill>
+          <a:schemeClr val="tx1"/>
+        </a:solidFill>
+        <a:effectLst/>
+      </p:bgPr>
+    </p:bg>
+    <p:spTree>
+      <p:nvGrpSpPr>
+        <p:cNvPr id="1" name=""/>
+        <p:cNvGrpSpPr/>
+        <p:nvPr/>
+      </p:nvGrpSpPr>
+      <p:grpSpPr>
+        <a:xfrm>
+          <a:off x="0" y="0"/>
+          <a:ext cx="0" cy="0"/>
+          <a:chOff x="0" y="0"/>
+          <a:chExt cx="0" cy="0"/>
+        </a:xfrm>
+      </p:grpSpPr>
+      <p:sp>
+        <p:nvSpPr>
+          <p:cNvPr id="2" name="Título 1"/>
+          <p:cNvSpPr>
+            <a:spLocks noGrp="1"/>
+          </p:cNvSpPr>
+          <p:nvPr>
+            <p:ph type="title"/>
+          </p:nvPr>
+        </p:nvSpPr>
+        <p:spPr>
+          <a:xfrm>
+            <a:off x="1640156" y="408957"/>
+            <a:ext cx="8911687" cy="1280890"/>
+          </a:xfrm>
+        </p:spPr>
+        <p:txBody>
+          <a:bodyPr rtlCol="0"/>
+          <a:lstStyle/>
+          <a:p>
+            <a:pPr algn="ctr" rtl="0"/>
+            <a:r>
+              <a:rPr lang="es-ES" dirty="0">
+                <a:solidFill>
+                  <a:srgbClr val="FFFF00"/>
+                </a:solidFill>
+              </a:rPr>
+              <a:t>Idea del desarrollo de la app</a:t>
+            </a:r>
+          </a:p>
+        </p:txBody>
+      </p:sp>
+      <p:sp>
+        <p:nvSpPr>
+          <p:cNvPr id="3" name="Marcador de posición de contenido 2"/>
+          <p:cNvSpPr>
+            <a:spLocks noGrp="1"/>
+          </p:cNvSpPr>
+          <p:nvPr>
+            <p:ph idx="1"/>
+          </p:nvPr>
+        </p:nvSpPr>
+        <p:spPr>
+          <a:xfrm>
+            <a:off x="1640155" y="1563584"/>
+            <a:ext cx="8911687" cy="4123765"/>
+          </a:xfrm>
+        </p:spPr>
+        <p:txBody>
+          <a:bodyPr rtlCol="0">
+            <a:normAutofit/>
+          </a:bodyPr>
+          <a:lstStyle/>
+          <a:p>
+            <a:pPr marL="0" indent="0">
+              <a:buNone/>
+            </a:pPr>
+            <a:endParaRPr lang="es-ES" sz="2500" dirty="0">
+              <a:solidFill>
+                <a:schemeClr val="bg1"/>
+              </a:solidFill>
+              <a:latin typeface="Baskerville"/>
+            </a:endParaRPr>
+          </a:p>
+          <a:p>
+            <a:pPr marL="0" indent="0">
+              <a:buNone/>
+            </a:pPr>
+            <a:r>
+              <a:rPr lang="es-ES" sz="2500" dirty="0">
+                <a:solidFill>
+                  <a:schemeClr val="bg1"/>
+                </a:solidFill>
+                <a:latin typeface="Baskerville"/>
+              </a:rPr>
+              <a:t>Temple Body se ideo para unificar todas las apps, que, las cuales siempre le faltaba algún componente y siempre te tenías que instalar otra aplicación secundaria para complementarla.</a:t>
+            </a:r>
+          </a:p>
+          <a:p>
+            <a:pPr marL="0" indent="0">
+              <a:buNone/>
+            </a:pPr>
+            <a:endParaRPr lang="es-ES" sz="2500" dirty="0">
+              <a:solidFill>
+                <a:schemeClr val="bg1"/>
+              </a:solidFill>
+              <a:latin typeface="Baskerville"/>
+            </a:endParaRPr>
+          </a:p>
+          <a:p>
+            <a:pPr marL="0" indent="0">
+              <a:buNone/>
+            </a:pPr>
+            <a:r>
+              <a:rPr lang="es-ES" sz="2500" dirty="0">
+                <a:solidFill>
+                  <a:schemeClr val="bg1"/>
+                </a:solidFill>
+                <a:latin typeface="Baskerville"/>
+              </a:rPr>
+              <a:t>En Temple Body hemos unificado todas las cualidades principales de un día de entrenamiento haciéndola flexible, unitaria y centralizada.  </a:t>
+            </a:r>
+          </a:p>
+        </p:txBody>
+      </p:sp>
+    </p:spTree>
+    <p:extLst>
+      <p:ext uri="{BB962C8B-B14F-4D97-AF65-F5344CB8AC3E}">
+        <p14:creationId xmlns:p14="http://schemas.microsoft.com/office/powerpoint/2010/main" val="623886484"/>
+      </p:ext>
+    </p:extLst>
+  </p:cSld>
+  <p:clrMapOvr>
+    <a:masterClrMapping/>
+  </p:clrMapOvr>
+  <mc:AlternateContent xmlns:mc="http://schemas.openxmlformats.org/markup-compatibility/2006">
+    <mc:Choice xmlns:p14="http://schemas.microsoft.com/office/powerpoint/2010/main" Requires="p14">
+      <p:transition spd="med" p14:dur="700">
+        <p:fade/>
+      </p:transition>
+    </mc:Choice>
+    <mc:Fallback>
+      <p:transition spd="med">
+        <p:fade/>
+      </p:transition>
+    </mc:Fallback>
+  </mc:AlternateContent>
+</p:sld>
+</file>
+
+<file path=ppt/slides/slide4.xml><?xml version="1.0" encoding="utf-8"?>
+<p:sld xmlns:a="http://schemas.openxmlformats.org/drawingml/2006/main" xmlns:r="http://schemas.openxmlformats.org/officeDocument/2006/relationships" xmlns:p="http://schemas.openxmlformats.org/presentationml/2006/main">
+  <p:cSld>
+    <p:bg>
+      <p:bgPr>
+        <a:solidFill>
+          <a:schemeClr val="tx1"/>
+        </a:solidFill>
+        <a:effectLst/>
+      </p:bgPr>
+    </p:bg>
+    <p:spTree>
+      <p:nvGrpSpPr>
+        <p:cNvPr id="1" name=""/>
+        <p:cNvGrpSpPr/>
+        <p:nvPr/>
+      </p:nvGrpSpPr>
+      <p:grpSpPr>
+        <a:xfrm>
+          <a:off x="0" y="0"/>
+          <a:ext cx="0" cy="0"/>
+          <a:chOff x="0" y="0"/>
+          <a:chExt cx="0" cy="0"/>
+        </a:xfrm>
+      </p:grpSpPr>
+      <p:sp>
+        <p:nvSpPr>
+          <p:cNvPr id="2" name="Título 1"/>
+          <p:cNvSpPr>
+            <a:spLocks noGrp="1"/>
+          </p:cNvSpPr>
+          <p:nvPr>
+            <p:ph type="title"/>
+          </p:nvPr>
+        </p:nvSpPr>
+        <p:spPr>
+          <a:xfrm>
+            <a:off x="1640156" y="408957"/>
+            <a:ext cx="8911687" cy="1280890"/>
+          </a:xfrm>
+        </p:spPr>
+        <p:txBody>
+          <a:bodyPr rtlCol="0"/>
+          <a:lstStyle/>
+          <a:p>
+            <a:pPr algn="ctr" rtl="0"/>
+            <a:r>
+              <a:rPr lang="es-ES" dirty="0">
+                <a:solidFill>
+                  <a:srgbClr val="FFFF00"/>
+                </a:solidFill>
+              </a:rPr>
+              <a:t>Diagrama de Gantt o Cronograma</a:t>
+            </a:r>
+          </a:p>
+        </p:txBody>
+      </p:sp>
+      <p:pic>
+        <p:nvPicPr>
+          <p:cNvPr id="7" name="Imagen 6">
+            <a:extLst>
+              <a:ext uri="{FF2B5EF4-FFF2-40B4-BE49-F238E27FC236}">
+                <a16:creationId xmlns:a16="http://schemas.microsoft.com/office/drawing/2014/main" id="{FACEE037-5996-4E5D-9F3E-84C8E5888B91}"/>
+              </a:ext>
+            </a:extLst>
+          </p:cNvPr>
+          <p:cNvPicPr>
+            <a:picLocks noChangeAspect="1"/>
+          </p:cNvPicPr>
+          <p:nvPr/>
+        </p:nvPicPr>
+        <p:blipFill>
+          <a:blip r:embed="rId3"/>
+          <a:stretch>
+            <a:fillRect/>
+          </a:stretch>
+        </p:blipFill>
+        <p:spPr>
+          <a:xfrm>
+            <a:off x="3836449" y="1689846"/>
+            <a:ext cx="5073105" cy="3777623"/>
+          </a:xfrm>
+          <a:prstGeom prst="rect">
+            <a:avLst/>
+          </a:prstGeom>
+        </p:spPr>
+      </p:pic>
+    </p:spTree>
+    <p:extLst>
+      <p:ext uri="{BB962C8B-B14F-4D97-AF65-F5344CB8AC3E}">
+        <p14:creationId xmlns:p14="http://schemas.microsoft.com/office/powerpoint/2010/main" val="607551239"/>
+      </p:ext>
+    </p:extLst>
+  </p:cSld>
+  <p:clrMapOvr>
+    <a:masterClrMapping/>
+  </p:clrMapOvr>
+  <mc:AlternateContent xmlns:mc="http://schemas.openxmlformats.org/markup-compatibility/2006">
+    <mc:Choice xmlns:p14="http://schemas.microsoft.com/office/powerpoint/2010/main" Requires="p14">
+      <p:transition spd="med" p14:dur="700">
+        <p:fade/>
+      </p:transition>
+    </mc:Choice>
+    <mc:Fallback>
+      <p:transition spd="med">
+        <p:fade/>
+      </p:transition>
+    </mc:Fallback>
+  </mc:AlternateContent>
+</p:sld>
+</file>
+
+<file path=ppt/slides/slide5.xml><?xml version="1.0" encoding="utf-8"?>
 <p:sld xmlns:a="http://schemas.openxmlformats.org/drawingml/2006/main" xmlns:r="http://schemas.openxmlformats.org/officeDocument/2006/relationships" xmlns:p="http://schemas.openxmlformats.org/presentationml/2006/main">
   <p:cSld>
     <p:bg>
@@ -11226,10 +12039,10 @@
       </p:sp>
       <p:pic>
         <p:nvPicPr>
-          <p:cNvPr id="5" name="Imagen 4">
+          <p:cNvPr id="6" name="Imagen 5">
             <a:extLst>
               <a:ext uri="{FF2B5EF4-FFF2-40B4-BE49-F238E27FC236}">
-                <a16:creationId xmlns:a16="http://schemas.microsoft.com/office/drawing/2014/main" id="{3C5C1E56-8739-0B4D-1FE4-F9D4106D9017}"/>
+                <a16:creationId xmlns:a16="http://schemas.microsoft.com/office/drawing/2014/main" id="{74D4B76D-EE7E-48E8-85EC-019421839AE7}"/>
               </a:ext>
             </a:extLst>
           </p:cNvPr>
@@ -11246,8 +12059,8 @@
         </p:blipFill>
         <p:spPr>
           <a:xfrm>
-            <a:off x="4913267" y="1469385"/>
-            <a:ext cx="2210417" cy="4666436"/>
+            <a:off x="5007586" y="1414322"/>
+            <a:ext cx="2246884" cy="5008063"/>
           </a:xfrm>
           <a:prstGeom prst="rect">
             <a:avLst/>
@@ -11256,10 +12069,10 @@
       </p:pic>
       <p:pic>
         <p:nvPicPr>
-          <p:cNvPr id="8" name="Imagen 7">
+          <p:cNvPr id="10" name="Imagen 9">
             <a:extLst>
               <a:ext uri="{FF2B5EF4-FFF2-40B4-BE49-F238E27FC236}">
-                <a16:creationId xmlns:a16="http://schemas.microsoft.com/office/drawing/2014/main" id="{C6B079C5-B141-992C-40A1-9E4A5B1FAFA5}"/>
+                <a16:creationId xmlns:a16="http://schemas.microsoft.com/office/drawing/2014/main" id="{F18950A5-5FB0-439A-B0D7-1BB21443F03C}"/>
               </a:ext>
             </a:extLst>
           </p:cNvPr>
@@ -11276,8 +12089,8 @@
         </p:blipFill>
         <p:spPr>
           <a:xfrm>
-            <a:off x="9830890" y="1469385"/>
-            <a:ext cx="2137496" cy="4666436"/>
+            <a:off x="7229766" y="1469385"/>
+            <a:ext cx="2283921" cy="5008063"/>
           </a:xfrm>
           <a:prstGeom prst="rect">
             <a:avLst/>
@@ -11286,10 +12099,10 @@
       </p:pic>
       <p:pic>
         <p:nvPicPr>
-          <p:cNvPr id="11" name="Imagen 10">
+          <p:cNvPr id="13" name="Imagen 12">
             <a:extLst>
               <a:ext uri="{FF2B5EF4-FFF2-40B4-BE49-F238E27FC236}">
-                <a16:creationId xmlns:a16="http://schemas.microsoft.com/office/drawing/2014/main" id="{1D994958-8D99-E0F6-724B-DFF0B59FE723}"/>
+                <a16:creationId xmlns:a16="http://schemas.microsoft.com/office/drawing/2014/main" id="{F6DB4C3F-DD20-427F-8AF6-BF3597AE6046}"/>
               </a:ext>
             </a:extLst>
           </p:cNvPr>
@@ -11306,8 +12119,8 @@
         </p:blipFill>
         <p:spPr>
           <a:xfrm>
-            <a:off x="7330247" y="1469385"/>
-            <a:ext cx="2294080" cy="4953000"/>
+            <a:off x="9476650" y="1414321"/>
+            <a:ext cx="2177602" cy="5008063"/>
           </a:xfrm>
           <a:prstGeom prst="rect">
             <a:avLst/>
@@ -11331,532 +12144,6 @@
       </p:transition>
     </mc:Choice>
     <mc:Fallback xmlns="">
-      <p:transition spd="med">
-        <p:fade/>
-      </p:transition>
-    </mc:Fallback>
-  </mc:AlternateContent>
-</p:sld>
-</file>
-
-<file path=ppt/slides/slide4.xml><?xml version="1.0" encoding="utf-8"?>
-<p:sld xmlns:a="http://schemas.openxmlformats.org/drawingml/2006/main" xmlns:r="http://schemas.openxmlformats.org/officeDocument/2006/relationships" xmlns:p="http://schemas.openxmlformats.org/presentationml/2006/main">
-  <p:cSld>
-    <p:bg>
-      <p:bgPr>
-        <a:solidFill>
-          <a:schemeClr val="tx1"/>
-        </a:solidFill>
-        <a:effectLst/>
-      </p:bgPr>
-    </p:bg>
-    <p:spTree>
-      <p:nvGrpSpPr>
-        <p:cNvPr id="1" name=""/>
-        <p:cNvGrpSpPr/>
-        <p:nvPr/>
-      </p:nvGrpSpPr>
-      <p:grpSpPr>
-        <a:xfrm>
-          <a:off x="0" y="0"/>
-          <a:ext cx="0" cy="0"/>
-          <a:chOff x="0" y="0"/>
-          <a:chExt cx="0" cy="0"/>
-        </a:xfrm>
-      </p:grpSpPr>
-      <p:sp>
-        <p:nvSpPr>
-          <p:cNvPr id="2" name="Título 1"/>
-          <p:cNvSpPr>
-            <a:spLocks noGrp="1"/>
-          </p:cNvSpPr>
-          <p:nvPr>
-            <p:ph type="title"/>
-          </p:nvPr>
-        </p:nvSpPr>
-        <p:spPr/>
-        <p:txBody>
-          <a:bodyPr rtlCol="0"/>
-          <a:lstStyle/>
-          <a:p>
-            <a:pPr algn="ctr" rtl="0"/>
-            <a:r>
-              <a:rPr lang="es-ES" dirty="0">
-                <a:solidFill>
-                  <a:srgbClr val="FFFF00"/>
-                </a:solidFill>
-              </a:rPr>
-              <a:t>Perfil de usuario</a:t>
-            </a:r>
-            <a:br>
-              <a:rPr lang="es-ES" dirty="0">
-                <a:solidFill>
-                  <a:srgbClr val="FFFF00"/>
-                </a:solidFill>
-              </a:rPr>
-            </a:br>
-            <a:endParaRPr lang="es-ES" dirty="0">
-              <a:solidFill>
-                <a:srgbClr val="FFFF00"/>
-              </a:solidFill>
-            </a:endParaRPr>
-          </a:p>
-        </p:txBody>
-      </p:sp>
-      <p:sp>
-        <p:nvSpPr>
-          <p:cNvPr id="3" name="Marcador de posición de contenido 2"/>
-          <p:cNvSpPr>
-            <a:spLocks noGrp="1"/>
-          </p:cNvSpPr>
-          <p:nvPr>
-            <p:ph sz="half" idx="1"/>
-          </p:nvPr>
-        </p:nvSpPr>
-        <p:spPr>
-          <a:xfrm>
-            <a:off x="4891835" y="1905000"/>
-            <a:ext cx="4313864" cy="3777622"/>
-          </a:xfrm>
-        </p:spPr>
-        <p:txBody>
-          <a:bodyPr rtlCol="0"/>
-          <a:lstStyle/>
-          <a:p>
-            <a:pPr rtl="0"/>
-            <a:endParaRPr lang="es-ES" dirty="0"/>
-          </a:p>
-          <a:p>
-            <a:pPr rtl="0"/>
-            <a:endParaRPr lang="es-ES" dirty="0">
-              <a:solidFill>
-                <a:schemeClr val="bg1"/>
-              </a:solidFill>
-            </a:endParaRPr>
-          </a:p>
-          <a:p>
-            <a:pPr rtl="0"/>
-            <a:r>
-              <a:rPr lang="es-ES" sz="2500" dirty="0">
-                <a:solidFill>
-                  <a:schemeClr val="bg1"/>
-                </a:solidFill>
-                <a:latin typeface="Baskerville"/>
-              </a:rPr>
-              <a:t>Acceso a historiales de entrenamientos</a:t>
-            </a:r>
-          </a:p>
-          <a:p>
-            <a:pPr rtl="0"/>
-            <a:r>
-              <a:rPr lang="es-ES" sz="2500" dirty="0">
-                <a:solidFill>
-                  <a:schemeClr val="bg1"/>
-                </a:solidFill>
-                <a:latin typeface="Baskerville"/>
-              </a:rPr>
-              <a:t>Acceso a información</a:t>
-            </a:r>
-          </a:p>
-          <a:p>
-            <a:pPr rtl="0"/>
-            <a:r>
-              <a:rPr lang="es-ES" sz="2500" dirty="0">
-                <a:solidFill>
-                  <a:schemeClr val="bg1"/>
-                </a:solidFill>
-                <a:latin typeface="Baskerville"/>
-              </a:rPr>
-              <a:t>Acceso a configuración</a:t>
-            </a:r>
-          </a:p>
-          <a:p>
-            <a:pPr rtl="0"/>
-            <a:endParaRPr lang="es-ES" dirty="0"/>
-          </a:p>
-          <a:p>
-            <a:pPr rtl="0"/>
-            <a:endParaRPr lang="es-ES" dirty="0"/>
-          </a:p>
-        </p:txBody>
-      </p:sp>
-      <p:pic>
-        <p:nvPicPr>
-          <p:cNvPr id="5" name="Imagen 4">
-            <a:extLst>
-              <a:ext uri="{FF2B5EF4-FFF2-40B4-BE49-F238E27FC236}">
-                <a16:creationId xmlns:a16="http://schemas.microsoft.com/office/drawing/2014/main" id="{9EEFCEBD-580F-9572-444A-6C8636F6BD5F}"/>
-              </a:ext>
-            </a:extLst>
-          </p:cNvPr>
-          <p:cNvPicPr>
-            <a:picLocks noChangeAspect="1"/>
-          </p:cNvPicPr>
-          <p:nvPr/>
-        </p:nvPicPr>
-        <p:blipFill>
-          <a:blip r:embed="rId3"/>
-          <a:stretch>
-            <a:fillRect/>
-          </a:stretch>
-        </p:blipFill>
-        <p:spPr>
-          <a:xfrm>
-            <a:off x="1676665" y="798427"/>
-            <a:ext cx="2411758" cy="5039665"/>
-          </a:xfrm>
-          <a:prstGeom prst="rect">
-            <a:avLst/>
-          </a:prstGeom>
-        </p:spPr>
-      </p:pic>
-    </p:spTree>
-    <p:extLst>
-      <p:ext uri="{BB962C8B-B14F-4D97-AF65-F5344CB8AC3E}">
-        <p14:creationId xmlns:p14="http://schemas.microsoft.com/office/powerpoint/2010/main" val="1382416307"/>
-      </p:ext>
-    </p:extLst>
-  </p:cSld>
-  <p:clrMapOvr>
-    <a:masterClrMapping/>
-  </p:clrMapOvr>
-  <mc:AlternateContent xmlns:mc="http://schemas.openxmlformats.org/markup-compatibility/2006" xmlns:p14="http://schemas.microsoft.com/office/powerpoint/2010/main">
-    <mc:Choice Requires="p14">
-      <p:transition spd="med" p14:dur="700">
-        <p:fade/>
-      </p:transition>
-    </mc:Choice>
-    <mc:Fallback xmlns="">
-      <p:transition spd="med">
-        <p:fade/>
-      </p:transition>
-    </mc:Fallback>
-  </mc:AlternateContent>
-</p:sld>
-</file>
-
-<file path=ppt/slides/slide5.xml><?xml version="1.0" encoding="utf-8"?>
-<p:sld xmlns:a="http://schemas.openxmlformats.org/drawingml/2006/main" xmlns:r="http://schemas.openxmlformats.org/officeDocument/2006/relationships" xmlns:p="http://schemas.openxmlformats.org/presentationml/2006/main">
-  <p:cSld>
-    <p:bg>
-      <p:bgPr>
-        <a:solidFill>
-          <a:schemeClr val="tx1"/>
-        </a:solidFill>
-        <a:effectLst/>
-      </p:bgPr>
-    </p:bg>
-    <p:spTree>
-      <p:nvGrpSpPr>
-        <p:cNvPr id="1" name=""/>
-        <p:cNvGrpSpPr/>
-        <p:nvPr/>
-      </p:nvGrpSpPr>
-      <p:grpSpPr>
-        <a:xfrm>
-          <a:off x="0" y="0"/>
-          <a:ext cx="0" cy="0"/>
-          <a:chOff x="0" y="0"/>
-          <a:chExt cx="0" cy="0"/>
-        </a:xfrm>
-      </p:grpSpPr>
-      <p:sp>
-        <p:nvSpPr>
-          <p:cNvPr id="2" name="Título 1"/>
-          <p:cNvSpPr>
-            <a:spLocks noGrp="1"/>
-          </p:cNvSpPr>
-          <p:nvPr>
-            <p:ph type="title"/>
-          </p:nvPr>
-        </p:nvSpPr>
-        <p:spPr/>
-        <p:txBody>
-          <a:bodyPr rtlCol="0"/>
-          <a:lstStyle/>
-          <a:p>
-            <a:pPr algn="ctr" rtl="0"/>
-            <a:r>
-              <a:rPr lang="es-ES" dirty="0">
-                <a:solidFill>
-                  <a:srgbClr val="FFFF00"/>
-                </a:solidFill>
-              </a:rPr>
-              <a:t>Información y </a:t>
-            </a:r>
-            <a:r>
-              <a:rPr lang="es-ES" dirty="0" err="1">
-                <a:solidFill>
-                  <a:srgbClr val="FFFF00"/>
-                </a:solidFill>
-              </a:rPr>
-              <a:t>configuracion</a:t>
-            </a:r>
-            <a:br>
-              <a:rPr lang="es-ES" dirty="0">
-                <a:solidFill>
-                  <a:srgbClr val="FFFF00"/>
-                </a:solidFill>
-              </a:rPr>
-            </a:br>
-            <a:endParaRPr lang="es-ES" dirty="0">
-              <a:solidFill>
-                <a:srgbClr val="FFFF00"/>
-              </a:solidFill>
-            </a:endParaRPr>
-          </a:p>
-        </p:txBody>
-      </p:sp>
-      <p:sp>
-        <p:nvSpPr>
-          <p:cNvPr id="3" name="Marcador de posición de contenido 2"/>
-          <p:cNvSpPr>
-            <a:spLocks noGrp="1"/>
-          </p:cNvSpPr>
-          <p:nvPr>
-            <p:ph sz="half" idx="1"/>
-          </p:nvPr>
-        </p:nvSpPr>
-        <p:spPr>
-          <a:xfrm>
-            <a:off x="3290217" y="1047146"/>
-            <a:ext cx="5130910" cy="4896454"/>
-          </a:xfrm>
-        </p:spPr>
-        <p:txBody>
-          <a:bodyPr rtlCol="0">
-            <a:normAutofit/>
-          </a:bodyPr>
-          <a:lstStyle/>
-          <a:p>
-            <a:pPr rtl="0"/>
-            <a:endParaRPr lang="es-ES" dirty="0"/>
-          </a:p>
-          <a:p>
-            <a:pPr rtl="0"/>
-            <a:endParaRPr lang="es-ES" dirty="0">
-              <a:solidFill>
-                <a:schemeClr val="bg1"/>
-              </a:solidFill>
-            </a:endParaRPr>
-          </a:p>
-          <a:p>
-            <a:pPr rtl="0"/>
-            <a:r>
-              <a:rPr lang="es-ES" sz="2500" dirty="0">
-                <a:solidFill>
-                  <a:schemeClr val="bg1"/>
-                </a:solidFill>
-                <a:latin typeface="Baskerville"/>
-              </a:rPr>
-              <a:t>Desde configuración se accede a:</a:t>
-            </a:r>
-          </a:p>
-          <a:p>
-            <a:pPr marL="457200" lvl="1" indent="0">
-              <a:buNone/>
-            </a:pPr>
-            <a:r>
-              <a:rPr lang="es-ES" sz="2300" dirty="0">
-                <a:solidFill>
-                  <a:schemeClr val="bg1"/>
-                </a:solidFill>
-                <a:latin typeface="Baskerville"/>
-              </a:rPr>
-              <a:t>-Actualización de la app, modificación de datos, e informar sobre problemas</a:t>
-            </a:r>
-          </a:p>
-          <a:p>
-            <a:pPr rtl="0"/>
-            <a:r>
-              <a:rPr lang="es-ES" sz="2500" dirty="0">
-                <a:solidFill>
-                  <a:schemeClr val="bg1"/>
-                </a:solidFill>
-                <a:latin typeface="Baskerville"/>
-              </a:rPr>
-              <a:t>Desde información se accede a:</a:t>
-            </a:r>
-          </a:p>
-          <a:p>
-            <a:pPr marL="457200" lvl="1" indent="0">
-              <a:buNone/>
-            </a:pPr>
-            <a:r>
-              <a:rPr lang="es-ES" sz="2300" dirty="0">
-                <a:solidFill>
-                  <a:schemeClr val="bg1"/>
-                </a:solidFill>
-                <a:latin typeface="Baskerville"/>
-              </a:rPr>
-              <a:t>-</a:t>
-            </a:r>
-            <a:r>
-              <a:rPr lang="es-ES" sz="2300" dirty="0" err="1">
-                <a:solidFill>
-                  <a:schemeClr val="bg1"/>
-                </a:solidFill>
-                <a:latin typeface="Baskerville"/>
-              </a:rPr>
-              <a:t>Politicas</a:t>
-            </a:r>
-            <a:r>
-              <a:rPr lang="es-ES" sz="2300" dirty="0">
-                <a:solidFill>
-                  <a:schemeClr val="bg1"/>
-                </a:solidFill>
-                <a:latin typeface="Baskerville"/>
-              </a:rPr>
-              <a:t> de privacidad</a:t>
-            </a:r>
-          </a:p>
-          <a:p>
-            <a:pPr marL="457200" lvl="1" indent="0">
-              <a:buNone/>
-            </a:pPr>
-            <a:r>
-              <a:rPr lang="es-ES" sz="2300" dirty="0">
-                <a:solidFill>
-                  <a:schemeClr val="bg1"/>
-                </a:solidFill>
-                <a:latin typeface="Baskerville"/>
-              </a:rPr>
-              <a:t>-Reglamentos</a:t>
-            </a:r>
-          </a:p>
-          <a:p>
-            <a:pPr marL="457200" lvl="1" indent="0">
-              <a:buNone/>
-            </a:pPr>
-            <a:r>
-              <a:rPr lang="es-ES" sz="2300" dirty="0">
-                <a:solidFill>
-                  <a:schemeClr val="bg1"/>
-                </a:solidFill>
-                <a:latin typeface="Baskerville"/>
-              </a:rPr>
-              <a:t>-Condiciones de uso</a:t>
-            </a:r>
-          </a:p>
-          <a:p>
-            <a:pPr marL="457200" lvl="1" indent="0">
-              <a:buNone/>
-            </a:pPr>
-            <a:r>
-              <a:rPr lang="es-ES" sz="2300" dirty="0">
-                <a:solidFill>
-                  <a:schemeClr val="bg1"/>
-                </a:solidFill>
-                <a:latin typeface="Baskerville"/>
-              </a:rPr>
-              <a:t>-Chat de </a:t>
-            </a:r>
-            <a:r>
-              <a:rPr lang="es-ES" sz="2300" dirty="0" err="1">
-                <a:solidFill>
-                  <a:schemeClr val="bg1"/>
-                </a:solidFill>
-                <a:latin typeface="Baskerville"/>
-              </a:rPr>
-              <a:t>telegram</a:t>
-            </a:r>
-            <a:r>
-              <a:rPr lang="es-ES" sz="2300" dirty="0">
-                <a:solidFill>
-                  <a:schemeClr val="bg1"/>
-                </a:solidFill>
-                <a:latin typeface="Baskerville"/>
-              </a:rPr>
-              <a:t> de usuarios</a:t>
-            </a:r>
-          </a:p>
-          <a:p>
-            <a:pPr rtl="0"/>
-            <a:endParaRPr lang="es-ES" dirty="0"/>
-          </a:p>
-          <a:p>
-            <a:pPr rtl="0"/>
-            <a:endParaRPr lang="es-ES" dirty="0"/>
-          </a:p>
-        </p:txBody>
-      </p:sp>
-      <p:pic>
-        <p:nvPicPr>
-          <p:cNvPr id="6" name="Imagen 5">
-            <a:extLst>
-              <a:ext uri="{FF2B5EF4-FFF2-40B4-BE49-F238E27FC236}">
-                <a16:creationId xmlns:a16="http://schemas.microsoft.com/office/drawing/2014/main" id="{3FD8A0B3-59D3-F836-701F-AA757BF8479E}"/>
-              </a:ext>
-            </a:extLst>
-          </p:cNvPr>
-          <p:cNvPicPr>
-            <a:picLocks noChangeAspect="1"/>
-          </p:cNvPicPr>
-          <p:nvPr/>
-        </p:nvPicPr>
-        <p:blipFill>
-          <a:blip r:embed="rId3"/>
-          <a:stretch>
-            <a:fillRect/>
-          </a:stretch>
-        </p:blipFill>
-        <p:spPr>
-          <a:xfrm>
-            <a:off x="1081454" y="1447661"/>
-            <a:ext cx="2173517" cy="4694376"/>
-          </a:xfrm>
-          <a:prstGeom prst="rect">
-            <a:avLst/>
-          </a:prstGeom>
-        </p:spPr>
-      </p:pic>
-      <p:pic>
-        <p:nvPicPr>
-          <p:cNvPr id="8" name="Imagen 7">
-            <a:extLst>
-              <a:ext uri="{FF2B5EF4-FFF2-40B4-BE49-F238E27FC236}">
-                <a16:creationId xmlns:a16="http://schemas.microsoft.com/office/drawing/2014/main" id="{5094CCCC-2527-525C-D0BF-EF6E884F0BB4}"/>
-              </a:ext>
-            </a:extLst>
-          </p:cNvPr>
-          <p:cNvPicPr>
-            <a:picLocks noChangeAspect="1"/>
-          </p:cNvPicPr>
-          <p:nvPr/>
-        </p:nvPicPr>
-        <p:blipFill>
-          <a:blip r:embed="rId4"/>
-          <a:stretch>
-            <a:fillRect/>
-          </a:stretch>
-        </p:blipFill>
-        <p:spPr>
-          <a:xfrm>
-            <a:off x="8456373" y="1447661"/>
-            <a:ext cx="2357329" cy="4798660"/>
-          </a:xfrm>
-          <a:prstGeom prst="rect">
-            <a:avLst/>
-          </a:prstGeom>
-        </p:spPr>
-      </p:pic>
-    </p:spTree>
-    <p:extLst>
-      <p:ext uri="{BB962C8B-B14F-4D97-AF65-F5344CB8AC3E}">
-        <p14:creationId xmlns:p14="http://schemas.microsoft.com/office/powerpoint/2010/main" val="3014657887"/>
-      </p:ext>
-    </p:extLst>
-  </p:cSld>
-  <p:clrMapOvr>
-    <a:masterClrMapping/>
-  </p:clrMapOvr>
-  <mc:AlternateContent xmlns:mc="http://schemas.openxmlformats.org/markup-compatibility/2006">
-    <mc:Choice xmlns:p14="http://schemas.microsoft.com/office/powerpoint/2010/main" Requires="p14">
-      <p:transition spd="med" p14:dur="700">
-        <p:fade/>
-      </p:transition>
-    </mc:Choice>
-    <mc:Fallback>
       <p:transition spd="med">
         <p:fade/>
       </p:transition>
@@ -11900,25 +12187,32 @@
             <p:ph type="title"/>
           </p:nvPr>
         </p:nvSpPr>
-        <p:spPr>
-          <a:xfrm>
-            <a:off x="2003840" y="404302"/>
-            <a:ext cx="8911687" cy="1280890"/>
-          </a:xfrm>
-        </p:spPr>
+        <p:spPr/>
         <p:txBody>
           <a:bodyPr rtlCol="0"/>
           <a:lstStyle/>
           <a:p>
-            <a:pPr algn="ctr"/>
+            <a:pPr algn="ctr" rtl="0"/>
             <a:r>
               <a:rPr lang="es-ES" dirty="0">
                 <a:solidFill>
                   <a:srgbClr val="FFFF00"/>
                 </a:solidFill>
               </a:rPr>
-              <a:t>Ejercicios</a:t>
-            </a:r>
+              <a:t>Perfil de usuario</a:t>
+            </a:r>
+            <a:br>
+              <a:rPr lang="es-ES" dirty="0">
+                <a:solidFill>
+                  <a:srgbClr val="FFFF00"/>
+                </a:solidFill>
+              </a:rPr>
+            </a:br>
+            <a:endParaRPr lang="es-ES" dirty="0">
+              <a:solidFill>
+                <a:srgbClr val="FFFF00"/>
+              </a:solidFill>
+            </a:endParaRPr>
           </a:p>
         </p:txBody>
       </p:sp>
@@ -11934,47 +12228,68 @@
         </p:nvSpPr>
         <p:spPr>
           <a:xfrm>
-            <a:off x="5999666" y="1540189"/>
+            <a:off x="4891835" y="1905000"/>
             <a:ext cx="4313864" cy="3777622"/>
           </a:xfrm>
         </p:spPr>
         <p:txBody>
-          <a:bodyPr rtlCol="0">
-            <a:normAutofit/>
-          </a:bodyPr>
+          <a:bodyPr rtlCol="0"/>
           <a:lstStyle/>
           <a:p>
-            <a:r>
-              <a:rPr lang="es-ES" sz="2700" dirty="0">
+            <a:pPr rtl="0"/>
+            <a:endParaRPr lang="es-ES" dirty="0"/>
+          </a:p>
+          <a:p>
+            <a:pPr rtl="0"/>
+            <a:endParaRPr lang="es-ES" dirty="0">
+              <a:solidFill>
+                <a:schemeClr val="bg1"/>
+              </a:solidFill>
+            </a:endParaRPr>
+          </a:p>
+          <a:p>
+            <a:pPr rtl="0"/>
+            <a:r>
+              <a:rPr lang="es-ES" sz="2500" dirty="0">
                 <a:solidFill>
                   <a:schemeClr val="bg1"/>
                 </a:solidFill>
                 <a:latin typeface="Baskerville"/>
               </a:rPr>
-              <a:t>Listado de ejercicios según el musculo seleccionado</a:t>
-            </a:r>
-          </a:p>
-          <a:p>
-            <a:r>
-              <a:rPr lang="es-ES" sz="2700" dirty="0">
+              <a:t>Acceso a historiales de entrenamientos</a:t>
+            </a:r>
+          </a:p>
+          <a:p>
+            <a:pPr rtl="0"/>
+            <a:r>
+              <a:rPr lang="es-ES" sz="2500" dirty="0">
                 <a:solidFill>
                   <a:schemeClr val="bg1"/>
                 </a:solidFill>
                 <a:latin typeface="Baskerville"/>
               </a:rPr>
-              <a:t>Posibilidad de ver explicación y videotutorial sobre el ejercicio seleccionado</a:t>
-            </a:r>
-          </a:p>
-          <a:p>
-            <a:r>
-              <a:rPr lang="es-ES" sz="2700" dirty="0">
+              <a:t>Acceso a información</a:t>
+            </a:r>
+          </a:p>
+          <a:p>
+            <a:pPr rtl="0"/>
+            <a:r>
+              <a:rPr lang="es-ES" sz="2500" dirty="0">
                 <a:solidFill>
                   <a:schemeClr val="bg1"/>
                 </a:solidFill>
                 <a:latin typeface="Baskerville"/>
               </a:rPr>
-              <a:t>Posibilidad de registrar entrenamiento</a:t>
-            </a:r>
+              <a:t>Acceso a configuración</a:t>
+            </a:r>
+          </a:p>
+          <a:p>
+            <a:pPr rtl="0"/>
+            <a:endParaRPr lang="es-ES" dirty="0"/>
+          </a:p>
+          <a:p>
+            <a:pPr rtl="0"/>
+            <a:endParaRPr lang="es-ES" dirty="0"/>
           </a:p>
         </p:txBody>
       </p:sp>
@@ -11983,7 +12298,7 @@
           <p:cNvPr id="6" name="Imagen 5">
             <a:extLst>
               <a:ext uri="{FF2B5EF4-FFF2-40B4-BE49-F238E27FC236}">
-                <a16:creationId xmlns:a16="http://schemas.microsoft.com/office/drawing/2014/main" id="{5FD78B59-B509-AE87-D0A2-7CA8BC50E6BE}"/>
+                <a16:creationId xmlns:a16="http://schemas.microsoft.com/office/drawing/2014/main" id="{A690453D-C0EB-43CE-8E95-DEA04806BAA9}"/>
               </a:ext>
             </a:extLst>
           </p:cNvPr>
@@ -12000,38 +12315,8 @@
         </p:blipFill>
         <p:spPr>
           <a:xfrm>
-            <a:off x="355795" y="1361271"/>
-            <a:ext cx="2322407" cy="4953000"/>
-          </a:xfrm>
-          <a:prstGeom prst="rect">
-            <a:avLst/>
-          </a:prstGeom>
-        </p:spPr>
-      </p:pic>
-      <p:pic>
-        <p:nvPicPr>
-          <p:cNvPr id="12" name="Imagen 11">
-            <a:extLst>
-              <a:ext uri="{FF2B5EF4-FFF2-40B4-BE49-F238E27FC236}">
-                <a16:creationId xmlns:a16="http://schemas.microsoft.com/office/drawing/2014/main" id="{7995DE06-5ADA-694E-C9E5-CD7B11BCD6F7}"/>
-              </a:ext>
-            </a:extLst>
-          </p:cNvPr>
-          <p:cNvPicPr>
-            <a:picLocks noChangeAspect="1"/>
-          </p:cNvPicPr>
-          <p:nvPr/>
-        </p:nvPicPr>
-        <p:blipFill>
-          <a:blip r:embed="rId4"/>
-          <a:stretch>
-            <a:fillRect/>
-          </a:stretch>
-        </p:blipFill>
-        <p:spPr>
-          <a:xfrm>
-            <a:off x="3243862" y="1365804"/>
-            <a:ext cx="2322406" cy="4948468"/>
+            <a:off x="1600800" y="644236"/>
+            <a:ext cx="2421328" cy="5569527"/>
           </a:xfrm>
           <a:prstGeom prst="rect">
             <a:avLst/>
@@ -12041,7 +12326,7 @@
     </p:spTree>
     <p:extLst>
       <p:ext uri="{BB962C8B-B14F-4D97-AF65-F5344CB8AC3E}">
-        <p14:creationId xmlns:p14="http://schemas.microsoft.com/office/powerpoint/2010/main" val="3581807848"/>
+        <p14:creationId xmlns:p14="http://schemas.microsoft.com/office/powerpoint/2010/main" val="1382416307"/>
       </p:ext>
     </p:extLst>
   </p:cSld>
@@ -12103,15 +12388,35 @@
           <a:bodyPr rtlCol="0"/>
           <a:lstStyle/>
           <a:p>
-            <a:pPr algn="ctr"/>
+            <a:pPr algn="ctr" rtl="0"/>
             <a:r>
               <a:rPr lang="es-ES" dirty="0">
                 <a:solidFill>
                   <a:srgbClr val="FFFF00"/>
                 </a:solidFill>
               </a:rPr>
-              <a:t>Funcionalidades de ejercicios</a:t>
-            </a:r>
+              <a:t>Información y </a:t>
+            </a:r>
+            <a:r>
+              <a:rPr lang="es-ES" dirty="0" err="1">
+                <a:solidFill>
+                  <a:srgbClr val="FFFF00"/>
+                </a:solidFill>
+              </a:rPr>
+              <a:t>configuracion</a:t>
+            </a:r>
+            <a:br>
+              <a:rPr lang="es-ES" dirty="0">
+                <a:solidFill>
+                  <a:srgbClr val="FFFF00"/>
+                </a:solidFill>
+              </a:rPr>
+            </a:br>
+            <a:endParaRPr lang="es-ES" dirty="0">
+              <a:solidFill>
+                <a:srgbClr val="FFFF00"/>
+              </a:solidFill>
+            </a:endParaRPr>
           </a:p>
         </p:txBody>
       </p:sp>
@@ -12127,8 +12432,8 @@
         </p:nvSpPr>
         <p:spPr>
           <a:xfrm>
-            <a:off x="6534485" y="1685192"/>
-            <a:ext cx="4313864" cy="3777622"/>
+            <a:off x="3290217" y="1047146"/>
+            <a:ext cx="5130910" cy="4896454"/>
           </a:xfrm>
         </p:spPr>
         <p:txBody>
@@ -12137,6 +12442,19 @@
           </a:bodyPr>
           <a:lstStyle/>
           <a:p>
+            <a:pPr rtl="0"/>
+            <a:endParaRPr lang="es-ES" dirty="0"/>
+          </a:p>
+          <a:p>
+            <a:pPr rtl="0"/>
+            <a:endParaRPr lang="es-ES" dirty="0">
+              <a:solidFill>
+                <a:schemeClr val="bg1"/>
+              </a:solidFill>
+            </a:endParaRPr>
+          </a:p>
+          <a:p>
+            <a:pPr rtl="0"/>
             <a:r>
               <a:rPr lang="es-ES" sz="2500" dirty="0">
                 <a:solidFill>
@@ -12144,10 +12462,25 @@
                 </a:solidFill>
                 <a:latin typeface="Baskerville"/>
               </a:rPr>
-              <a:t>Ver videotutorial explicativo sobre el ejercicio</a:t>
-            </a:r>
-          </a:p>
-          <a:p>
+              <a:t>Desde configuración se accede a:</a:t>
+            </a:r>
+          </a:p>
+          <a:p>
+            <a:pPr marL="457200" lvl="1" indent="0">
+              <a:buNone/>
+            </a:pPr>
+            <a:r>
+              <a:rPr lang="es-ES" sz="2300" dirty="0">
+                <a:solidFill>
+                  <a:schemeClr val="bg1"/>
+                </a:solidFill>
+                <a:latin typeface="Baskerville"/>
+              </a:rPr>
+              <a:t>-Actualización de la app, modificación de datos, e informar sobre problemas</a:t>
+            </a:r>
+          </a:p>
+          <a:p>
+            <a:pPr rtl="0"/>
             <a:r>
               <a:rPr lang="es-ES" sz="2500" dirty="0">
                 <a:solidFill>
@@ -12155,25 +12488,117 @@
                 </a:solidFill>
                 <a:latin typeface="Baskerville"/>
               </a:rPr>
-              <a:t>Registrar marcas de entrenamiento por fecha</a:t>
-            </a:r>
-          </a:p>
-          <a:p>
-            <a:endParaRPr lang="es-ES" sz="2500" dirty="0">
-              <a:solidFill>
-                <a:schemeClr val="bg1"/>
-              </a:solidFill>
-              <a:latin typeface="Baskerville"/>
-            </a:endParaRPr>
+              <a:t>Desde información se accede a:</a:t>
+            </a:r>
+          </a:p>
+          <a:p>
+            <a:pPr marL="457200" lvl="1" indent="0">
+              <a:buNone/>
+            </a:pPr>
+            <a:r>
+              <a:rPr lang="es-ES" sz="2300" dirty="0">
+                <a:solidFill>
+                  <a:schemeClr val="bg1"/>
+                </a:solidFill>
+                <a:latin typeface="Baskerville"/>
+              </a:rPr>
+              <a:t>-</a:t>
+            </a:r>
+            <a:r>
+              <a:rPr lang="es-ES" sz="2300" dirty="0" err="1">
+                <a:solidFill>
+                  <a:schemeClr val="bg1"/>
+                </a:solidFill>
+                <a:latin typeface="Baskerville"/>
+              </a:rPr>
+              <a:t>Politicas</a:t>
+            </a:r>
+            <a:r>
+              <a:rPr lang="es-ES" sz="2300" dirty="0">
+                <a:solidFill>
+                  <a:schemeClr val="bg1"/>
+                </a:solidFill>
+                <a:latin typeface="Baskerville"/>
+              </a:rPr>
+              <a:t> de privacidad</a:t>
+            </a:r>
+          </a:p>
+          <a:p>
+            <a:pPr marL="457200" lvl="1" indent="0">
+              <a:buNone/>
+            </a:pPr>
+            <a:r>
+              <a:rPr lang="es-ES" sz="2300" dirty="0">
+                <a:solidFill>
+                  <a:schemeClr val="bg1"/>
+                </a:solidFill>
+                <a:latin typeface="Baskerville"/>
+              </a:rPr>
+              <a:t>-Reglamentos</a:t>
+            </a:r>
+          </a:p>
+          <a:p>
+            <a:pPr marL="457200" lvl="1" indent="0">
+              <a:buNone/>
+            </a:pPr>
+            <a:r>
+              <a:rPr lang="es-ES" sz="2300" dirty="0">
+                <a:solidFill>
+                  <a:schemeClr val="bg1"/>
+                </a:solidFill>
+                <a:latin typeface="Baskerville"/>
+              </a:rPr>
+              <a:t>-Condiciones de uso</a:t>
+            </a:r>
+          </a:p>
+          <a:p>
+            <a:pPr marL="457200" lvl="1" indent="0">
+              <a:buNone/>
+            </a:pPr>
+            <a:r>
+              <a:rPr lang="es-ES" sz="2300" dirty="0">
+                <a:solidFill>
+                  <a:schemeClr val="bg1"/>
+                </a:solidFill>
+                <a:latin typeface="Baskerville"/>
+              </a:rPr>
+              <a:t>-Chat de </a:t>
+            </a:r>
+            <a:r>
+              <a:rPr lang="es-ES" sz="2300" dirty="0" err="1">
+                <a:solidFill>
+                  <a:schemeClr val="bg1"/>
+                </a:solidFill>
+                <a:latin typeface="Baskerville"/>
+              </a:rPr>
+              <a:t>telegram</a:t>
+            </a:r>
+            <a:r>
+              <a:rPr lang="es-ES" sz="2300" dirty="0">
+                <a:solidFill>
+                  <a:schemeClr val="bg1"/>
+                </a:solidFill>
+                <a:latin typeface="Baskerville"/>
+              </a:rPr>
+              <a:t> de usuarios</a:t>
+            </a:r>
+          </a:p>
+          <a:p>
+            <a:pPr rtl="0"/>
+            <a:endParaRPr lang="es-ES" dirty="0"/>
+          </a:p>
+          <a:p>
+            <a:pPr rtl="0"/>
+            <a:endParaRPr lang="es-ES" dirty="0"/>
           </a:p>
         </p:txBody>
       </p:sp>
       <p:pic>
         <p:nvPicPr>
-          <p:cNvPr id="8" name="Imagen 7">
+          <p:cNvPr id="5" name="Imagen 4">
             <a:extLst>
               <a:ext uri="{FF2B5EF4-FFF2-40B4-BE49-F238E27FC236}">
-                <a16:creationId xmlns:a16="http://schemas.microsoft.com/office/drawing/2014/main" id="{37AD00F6-2030-158A-424D-4C2B976085FF}"/>
+                <a16:creationId xmlns:a16="http://schemas.microsoft.com/office/drawing/2014/main" id="{29C0401A-04DE-4B82-A0D1-0AE1ACF52ADE}"/>
               </a:ext>
             </a:extLst>
           </p:cNvPr>
@@ -12190,8 +12615,8 @@
         </p:blipFill>
         <p:spPr>
           <a:xfrm>
-            <a:off x="3369622" y="1516601"/>
-            <a:ext cx="2287895" cy="4908871"/>
+            <a:off x="781115" y="1343207"/>
+            <a:ext cx="2160455" cy="5007566"/>
           </a:xfrm>
           <a:prstGeom prst="rect">
             <a:avLst/>
@@ -12200,10 +12625,10 @@
       </p:pic>
       <p:pic>
         <p:nvPicPr>
-          <p:cNvPr id="10" name="Imagen 9">
+          <p:cNvPr id="9" name="Imagen 8">
             <a:extLst>
               <a:ext uri="{FF2B5EF4-FFF2-40B4-BE49-F238E27FC236}">
-                <a16:creationId xmlns:a16="http://schemas.microsoft.com/office/drawing/2014/main" id="{77E90FBB-1414-B38B-8A60-7B8072D032EA}"/>
+                <a16:creationId xmlns:a16="http://schemas.microsoft.com/office/drawing/2014/main" id="{EB8CD2DA-7658-4AB8-9A2C-17D21C9A976D}"/>
               </a:ext>
             </a:extLst>
           </p:cNvPr>
@@ -12220,8 +12645,8 @@
         </p:blipFill>
         <p:spPr>
           <a:xfrm>
-            <a:off x="824581" y="1516602"/>
-            <a:ext cx="2287895" cy="4887030"/>
+            <a:off x="9118420" y="1398763"/>
+            <a:ext cx="2101429" cy="4896455"/>
           </a:xfrm>
           <a:prstGeom prst="rect">
             <a:avLst/>
@@ -12231,20 +12656,20 @@
     </p:spTree>
     <p:extLst>
       <p:ext uri="{BB962C8B-B14F-4D97-AF65-F5344CB8AC3E}">
-        <p14:creationId xmlns:p14="http://schemas.microsoft.com/office/powerpoint/2010/main" val="719840412"/>
+        <p14:creationId xmlns:p14="http://schemas.microsoft.com/office/powerpoint/2010/main" val="3014657887"/>
       </p:ext>
     </p:extLst>
   </p:cSld>
   <p:clrMapOvr>
     <a:masterClrMapping/>
   </p:clrMapOvr>
-  <mc:AlternateContent xmlns:mc="http://schemas.openxmlformats.org/markup-compatibility/2006">
-    <mc:Choice xmlns:p14="http://schemas.microsoft.com/office/powerpoint/2010/main" Requires="p14">
+  <mc:AlternateContent xmlns:mc="http://schemas.openxmlformats.org/markup-compatibility/2006" xmlns:p14="http://schemas.microsoft.com/office/powerpoint/2010/main">
+    <mc:Choice Requires="p14">
       <p:transition spd="med" p14:dur="700">
         <p:fade/>
       </p:transition>
     </mc:Choice>
-    <mc:Fallback>
+    <mc:Fallback xmlns="">
       <p:transition spd="med">
         <p:fade/>
       </p:transition>
@@ -12288,7 +12713,12 @@
             <p:ph type="title"/>
           </p:nvPr>
         </p:nvSpPr>
-        <p:spPr/>
+        <p:spPr>
+          <a:xfrm>
+            <a:off x="2003840" y="404302"/>
+            <a:ext cx="8911687" cy="1280890"/>
+          </a:xfrm>
+        </p:spPr>
         <p:txBody>
           <a:bodyPr rtlCol="0"/>
           <a:lstStyle/>
@@ -12300,7 +12730,7 @@
                   <a:srgbClr val="FFFF00"/>
                 </a:solidFill>
               </a:rPr>
-              <a:t>Búsqueda de Gimnasios Cercanos</a:t>
+              <a:t>Ejercicios</a:t>
             </a:r>
           </a:p>
         </p:txBody>
@@ -12317,68 +12747,46 @@
         </p:nvSpPr>
         <p:spPr>
           <a:xfrm>
-            <a:off x="3682892" y="1850010"/>
+            <a:off x="5999666" y="1540189"/>
             <a:ext cx="4313864" cy="3777622"/>
           </a:xfrm>
         </p:spPr>
         <p:txBody>
-          <a:bodyPr rtlCol="0"/>
+          <a:bodyPr rtlCol="0">
+            <a:normAutofit/>
+          </a:bodyPr>
           <a:lstStyle/>
           <a:p>
-            <a:pPr marL="0" indent="0" rtl="0">
-              <a:buNone/>
-            </a:pPr>
-            <a:endParaRPr lang="es-ES" dirty="0"/>
-          </a:p>
-          <a:p>
-            <a:pPr rtl="0"/>
-            <a:r>
-              <a:rPr lang="es-ES" sz="2500" dirty="0" err="1">
+            <a:r>
+              <a:rPr lang="es-ES" sz="2700" dirty="0">
                 <a:solidFill>
                   <a:schemeClr val="bg1"/>
                 </a:solidFill>
                 <a:latin typeface="Baskerville"/>
               </a:rPr>
-              <a:t>Accedso</a:t>
-            </a:r>
-            <a:r>
-              <a:rPr lang="es-ES" sz="2500" dirty="0">
+              <a:t>Listado de ejercicios según el musculo seleccionado</a:t>
+            </a:r>
+          </a:p>
+          <a:p>
+            <a:r>
+              <a:rPr lang="es-ES" sz="2700" dirty="0">
                 <a:solidFill>
                   <a:schemeClr val="bg1"/>
                 </a:solidFill>
                 <a:latin typeface="Baskerville"/>
               </a:rPr>
-              <a:t> a Google </a:t>
-            </a:r>
-            <a:r>
-              <a:rPr lang="es-ES" sz="2500" dirty="0" err="1">
+              <a:t>Posibilidad de ver explicación y videotutorial sobre el ejercicio seleccionado</a:t>
+            </a:r>
+          </a:p>
+          <a:p>
+            <a:r>
+              <a:rPr lang="es-ES" sz="2700" dirty="0">
                 <a:solidFill>
                   <a:schemeClr val="bg1"/>
                 </a:solidFill>
                 <a:latin typeface="Baskerville"/>
               </a:rPr>
-              <a:t>Maps</a:t>
-            </a:r>
-            <a:r>
-              <a:rPr lang="es-ES" sz="2500" dirty="0">
-                <a:solidFill>
-                  <a:schemeClr val="bg1"/>
-                </a:solidFill>
-                <a:latin typeface="Baskerville"/>
-              </a:rPr>
-              <a:t> para poder ver los gimnasios mas cercanos.</a:t>
-            </a:r>
-          </a:p>
-          <a:p>
-            <a:pPr rtl="0"/>
-            <a:r>
-              <a:rPr lang="es-ES" sz="2500" dirty="0">
-                <a:solidFill>
-                  <a:schemeClr val="bg1"/>
-                </a:solidFill>
-                <a:latin typeface="Baskerville"/>
-              </a:rPr>
-              <a:t>Listado de los gimnasios mas económicos y mejor valorados</a:t>
+              <a:t>Posibilidad de registrar entrenamiento</a:t>
             </a:r>
           </a:p>
         </p:txBody>
@@ -12388,7 +12796,7 @@
           <p:cNvPr id="5" name="Imagen 4">
             <a:extLst>
               <a:ext uri="{FF2B5EF4-FFF2-40B4-BE49-F238E27FC236}">
-                <a16:creationId xmlns:a16="http://schemas.microsoft.com/office/drawing/2014/main" id="{59D8FC67-2ABB-E36B-2F83-D926B2833FE4}"/>
+                <a16:creationId xmlns:a16="http://schemas.microsoft.com/office/drawing/2014/main" id="{AA6514FF-9E0D-4307-B6ED-594E684C2BF0}"/>
               </a:ext>
             </a:extLst>
           </p:cNvPr>
@@ -12398,21 +12806,15 @@
           <p:nvPr/>
         </p:nvPicPr>
         <p:blipFill>
-          <a:blip r:embed="rId3" cstate="print">
-            <a:extLst>
-              <a:ext uri="{28A0092B-C50C-407E-A947-70E740481C1C}">
-                <a14:useLocalDpi xmlns:a14="http://schemas.microsoft.com/office/drawing/2010/main" val="0"/>
-              </a:ext>
-            </a:extLst>
-          </a:blip>
+          <a:blip r:embed="rId3"/>
           <a:stretch>
             <a:fillRect/>
           </a:stretch>
         </p:blipFill>
         <p:spPr>
           <a:xfrm>
-            <a:off x="8881962" y="1264555"/>
-            <a:ext cx="2417885" cy="5238750"/>
+            <a:off x="590868" y="1365804"/>
+            <a:ext cx="2219596" cy="4948468"/>
           </a:xfrm>
           <a:prstGeom prst="rect">
             <a:avLst/>
@@ -12421,10 +12823,10 @@
       </p:pic>
       <p:pic>
         <p:nvPicPr>
-          <p:cNvPr id="6" name="Imagen 5">
+          <p:cNvPr id="8" name="Imagen 7">
             <a:extLst>
               <a:ext uri="{FF2B5EF4-FFF2-40B4-BE49-F238E27FC236}">
-                <a16:creationId xmlns:a16="http://schemas.microsoft.com/office/drawing/2014/main" id="{77B83D21-691E-8E33-FB2A-F5B202C36D5F}"/>
+                <a16:creationId xmlns:a16="http://schemas.microsoft.com/office/drawing/2014/main" id="{526E1B6F-476F-48B9-B271-350C267E639D}"/>
               </a:ext>
             </a:extLst>
           </p:cNvPr>
@@ -12441,8 +12843,8 @@
         </p:blipFill>
         <p:spPr>
           <a:xfrm>
-            <a:off x="815522" y="1264555"/>
-            <a:ext cx="2348363" cy="4948532"/>
+            <a:off x="3182587" y="1366652"/>
+            <a:ext cx="2142440" cy="4947620"/>
           </a:xfrm>
           <a:prstGeom prst="rect">
             <a:avLst/>
@@ -12452,7 +12854,7 @@
     </p:spTree>
     <p:extLst>
       <p:ext uri="{BB962C8B-B14F-4D97-AF65-F5344CB8AC3E}">
-        <p14:creationId xmlns:p14="http://schemas.microsoft.com/office/powerpoint/2010/main" val="2417256824"/>
+        <p14:creationId xmlns:p14="http://schemas.microsoft.com/office/powerpoint/2010/main" val="3581807848"/>
       </p:ext>
     </p:extLst>
   </p:cSld>
@@ -12521,7 +12923,7 @@
                   <a:srgbClr val="FFFF00"/>
                 </a:solidFill>
               </a:rPr>
-              <a:t>Suplementación</a:t>
+              <a:t>Funcionalidades de ejercicios</a:t>
             </a:r>
           </a:p>
         </p:txBody>
@@ -12538,7 +12940,7 @@
         </p:nvSpPr>
         <p:spPr>
           <a:xfrm>
-            <a:off x="4891835" y="1905000"/>
+            <a:off x="6534485" y="1685192"/>
             <a:ext cx="4313864" cy="3777622"/>
           </a:xfrm>
         </p:spPr>
@@ -12555,7 +12957,7 @@
                 </a:solidFill>
                 <a:latin typeface="Baskerville"/>
               </a:rPr>
-              <a:t>Listado de suplementación recomendada, con descripción según lo seleccionado</a:t>
+              <a:t>Ver videotutorial explicativo sobre el ejercicio</a:t>
             </a:r>
           </a:p>
           <a:p>
@@ -12566,8 +12968,16 @@
                 </a:solidFill>
                 <a:latin typeface="Baskerville"/>
               </a:rPr>
-              <a:t>Listado de marcas recomendadas donde podrás obtener el producto, mediante acceso a su web</a:t>
-            </a:r>
+              <a:t>Registrar marcas de entrenamiento por fecha</a:t>
+            </a:r>
+          </a:p>
+          <a:p>
+            <a:endParaRPr lang="es-ES" sz="2500" dirty="0">
+              <a:solidFill>
+                <a:schemeClr val="bg1"/>
+              </a:solidFill>
+              <a:latin typeface="Baskerville"/>
+            </a:endParaRPr>
           </a:p>
         </p:txBody>
       </p:sp>
@@ -12576,7 +12986,7 @@
           <p:cNvPr id="5" name="Imagen 4">
             <a:extLst>
               <a:ext uri="{FF2B5EF4-FFF2-40B4-BE49-F238E27FC236}">
-                <a16:creationId xmlns:a16="http://schemas.microsoft.com/office/drawing/2014/main" id="{5D5FA107-505A-2966-8085-B8C3382313F1}"/>
+                <a16:creationId xmlns:a16="http://schemas.microsoft.com/office/drawing/2014/main" id="{B3DE2343-272D-4060-8549-39904DB78851}"/>
               </a:ext>
             </a:extLst>
           </p:cNvPr>
@@ -12593,8 +13003,38 @@
         </p:blipFill>
         <p:spPr>
           <a:xfrm>
-            <a:off x="1484243" y="495298"/>
-            <a:ext cx="2639349" cy="5518639"/>
+            <a:off x="3510890" y="1671672"/>
+            <a:ext cx="2020425" cy="4678878"/>
+          </a:xfrm>
+          <a:prstGeom prst="rect">
+            <a:avLst/>
+          </a:prstGeom>
+        </p:spPr>
+      </p:pic>
+      <p:pic>
+        <p:nvPicPr>
+          <p:cNvPr id="7" name="Imagen 6">
+            <a:extLst>
+              <a:ext uri="{FF2B5EF4-FFF2-40B4-BE49-F238E27FC236}">
+                <a16:creationId xmlns:a16="http://schemas.microsoft.com/office/drawing/2014/main" id="{56A3EC2C-9099-4E27-9551-D8AF682F47A6}"/>
+              </a:ext>
+            </a:extLst>
+          </p:cNvPr>
+          <p:cNvPicPr>
+            <a:picLocks noChangeAspect="1"/>
+          </p:cNvPicPr>
+          <p:nvPr/>
+        </p:nvPicPr>
+        <p:blipFill>
+          <a:blip r:embed="rId4"/>
+          <a:stretch>
+            <a:fillRect/>
+          </a:stretch>
+        </p:blipFill>
+        <p:spPr>
+          <a:xfrm>
+            <a:off x="976458" y="1685192"/>
+            <a:ext cx="2020425" cy="4644611"/>
           </a:xfrm>
           <a:prstGeom prst="rect">
             <a:avLst/>
@@ -12604,7 +13044,7 @@
     </p:spTree>
     <p:extLst>
       <p:ext uri="{BB962C8B-B14F-4D97-AF65-F5344CB8AC3E}">
-        <p14:creationId xmlns:p14="http://schemas.microsoft.com/office/powerpoint/2010/main" val="880576793"/>
+        <p14:creationId xmlns:p14="http://schemas.microsoft.com/office/powerpoint/2010/main" val="719840412"/>
       </p:ext>
     </p:extLst>
   </p:cSld>

--- a/Documentacion/TEMPLE BODY.pptx
+++ b/Documentacion/TEMPLE BODY.pptx
@@ -5,25 +5,26 @@
     <p:sldMasterId id="2147483757" r:id="rId1"/>
   </p:sldMasterIdLst>
   <p:notesMasterIdLst>
-    <p:notesMasterId r:id="rId15"/>
+    <p:notesMasterId r:id="rId16"/>
   </p:notesMasterIdLst>
   <p:handoutMasterIdLst>
-    <p:handoutMasterId r:id="rId16"/>
+    <p:handoutMasterId r:id="rId17"/>
   </p:handoutMasterIdLst>
   <p:sldIdLst>
     <p:sldId id="262" r:id="rId2"/>
     <p:sldId id="257" r:id="rId3"/>
     <p:sldId id="289" r:id="rId4"/>
     <p:sldId id="288" r:id="rId5"/>
-    <p:sldId id="284" r:id="rId6"/>
-    <p:sldId id="271" r:id="rId7"/>
-    <p:sldId id="285" r:id="rId8"/>
-    <p:sldId id="280" r:id="rId9"/>
-    <p:sldId id="286" r:id="rId10"/>
-    <p:sldId id="279" r:id="rId11"/>
-    <p:sldId id="281" r:id="rId12"/>
-    <p:sldId id="287" r:id="rId13"/>
-    <p:sldId id="273" r:id="rId14"/>
+    <p:sldId id="290" r:id="rId6"/>
+    <p:sldId id="284" r:id="rId7"/>
+    <p:sldId id="271" r:id="rId8"/>
+    <p:sldId id="285" r:id="rId9"/>
+    <p:sldId id="280" r:id="rId10"/>
+    <p:sldId id="286" r:id="rId11"/>
+    <p:sldId id="279" r:id="rId12"/>
+    <p:sldId id="281" r:id="rId13"/>
+    <p:sldId id="287" r:id="rId14"/>
+    <p:sldId id="273" r:id="rId15"/>
   </p:sldIdLst>
   <p:sldSz cx="12192000" cy="6858000"/>
   <p:notesSz cx="6858000" cy="9144000"/>
@@ -228,7 +229,7 @@
             <a:pPr rtl="0"/>
             <a:fld id="{36733433-91C9-4F25-89C5-2049FA2AC72A}" type="datetime1">
               <a:rPr lang="es-ES" smtClean="0"/>
-              <a:t>06/06/2024</a:t>
+              <a:t>07/06/2024</a:t>
             </a:fld>
             <a:endParaRPr lang="es-ES" dirty="0"/>
           </a:p>
@@ -398,7 +399,7 @@
             <a:pPr rtl="0"/>
             <a:fld id="{0F42799A-0270-465F-BFBB-B1E8788AA761}" type="datetime1">
               <a:rPr lang="es-ES" noProof="0" smtClean="0"/>
-              <a:t>06/06/2024</a:t>
+              <a:t>07/06/2024</a:t>
             </a:fld>
             <a:endParaRPr lang="es-ES" noProof="0" dirty="0"/>
           </a:p>
@@ -829,7 +830,7 @@
     </p:spTree>
     <p:extLst>
       <p:ext uri="{BB962C8B-B14F-4D97-AF65-F5344CB8AC3E}">
-        <p14:creationId xmlns:p14="http://schemas.microsoft.com/office/powerpoint/2010/main" val="3882413640"/>
+        <p14:creationId xmlns:p14="http://schemas.microsoft.com/office/powerpoint/2010/main" val="1607625023"/>
       </p:ext>
     </p:extLst>
   </p:cSld>
@@ -914,7 +915,7 @@
     </p:spTree>
     <p:extLst>
       <p:ext uri="{BB962C8B-B14F-4D97-AF65-F5344CB8AC3E}">
-        <p14:creationId xmlns:p14="http://schemas.microsoft.com/office/powerpoint/2010/main" val="56764602"/>
+        <p14:creationId xmlns:p14="http://schemas.microsoft.com/office/powerpoint/2010/main" val="3882413640"/>
       </p:ext>
     </p:extLst>
   </p:cSld>
@@ -999,7 +1000,7 @@
     </p:spTree>
     <p:extLst>
       <p:ext uri="{BB962C8B-B14F-4D97-AF65-F5344CB8AC3E}">
-        <p14:creationId xmlns:p14="http://schemas.microsoft.com/office/powerpoint/2010/main" val="2885952846"/>
+        <p14:creationId xmlns:p14="http://schemas.microsoft.com/office/powerpoint/2010/main" val="56764602"/>
       </p:ext>
     </p:extLst>
   </p:cSld>
@@ -1076,6 +1077,91 @@
             <a:fld id="{FC8BD8E7-1312-41F3-99C4-6DA5AF891969}" type="slidenum">
               <a:rPr lang="es-ES" smtClean="0"/>
               <a:t>13</a:t>
+            </a:fld>
+            <a:endParaRPr lang="es-ES" dirty="0"/>
+          </a:p>
+        </p:txBody>
+      </p:sp>
+    </p:spTree>
+    <p:extLst>
+      <p:ext uri="{BB962C8B-B14F-4D97-AF65-F5344CB8AC3E}">
+        <p14:creationId xmlns:p14="http://schemas.microsoft.com/office/powerpoint/2010/main" val="2885952846"/>
+      </p:ext>
+    </p:extLst>
+  </p:cSld>
+  <p:clrMapOvr>
+    <a:masterClrMapping/>
+  </p:clrMapOvr>
+</p:notes>
+</file>
+
+<file path=ppt/notesSlides/notesSlide14.xml><?xml version="1.0" encoding="utf-8"?>
+<p:notes xmlns:a="http://schemas.openxmlformats.org/drawingml/2006/main" xmlns:r="http://schemas.openxmlformats.org/officeDocument/2006/relationships" xmlns:p="http://schemas.openxmlformats.org/presentationml/2006/main">
+  <p:cSld>
+    <p:spTree>
+      <p:nvGrpSpPr>
+        <p:cNvPr id="1" name=""/>
+        <p:cNvGrpSpPr/>
+        <p:nvPr/>
+      </p:nvGrpSpPr>
+      <p:grpSpPr>
+        <a:xfrm>
+          <a:off x="0" y="0"/>
+          <a:ext cx="0" cy="0"/>
+          <a:chOff x="0" y="0"/>
+          <a:chExt cx="0" cy="0"/>
+        </a:xfrm>
+      </p:grpSpPr>
+      <p:sp>
+        <p:nvSpPr>
+          <p:cNvPr id="2" name="Marcador de imagen de diapositiva 1"/>
+          <p:cNvSpPr>
+            <a:spLocks noGrp="1" noRot="1" noChangeAspect="1"/>
+          </p:cNvSpPr>
+          <p:nvPr>
+            <p:ph type="sldImg"/>
+          </p:nvPr>
+        </p:nvSpPr>
+        <p:spPr/>
+      </p:sp>
+      <p:sp>
+        <p:nvSpPr>
+          <p:cNvPr id="3" name="Marcador de notas 2"/>
+          <p:cNvSpPr>
+            <a:spLocks noGrp="1"/>
+          </p:cNvSpPr>
+          <p:nvPr>
+            <p:ph type="body" idx="1"/>
+          </p:nvPr>
+        </p:nvSpPr>
+        <p:spPr/>
+        <p:txBody>
+          <a:bodyPr/>
+          <a:lstStyle/>
+          <a:p>
+            <a:endParaRPr lang="es-ES" dirty="0"/>
+          </a:p>
+        </p:txBody>
+      </p:sp>
+      <p:sp>
+        <p:nvSpPr>
+          <p:cNvPr id="4" name="Marcador de número de diapositiva 3"/>
+          <p:cNvSpPr>
+            <a:spLocks noGrp="1"/>
+          </p:cNvSpPr>
+          <p:nvPr>
+            <p:ph type="sldNum" sz="quarter" idx="10"/>
+          </p:nvPr>
+        </p:nvSpPr>
+        <p:spPr/>
+        <p:txBody>
+          <a:bodyPr/>
+          <a:lstStyle/>
+          <a:p>
+            <a:pPr rtl="0"/>
+            <a:fld id="{FC8BD8E7-1312-41F3-99C4-6DA5AF891969}" type="slidenum">
+              <a:rPr lang="es-ES" smtClean="0"/>
+              <a:t>14</a:t>
             </a:fld>
             <a:endParaRPr lang="es-ES" dirty="0"/>
           </a:p>
@@ -1424,7 +1510,7 @@
     </p:spTree>
     <p:extLst>
       <p:ext uri="{BB962C8B-B14F-4D97-AF65-F5344CB8AC3E}">
-        <p14:creationId xmlns:p14="http://schemas.microsoft.com/office/powerpoint/2010/main" val="3188381092"/>
+        <p14:creationId xmlns:p14="http://schemas.microsoft.com/office/powerpoint/2010/main" val="3640104946"/>
       </p:ext>
     </p:extLst>
   </p:cSld>
@@ -1509,7 +1595,7 @@
     </p:spTree>
     <p:extLst>
       <p:ext uri="{BB962C8B-B14F-4D97-AF65-F5344CB8AC3E}">
-        <p14:creationId xmlns:p14="http://schemas.microsoft.com/office/powerpoint/2010/main" val="2842516226"/>
+        <p14:creationId xmlns:p14="http://schemas.microsoft.com/office/powerpoint/2010/main" val="3188381092"/>
       </p:ext>
     </p:extLst>
   </p:cSld>
@@ -1594,7 +1680,7 @@
     </p:spTree>
     <p:extLst>
       <p:ext uri="{BB962C8B-B14F-4D97-AF65-F5344CB8AC3E}">
-        <p14:creationId xmlns:p14="http://schemas.microsoft.com/office/powerpoint/2010/main" val="4185941510"/>
+        <p14:creationId xmlns:p14="http://schemas.microsoft.com/office/powerpoint/2010/main" val="2842516226"/>
       </p:ext>
     </p:extLst>
   </p:cSld>
@@ -1679,7 +1765,7 @@
     </p:spTree>
     <p:extLst>
       <p:ext uri="{BB962C8B-B14F-4D97-AF65-F5344CB8AC3E}">
-        <p14:creationId xmlns:p14="http://schemas.microsoft.com/office/powerpoint/2010/main" val="1847282848"/>
+        <p14:creationId xmlns:p14="http://schemas.microsoft.com/office/powerpoint/2010/main" val="4185941510"/>
       </p:ext>
     </p:extLst>
   </p:cSld>
@@ -1764,7 +1850,7 @@
     </p:spTree>
     <p:extLst>
       <p:ext uri="{BB962C8B-B14F-4D97-AF65-F5344CB8AC3E}">
-        <p14:creationId xmlns:p14="http://schemas.microsoft.com/office/powerpoint/2010/main" val="1607625023"/>
+        <p14:creationId xmlns:p14="http://schemas.microsoft.com/office/powerpoint/2010/main" val="1847282848"/>
       </p:ext>
     </p:extLst>
   </p:cSld>
@@ -1962,7 +2048,7 @@
           <a:p>
             <a:fld id="{ADA5217B-C461-4E0A-B4E4-B5A6F1D99B01}" type="datetimeFigureOut">
               <a:rPr lang="es-ES" smtClean="0"/>
-              <a:t>06/06/2024</a:t>
+              <a:t>07/06/2024</a:t>
             </a:fld>
             <a:endParaRPr lang="es-ES"/>
           </a:p>
@@ -2366,7 +2452,7 @@
             <a:pPr rtl="0"/>
             <a:fld id="{5E879E85-5BBE-4DC3-949C-B551255CCB64}" type="datetime1">
               <a:rPr lang="es-ES" noProof="0" smtClean="0"/>
-              <a:t>06/06/2024</a:t>
+              <a:t>07/06/2024</a:t>
             </a:fld>
             <a:endParaRPr lang="es-ES" noProof="0" dirty="0"/>
           </a:p>
@@ -2776,7 +2862,7 @@
             <a:pPr rtl="0"/>
             <a:fld id="{5E879E85-5BBE-4DC3-949C-B551255CCB64}" type="datetime1">
               <a:rPr lang="es-ES" noProof="0" smtClean="0"/>
-              <a:t>06/06/2024</a:t>
+              <a:t>07/06/2024</a:t>
             </a:fld>
             <a:endParaRPr lang="es-ES" noProof="0" dirty="0"/>
           </a:p>
@@ -3121,7 +3207,7 @@
             <a:pPr rtl="0"/>
             <a:fld id="{5E879E85-5BBE-4DC3-949C-B551255CCB64}" type="datetime1">
               <a:rPr lang="es-ES" noProof="0" smtClean="0"/>
-              <a:t>06/06/2024</a:t>
+              <a:t>07/06/2024</a:t>
             </a:fld>
             <a:endParaRPr lang="es-ES" noProof="0" dirty="0"/>
           </a:p>
@@ -3450,7 +3536,7 @@
             <a:pPr rtl="0"/>
             <a:fld id="{5E879E85-5BBE-4DC3-949C-B551255CCB64}" type="datetime1">
               <a:rPr lang="es-ES" noProof="0" smtClean="0"/>
-              <a:t>06/06/2024</a:t>
+              <a:t>07/06/2024</a:t>
             </a:fld>
             <a:endParaRPr lang="es-ES" noProof="0" dirty="0"/>
           </a:p>
@@ -3855,7 +3941,7 @@
             <a:pPr rtl="0"/>
             <a:fld id="{5E879E85-5BBE-4DC3-949C-B551255CCB64}" type="datetime1">
               <a:rPr lang="es-ES" noProof="0" smtClean="0"/>
-              <a:t>06/06/2024</a:t>
+              <a:t>07/06/2024</a:t>
             </a:fld>
             <a:endParaRPr lang="es-ES" noProof="0" dirty="0"/>
           </a:p>
@@ -4121,7 +4207,7 @@
             <a:pPr rtl="0"/>
             <a:fld id="{A49C5101-B6E1-4C2F-96CC-D4D7C5FEAAF7}" type="datetime1">
               <a:rPr lang="es-ES" noProof="0" smtClean="0"/>
-              <a:t>06/06/2024</a:t>
+              <a:t>07/06/2024</a:t>
             </a:fld>
             <a:endParaRPr lang="es-ES" noProof="0" dirty="0"/>
           </a:p>
@@ -4402,7 +4488,7 @@
             <a:pPr rtl="0"/>
             <a:fld id="{AE3F2578-7180-4CCB-9A96-7D1B03AD95AA}" type="datetime1">
               <a:rPr lang="es-ES" noProof="0" smtClean="0"/>
-              <a:t>06/06/2024</a:t>
+              <a:t>07/06/2024</a:t>
             </a:fld>
             <a:endParaRPr lang="es-ES" noProof="0" dirty="0"/>
           </a:p>
@@ -5306,7 +5392,7 @@
             <a:pPr rtl="0"/>
             <a:fld id="{5E879E85-5BBE-4DC3-949C-B551255CCB64}" type="datetime1">
               <a:rPr lang="es-ES" noProof="0" smtClean="0"/>
-              <a:t>06/06/2024</a:t>
+              <a:t>07/06/2024</a:t>
             </a:fld>
             <a:endParaRPr lang="es-ES" noProof="0" dirty="0"/>
           </a:p>
@@ -5644,7 +5730,7 @@
             <a:pPr rtl="0"/>
             <a:fld id="{5E879E85-5BBE-4DC3-949C-B551255CCB64}" type="datetime1">
               <a:rPr lang="es-ES" noProof="0" smtClean="0"/>
-              <a:t>06/06/2024</a:t>
+              <a:t>07/06/2024</a:t>
             </a:fld>
             <a:endParaRPr lang="es-ES" noProof="0" dirty="0"/>
           </a:p>
@@ -5976,7 +6062,7 @@
             <a:pPr rtl="0"/>
             <a:fld id="{28D2FC1E-83DA-4E03-9666-93C59D8ACCEA}" type="datetime1">
               <a:rPr lang="es-ES" noProof="0" smtClean="0"/>
-              <a:t>06/06/2024</a:t>
+              <a:t>07/06/2024</a:t>
             </a:fld>
             <a:endParaRPr lang="es-ES" noProof="0" dirty="0"/>
           </a:p>
@@ -6452,7 +6538,7 @@
             <a:pPr rtl="0"/>
             <a:fld id="{CA1153A9-469E-4B41-9F8D-6E09C4AFB7F0}" type="datetime1">
               <a:rPr lang="es-ES" noProof="0" smtClean="0"/>
-              <a:t>06/06/2024</a:t>
+              <a:t>07/06/2024</a:t>
             </a:fld>
             <a:endParaRPr lang="es-ES" noProof="0" dirty="0"/>
           </a:p>
@@ -6676,7 +6762,7 @@
             <a:pPr rtl="0"/>
             <a:fld id="{C9ADA510-67ED-4878-A088-E9242C8AA6FD}" type="datetime1">
               <a:rPr lang="es-ES" noProof="0" smtClean="0"/>
-              <a:t>06/06/2024</a:t>
+              <a:t>07/06/2024</a:t>
             </a:fld>
             <a:endParaRPr lang="es-ES" noProof="0" dirty="0"/>
           </a:p>
@@ -6871,7 +6957,7 @@
           <a:p>
             <a:fld id="{ADA5217B-C461-4E0A-B4E4-B5A6F1D99B01}" type="datetimeFigureOut">
               <a:rPr lang="es-ES" smtClean="0"/>
-              <a:t>06/06/2024</a:t>
+              <a:t>07/06/2024</a:t>
             </a:fld>
             <a:endParaRPr lang="es-ES"/>
           </a:p>
@@ -7217,7 +7303,7 @@
             <a:pPr rtl="0"/>
             <a:fld id="{5E879E85-5BBE-4DC3-949C-B551255CCB64}" type="datetime1">
               <a:rPr lang="es-ES" noProof="0" smtClean="0"/>
-              <a:t>06/06/2024</a:t>
+              <a:t>07/06/2024</a:t>
             </a:fld>
             <a:endParaRPr lang="es-ES" noProof="0" dirty="0"/>
           </a:p>
@@ -7571,7 +7657,7 @@
             <a:pPr rtl="0"/>
             <a:fld id="{5E879E85-5BBE-4DC3-949C-B551255CCB64}" type="datetime1">
               <a:rPr lang="es-ES" noProof="0" smtClean="0"/>
-              <a:t>06/06/2024</a:t>
+              <a:t>07/06/2024</a:t>
             </a:fld>
             <a:endParaRPr lang="es-ES" noProof="0" dirty="0"/>
           </a:p>
@@ -9697,7 +9783,7 @@
             <a:pPr rtl="0"/>
             <a:fld id="{5E879E85-5BBE-4DC3-949C-B551255CCB64}" type="datetime1">
               <a:rPr lang="es-ES" noProof="0" smtClean="0"/>
-              <a:t>06/06/2024</a:t>
+              <a:t>07/06/2024</a:t>
             </a:fld>
             <a:endParaRPr lang="es-ES" noProof="0" dirty="0"/>
           </a:p>
@@ -10535,6 +10621,196 @@
                   <a:srgbClr val="FFFF00"/>
                 </a:solidFill>
               </a:rPr>
+              <a:t>Funcionalidades de ejercicios</a:t>
+            </a:r>
+          </a:p>
+        </p:txBody>
+      </p:sp>
+      <p:sp>
+        <p:nvSpPr>
+          <p:cNvPr id="3" name="Marcador de posición de contenido 2"/>
+          <p:cNvSpPr>
+            <a:spLocks noGrp="1"/>
+          </p:cNvSpPr>
+          <p:nvPr>
+            <p:ph sz="half" idx="1"/>
+          </p:nvPr>
+        </p:nvSpPr>
+        <p:spPr>
+          <a:xfrm>
+            <a:off x="6534485" y="1685192"/>
+            <a:ext cx="4313864" cy="3777622"/>
+          </a:xfrm>
+        </p:spPr>
+        <p:txBody>
+          <a:bodyPr rtlCol="0">
+            <a:normAutofit/>
+          </a:bodyPr>
+          <a:lstStyle/>
+          <a:p>
+            <a:r>
+              <a:rPr lang="es-ES" sz="2500" dirty="0">
+                <a:solidFill>
+                  <a:schemeClr val="bg1"/>
+                </a:solidFill>
+                <a:latin typeface="Baskerville"/>
+              </a:rPr>
+              <a:t>Ver videotutorial explicativo sobre el ejercicio</a:t>
+            </a:r>
+          </a:p>
+          <a:p>
+            <a:r>
+              <a:rPr lang="es-ES" sz="2500" dirty="0">
+                <a:solidFill>
+                  <a:schemeClr val="bg1"/>
+                </a:solidFill>
+                <a:latin typeface="Baskerville"/>
+              </a:rPr>
+              <a:t>Registrar marcas de entrenamiento por fecha</a:t>
+            </a:r>
+          </a:p>
+          <a:p>
+            <a:endParaRPr lang="es-ES" sz="2500" dirty="0">
+              <a:solidFill>
+                <a:schemeClr val="bg1"/>
+              </a:solidFill>
+              <a:latin typeface="Baskerville"/>
+            </a:endParaRPr>
+          </a:p>
+        </p:txBody>
+      </p:sp>
+      <p:pic>
+        <p:nvPicPr>
+          <p:cNvPr id="5" name="Imagen 4">
+            <a:extLst>
+              <a:ext uri="{FF2B5EF4-FFF2-40B4-BE49-F238E27FC236}">
+                <a16:creationId xmlns:a16="http://schemas.microsoft.com/office/drawing/2014/main" id="{B3DE2343-272D-4060-8549-39904DB78851}"/>
+              </a:ext>
+            </a:extLst>
+          </p:cNvPr>
+          <p:cNvPicPr>
+            <a:picLocks noChangeAspect="1"/>
+          </p:cNvPicPr>
+          <p:nvPr/>
+        </p:nvPicPr>
+        <p:blipFill>
+          <a:blip r:embed="rId3"/>
+          <a:stretch>
+            <a:fillRect/>
+          </a:stretch>
+        </p:blipFill>
+        <p:spPr>
+          <a:xfrm>
+            <a:off x="3510890" y="1671672"/>
+            <a:ext cx="2020425" cy="4678878"/>
+          </a:xfrm>
+          <a:prstGeom prst="rect">
+            <a:avLst/>
+          </a:prstGeom>
+        </p:spPr>
+      </p:pic>
+      <p:pic>
+        <p:nvPicPr>
+          <p:cNvPr id="7" name="Imagen 6">
+            <a:extLst>
+              <a:ext uri="{FF2B5EF4-FFF2-40B4-BE49-F238E27FC236}">
+                <a16:creationId xmlns:a16="http://schemas.microsoft.com/office/drawing/2014/main" id="{56A3EC2C-9099-4E27-9551-D8AF682F47A6}"/>
+              </a:ext>
+            </a:extLst>
+          </p:cNvPr>
+          <p:cNvPicPr>
+            <a:picLocks noChangeAspect="1"/>
+          </p:cNvPicPr>
+          <p:nvPr/>
+        </p:nvPicPr>
+        <p:blipFill>
+          <a:blip r:embed="rId4"/>
+          <a:stretch>
+            <a:fillRect/>
+          </a:stretch>
+        </p:blipFill>
+        <p:spPr>
+          <a:xfrm>
+            <a:off x="976458" y="1685192"/>
+            <a:ext cx="2020425" cy="4644611"/>
+          </a:xfrm>
+          <a:prstGeom prst="rect">
+            <a:avLst/>
+          </a:prstGeom>
+        </p:spPr>
+      </p:pic>
+    </p:spTree>
+    <p:extLst>
+      <p:ext uri="{BB962C8B-B14F-4D97-AF65-F5344CB8AC3E}">
+        <p14:creationId xmlns:p14="http://schemas.microsoft.com/office/powerpoint/2010/main" val="719840412"/>
+      </p:ext>
+    </p:extLst>
+  </p:cSld>
+  <p:clrMapOvr>
+    <a:masterClrMapping/>
+  </p:clrMapOvr>
+  <mc:AlternateContent xmlns:mc="http://schemas.openxmlformats.org/markup-compatibility/2006" xmlns:p14="http://schemas.microsoft.com/office/powerpoint/2010/main">
+    <mc:Choice Requires="p14">
+      <p:transition spd="med" p14:dur="700">
+        <p:fade/>
+      </p:transition>
+    </mc:Choice>
+    <mc:Fallback xmlns="">
+      <p:transition spd="med">
+        <p:fade/>
+      </p:transition>
+    </mc:Fallback>
+  </mc:AlternateContent>
+</p:sld>
+</file>
+
+<file path=ppt/slides/slide11.xml><?xml version="1.0" encoding="utf-8"?>
+<p:sld xmlns:a="http://schemas.openxmlformats.org/drawingml/2006/main" xmlns:r="http://schemas.openxmlformats.org/officeDocument/2006/relationships" xmlns:p="http://schemas.openxmlformats.org/presentationml/2006/main">
+  <p:cSld>
+    <p:bg>
+      <p:bgPr>
+        <a:solidFill>
+          <a:schemeClr val="tx1"/>
+        </a:solidFill>
+        <a:effectLst/>
+      </p:bgPr>
+    </p:bg>
+    <p:spTree>
+      <p:nvGrpSpPr>
+        <p:cNvPr id="1" name=""/>
+        <p:cNvGrpSpPr/>
+        <p:nvPr/>
+      </p:nvGrpSpPr>
+      <p:grpSpPr>
+        <a:xfrm>
+          <a:off x="0" y="0"/>
+          <a:ext cx="0" cy="0"/>
+          <a:chOff x="0" y="0"/>
+          <a:chExt cx="0" cy="0"/>
+        </a:xfrm>
+      </p:grpSpPr>
+      <p:sp>
+        <p:nvSpPr>
+          <p:cNvPr id="2" name="Título 1"/>
+          <p:cNvSpPr>
+            <a:spLocks noGrp="1"/>
+          </p:cNvSpPr>
+          <p:nvPr>
+            <p:ph type="title"/>
+          </p:nvPr>
+        </p:nvSpPr>
+        <p:spPr/>
+        <p:txBody>
+          <a:bodyPr rtlCol="0"/>
+          <a:lstStyle/>
+          <a:p>
+            <a:pPr algn="ctr"/>
+            <a:r>
+              <a:rPr lang="es-ES" dirty="0">
+                <a:solidFill>
+                  <a:srgbClr val="FFFF00"/>
+                </a:solidFill>
+              </a:rPr>
               <a:t>Búsqueda de Gimnasios Cercanos</a:t>
             </a:r>
           </a:p>
@@ -10703,7 +10979,7 @@
 </p:sld>
 </file>
 
-<file path=ppt/slides/slide11.xml><?xml version="1.0" encoding="utf-8"?>
+<file path=ppt/slides/slide12.xml><?xml version="1.0" encoding="utf-8"?>
 <p:sld xmlns:a="http://schemas.openxmlformats.org/drawingml/2006/main" xmlns:r="http://schemas.openxmlformats.org/officeDocument/2006/relationships" xmlns:p="http://schemas.openxmlformats.org/presentationml/2006/main">
   <p:cSld>
     <p:bg>
@@ -10855,7 +11131,7 @@
 </p:sld>
 </file>
 
-<file path=ppt/slides/slide12.xml><?xml version="1.0" encoding="utf-8"?>
+<file path=ppt/slides/slide13.xml><?xml version="1.0" encoding="utf-8"?>
 <p:sld xmlns:a="http://schemas.openxmlformats.org/drawingml/2006/main" xmlns:r="http://schemas.openxmlformats.org/officeDocument/2006/relationships" xmlns:p="http://schemas.openxmlformats.org/presentationml/2006/main">
   <p:cSld>
     <p:bg>
@@ -11007,7 +11283,7 @@
 </p:sld>
 </file>
 
-<file path=ppt/slides/slide13.xml><?xml version="1.0" encoding="utf-8"?>
+<file path=ppt/slides/slide14.xml><?xml version="1.0" encoding="utf-8"?>
 <p:sld xmlns:a="http://schemas.openxmlformats.org/drawingml/2006/main" xmlns:r="http://schemas.openxmlformats.org/officeDocument/2006/relationships" xmlns:p="http://schemas.openxmlformats.org/presentationml/2006/main">
   <p:cSld>
     <p:spTree>
@@ -11521,13 +11797,13 @@
   <p:clrMapOvr>
     <a:masterClrMapping/>
   </p:clrMapOvr>
-  <mc:AlternateContent xmlns:mc="http://schemas.openxmlformats.org/markup-compatibility/2006">
-    <mc:Choice xmlns:p14="http://schemas.microsoft.com/office/powerpoint/2010/main" Requires="p14">
+  <mc:AlternateContent xmlns:mc="http://schemas.openxmlformats.org/markup-compatibility/2006" xmlns:p14="http://schemas.microsoft.com/office/powerpoint/2010/main">
+    <mc:Choice Requires="p14">
       <p:transition spd="med" p14:dur="700">
         <p:fade/>
       </p:transition>
     </mc:Choice>
-    <mc:Fallback>
+    <mc:Fallback xmlns="">
       <p:transition spd="med">
         <p:fade/>
       </p:transition>
@@ -11633,6 +11909,414 @@
   <p:clrMapOvr>
     <a:masterClrMapping/>
   </p:clrMapOvr>
+  <mc:AlternateContent xmlns:mc="http://schemas.openxmlformats.org/markup-compatibility/2006" xmlns:p14="http://schemas.microsoft.com/office/powerpoint/2010/main">
+    <mc:Choice Requires="p14">
+      <p:transition spd="med" p14:dur="700">
+        <p:fade/>
+      </p:transition>
+    </mc:Choice>
+    <mc:Fallback xmlns="">
+      <p:transition spd="med">
+        <p:fade/>
+      </p:transition>
+    </mc:Fallback>
+  </mc:AlternateContent>
+</p:sld>
+</file>
+
+<file path=ppt/slides/slide5.xml><?xml version="1.0" encoding="utf-8"?>
+<p:sld xmlns:a="http://schemas.openxmlformats.org/drawingml/2006/main" xmlns:r="http://schemas.openxmlformats.org/officeDocument/2006/relationships" xmlns:p="http://schemas.openxmlformats.org/presentationml/2006/main">
+  <p:cSld>
+    <p:bg>
+      <p:bgPr>
+        <a:solidFill>
+          <a:schemeClr val="tx1"/>
+        </a:solidFill>
+        <a:effectLst/>
+      </p:bgPr>
+    </p:bg>
+    <p:spTree>
+      <p:nvGrpSpPr>
+        <p:cNvPr id="1" name=""/>
+        <p:cNvGrpSpPr/>
+        <p:nvPr/>
+      </p:nvGrpSpPr>
+      <p:grpSpPr>
+        <a:xfrm>
+          <a:off x="0" y="0"/>
+          <a:ext cx="0" cy="0"/>
+          <a:chOff x="0" y="0"/>
+          <a:chExt cx="0" cy="0"/>
+        </a:xfrm>
+      </p:grpSpPr>
+      <p:sp>
+        <p:nvSpPr>
+          <p:cNvPr id="2" name="Título 1"/>
+          <p:cNvSpPr>
+            <a:spLocks noGrp="1"/>
+          </p:cNvSpPr>
+          <p:nvPr>
+            <p:ph type="title"/>
+          </p:nvPr>
+        </p:nvSpPr>
+        <p:spPr>
+          <a:xfrm>
+            <a:off x="1640156" y="408957"/>
+            <a:ext cx="8911687" cy="1280890"/>
+          </a:xfrm>
+        </p:spPr>
+        <p:txBody>
+          <a:bodyPr rtlCol="0"/>
+          <a:lstStyle/>
+          <a:p>
+            <a:pPr algn="ctr" rtl="0"/>
+            <a:r>
+              <a:rPr lang="es-ES" dirty="0">
+                <a:solidFill>
+                  <a:srgbClr val="FFFF00"/>
+                </a:solidFill>
+              </a:rPr>
+              <a:t>Tecnologías Usadas</a:t>
+            </a:r>
+          </a:p>
+        </p:txBody>
+      </p:sp>
+      <p:sp>
+        <p:nvSpPr>
+          <p:cNvPr id="3" name="Marcador de posición de contenido 2"/>
+          <p:cNvSpPr>
+            <a:spLocks noGrp="1"/>
+          </p:cNvSpPr>
+          <p:nvPr>
+            <p:ph idx="1"/>
+          </p:nvPr>
+        </p:nvSpPr>
+        <p:spPr>
+          <a:xfrm>
+            <a:off x="1036803" y="1326077"/>
+            <a:ext cx="10118393" cy="4777839"/>
+          </a:xfrm>
+        </p:spPr>
+        <p:txBody>
+          <a:bodyPr rtlCol="0">
+            <a:normAutofit/>
+          </a:bodyPr>
+          <a:lstStyle/>
+          <a:p>
+            <a:pPr marL="0" indent="0">
+              <a:buNone/>
+            </a:pPr>
+            <a:endParaRPr lang="es-ES" sz="2500" dirty="0">
+              <a:solidFill>
+                <a:schemeClr val="bg1"/>
+              </a:solidFill>
+              <a:latin typeface="Baskerville"/>
+            </a:endParaRPr>
+          </a:p>
+          <a:p>
+            <a:pPr marL="0" indent="0">
+              <a:buNone/>
+            </a:pPr>
+            <a:r>
+              <a:rPr lang="es-ES" sz="2500" dirty="0">
+                <a:solidFill>
+                  <a:schemeClr val="bg1"/>
+                </a:solidFill>
+                <a:latin typeface="Baskerville"/>
+              </a:rPr>
+              <a:t>Las tecnologías y lenguajes que hemos usado para este trabajo han sido:</a:t>
+            </a:r>
+          </a:p>
+          <a:p>
+            <a:pPr marL="0" indent="0">
+              <a:buNone/>
+            </a:pPr>
+            <a:endParaRPr lang="es-ES" sz="2500" dirty="0">
+              <a:solidFill>
+                <a:schemeClr val="bg1"/>
+              </a:solidFill>
+              <a:latin typeface="Baskerville"/>
+            </a:endParaRPr>
+          </a:p>
+          <a:p>
+            <a:pPr marL="0" indent="0">
+              <a:buNone/>
+            </a:pPr>
+            <a:r>
+              <a:rPr lang="es-ES" sz="2500" dirty="0">
+                <a:solidFill>
+                  <a:schemeClr val="bg1"/>
+                </a:solidFill>
+                <a:latin typeface="Baskerville"/>
+              </a:rPr>
+              <a:t>Firebase Real Time Database y Firebase Authentication</a:t>
+            </a:r>
+          </a:p>
+          <a:p>
+            <a:pPr marL="0" indent="0">
+              <a:buNone/>
+            </a:pPr>
+            <a:endParaRPr lang="es-ES" sz="2500" dirty="0">
+              <a:solidFill>
+                <a:schemeClr val="bg1"/>
+              </a:solidFill>
+              <a:latin typeface="Baskerville"/>
+            </a:endParaRPr>
+          </a:p>
+          <a:p>
+            <a:pPr marL="0" indent="0">
+              <a:buNone/>
+            </a:pPr>
+            <a:r>
+              <a:rPr lang="es-ES" sz="2500" dirty="0">
+                <a:solidFill>
+                  <a:schemeClr val="bg1"/>
+                </a:solidFill>
+                <a:latin typeface="Baskerville"/>
+              </a:rPr>
+              <a:t>Java y Kotlin</a:t>
+            </a:r>
+          </a:p>
+          <a:p>
+            <a:pPr marL="0" indent="0">
+              <a:buNone/>
+            </a:pPr>
+            <a:endParaRPr lang="es-ES" sz="2500" dirty="0">
+              <a:solidFill>
+                <a:schemeClr val="bg1"/>
+              </a:solidFill>
+              <a:latin typeface="Baskerville"/>
+            </a:endParaRPr>
+          </a:p>
+          <a:p>
+            <a:pPr marL="0" indent="0">
+              <a:buNone/>
+            </a:pPr>
+            <a:r>
+              <a:rPr lang="es-ES" sz="2500" dirty="0">
+                <a:solidFill>
+                  <a:schemeClr val="bg1"/>
+                </a:solidFill>
+                <a:latin typeface="Baskerville"/>
+              </a:rPr>
+              <a:t>Api </a:t>
+            </a:r>
+            <a:r>
+              <a:rPr lang="es-ES" sz="2500">
+                <a:solidFill>
+                  <a:schemeClr val="bg1"/>
+                </a:solidFill>
+                <a:latin typeface="Baskerville"/>
+              </a:rPr>
+              <a:t>Fitness Ninja</a:t>
+            </a:r>
+            <a:endParaRPr lang="es-ES" sz="2500" dirty="0">
+              <a:solidFill>
+                <a:schemeClr val="bg1"/>
+              </a:solidFill>
+              <a:latin typeface="Baskerville"/>
+            </a:endParaRPr>
+          </a:p>
+        </p:txBody>
+      </p:sp>
+      <p:pic>
+        <p:nvPicPr>
+          <p:cNvPr id="1026" name="Picture 2" descr="Firebase Brand Guidelines">
+            <a:extLst>
+              <a:ext uri="{FF2B5EF4-FFF2-40B4-BE49-F238E27FC236}">
+                <a16:creationId xmlns:a16="http://schemas.microsoft.com/office/drawing/2014/main" id="{92DC181B-1BF0-4C63-A7F0-3B086718855E}"/>
+              </a:ext>
+            </a:extLst>
+          </p:cNvPr>
+          <p:cNvPicPr>
+            <a:picLocks noChangeAspect="1" noChangeArrowheads="1"/>
+          </p:cNvPicPr>
+          <p:nvPr/>
+        </p:nvPicPr>
+        <p:blipFill>
+          <a:blip r:embed="rId3">
+            <a:extLst>
+              <a:ext uri="{28A0092B-C50C-407E-A947-70E740481C1C}">
+                <a14:useLocalDpi xmlns:a14="http://schemas.microsoft.com/office/drawing/2010/main" val="0"/>
+              </a:ext>
+            </a:extLst>
+          </a:blip>
+          <a:srcRect/>
+          <a:stretch>
+            <a:fillRect/>
+          </a:stretch>
+        </p:blipFill>
+        <p:spPr bwMode="auto">
+          <a:xfrm>
+            <a:off x="9900394" y="2555675"/>
+            <a:ext cx="1302897" cy="1226256"/>
+          </a:xfrm>
+          <a:prstGeom prst="rect">
+            <a:avLst/>
+          </a:prstGeom>
+          <a:noFill/>
+          <a:extLst>
+            <a:ext uri="{909E8E84-426E-40DD-AFC4-6F175D3DCCD1}">
+              <a14:hiddenFill xmlns:a14="http://schemas.microsoft.com/office/drawing/2010/main">
+                <a:solidFill>
+                  <a:srgbClr val="FFFFFF"/>
+                </a:solidFill>
+              </a14:hiddenFill>
+            </a:ext>
+          </a:extLst>
+        </p:spPr>
+      </p:pic>
+      <p:pic>
+        <p:nvPicPr>
+          <p:cNvPr id="1030" name="Picture 6" descr="Java Logotipo Vector - Descarga Gratis SVG | Worldvectorlogo">
+            <a:extLst>
+              <a:ext uri="{FF2B5EF4-FFF2-40B4-BE49-F238E27FC236}">
+                <a16:creationId xmlns:a16="http://schemas.microsoft.com/office/drawing/2014/main" id="{B4E4AE5B-9460-43F1-85CB-BA836F8C4C7A}"/>
+              </a:ext>
+            </a:extLst>
+          </p:cNvPr>
+          <p:cNvPicPr>
+            <a:picLocks noChangeAspect="1" noChangeArrowheads="1"/>
+          </p:cNvPicPr>
+          <p:nvPr/>
+        </p:nvPicPr>
+        <p:blipFill>
+          <a:blip r:embed="rId4">
+            <a:extLst>
+              <a:ext uri="{28A0092B-C50C-407E-A947-70E740481C1C}">
+                <a14:useLocalDpi xmlns:a14="http://schemas.microsoft.com/office/drawing/2010/main" val="0"/>
+              </a:ext>
+            </a:extLst>
+          </a:blip>
+          <a:srcRect/>
+          <a:stretch>
+            <a:fillRect/>
+          </a:stretch>
+        </p:blipFill>
+        <p:spPr bwMode="auto">
+          <a:xfrm>
+            <a:off x="8597497" y="3736578"/>
+            <a:ext cx="1302897" cy="1226256"/>
+          </a:xfrm>
+          <a:prstGeom prst="rect">
+            <a:avLst/>
+          </a:prstGeom>
+          <a:noFill/>
+          <a:extLst>
+            <a:ext uri="{909E8E84-426E-40DD-AFC4-6F175D3DCCD1}">
+              <a14:hiddenFill xmlns:a14="http://schemas.microsoft.com/office/drawing/2010/main">
+                <a:solidFill>
+                  <a:srgbClr val="FFFFFF"/>
+                </a:solidFill>
+              </a14:hiddenFill>
+            </a:ext>
+          </a:extLst>
+        </p:spPr>
+      </p:pic>
+      <p:pic>
+        <p:nvPicPr>
+          <p:cNvPr id="1032" name="Picture 8" descr="Kotlin Logo PNG Transparent &amp; SVG Vector - Freebie Supply">
+            <a:extLst>
+              <a:ext uri="{FF2B5EF4-FFF2-40B4-BE49-F238E27FC236}">
+                <a16:creationId xmlns:a16="http://schemas.microsoft.com/office/drawing/2014/main" id="{11CB4446-C68F-437D-A6AC-EB00C4C9A73F}"/>
+              </a:ext>
+            </a:extLst>
+          </p:cNvPr>
+          <p:cNvPicPr>
+            <a:picLocks noChangeAspect="1" noChangeArrowheads="1"/>
+          </p:cNvPicPr>
+          <p:nvPr/>
+        </p:nvPicPr>
+        <p:blipFill>
+          <a:blip r:embed="rId5">
+            <a:extLst>
+              <a:ext uri="{28A0092B-C50C-407E-A947-70E740481C1C}">
+                <a14:useLocalDpi xmlns:a14="http://schemas.microsoft.com/office/drawing/2010/main" val="0"/>
+              </a:ext>
+            </a:extLst>
+          </a:blip>
+          <a:srcRect/>
+          <a:stretch>
+            <a:fillRect/>
+          </a:stretch>
+        </p:blipFill>
+        <p:spPr bwMode="auto">
+          <a:xfrm>
+            <a:off x="9900394" y="3736578"/>
+            <a:ext cx="1302897" cy="1226256"/>
+          </a:xfrm>
+          <a:prstGeom prst="rect">
+            <a:avLst/>
+          </a:prstGeom>
+          <a:noFill/>
+          <a:extLst>
+            <a:ext uri="{909E8E84-426E-40DD-AFC4-6F175D3DCCD1}">
+              <a14:hiddenFill xmlns:a14="http://schemas.microsoft.com/office/drawing/2010/main">
+                <a:solidFill>
+                  <a:srgbClr val="FFFFFF"/>
+                </a:solidFill>
+              </a14:hiddenFill>
+            </a:ext>
+          </a:extLst>
+        </p:spPr>
+      </p:pic>
+      <p:pic>
+        <p:nvPicPr>
+          <p:cNvPr id="1034" name="Picture 10" descr="Logo">
+            <a:extLst>
+              <a:ext uri="{FF2B5EF4-FFF2-40B4-BE49-F238E27FC236}">
+                <a16:creationId xmlns:a16="http://schemas.microsoft.com/office/drawing/2014/main" id="{18B3161F-D6AA-4F9F-82DE-06DD33BFE953}"/>
+              </a:ext>
+            </a:extLst>
+          </p:cNvPr>
+          <p:cNvPicPr>
+            <a:picLocks noChangeAspect="1" noChangeArrowheads="1"/>
+          </p:cNvPicPr>
+          <p:nvPr/>
+        </p:nvPicPr>
+        <p:blipFill>
+          <a:blip r:embed="rId6">
+            <a:extLst>
+              <a:ext uri="{28A0092B-C50C-407E-A947-70E740481C1C}">
+                <a14:useLocalDpi xmlns:a14="http://schemas.microsoft.com/office/drawing/2010/main" val="0"/>
+              </a:ext>
+            </a:extLst>
+          </a:blip>
+          <a:srcRect/>
+          <a:stretch>
+            <a:fillRect/>
+          </a:stretch>
+        </p:blipFill>
+        <p:spPr bwMode="auto">
+          <a:xfrm>
+            <a:off x="7938942" y="5011529"/>
+            <a:ext cx="3264349" cy="757329"/>
+          </a:xfrm>
+          <a:prstGeom prst="rect">
+            <a:avLst/>
+          </a:prstGeom>
+          <a:noFill/>
+          <a:extLst>
+            <a:ext uri="{909E8E84-426E-40DD-AFC4-6F175D3DCCD1}">
+              <a14:hiddenFill xmlns:a14="http://schemas.microsoft.com/office/drawing/2010/main">
+                <a:solidFill>
+                  <a:srgbClr val="FFFFFF"/>
+                </a:solidFill>
+              </a14:hiddenFill>
+            </a:ext>
+          </a:extLst>
+        </p:spPr>
+      </p:pic>
+    </p:spTree>
+    <p:extLst>
+      <p:ext uri="{BB962C8B-B14F-4D97-AF65-F5344CB8AC3E}">
+        <p14:creationId xmlns:p14="http://schemas.microsoft.com/office/powerpoint/2010/main" val="1136672060"/>
+      </p:ext>
+    </p:extLst>
+  </p:cSld>
+  <p:clrMapOvr>
+    <a:masterClrMapping/>
+  </p:clrMapOvr>
   <mc:AlternateContent xmlns:mc="http://schemas.openxmlformats.org/markup-compatibility/2006">
     <mc:Choice xmlns:p14="http://schemas.microsoft.com/office/powerpoint/2010/main" Requires="p14">
       <p:transition spd="med" p14:dur="700">
@@ -11648,7 +12332,7 @@
 </p:sld>
 </file>
 
-<file path=ppt/slides/slide5.xml><?xml version="1.0" encoding="utf-8"?>
+<file path=ppt/slides/slide6.xml><?xml version="1.0" encoding="utf-8"?>
 <p:sld xmlns:a="http://schemas.openxmlformats.org/drawingml/2006/main" xmlns:r="http://schemas.openxmlformats.org/officeDocument/2006/relationships" xmlns:p="http://schemas.openxmlformats.org/presentationml/2006/main">
   <p:cSld>
     <p:bg>
@@ -12152,7 +12836,7 @@
 </p:sld>
 </file>
 
-<file path=ppt/slides/slide6.xml><?xml version="1.0" encoding="utf-8"?>
+<file path=ppt/slides/slide7.xml><?xml version="1.0" encoding="utf-8"?>
 <p:sld xmlns:a="http://schemas.openxmlformats.org/drawingml/2006/main" xmlns:r="http://schemas.openxmlformats.org/officeDocument/2006/relationships" xmlns:p="http://schemas.openxmlformats.org/presentationml/2006/main">
   <p:cSld>
     <p:bg>
@@ -12348,7 +13032,7 @@
 </p:sld>
 </file>
 
-<file path=ppt/slides/slide7.xml><?xml version="1.0" encoding="utf-8"?>
+<file path=ppt/slides/slide8.xml><?xml version="1.0" encoding="utf-8"?>
 <p:sld xmlns:a="http://schemas.openxmlformats.org/drawingml/2006/main" xmlns:r="http://schemas.openxmlformats.org/officeDocument/2006/relationships" xmlns:p="http://schemas.openxmlformats.org/presentationml/2006/main">
   <p:cSld>
     <p:bg>
@@ -12678,7 +13362,7 @@
 </p:sld>
 </file>
 
-<file path=ppt/slides/slide8.xml><?xml version="1.0" encoding="utf-8"?>
+<file path=ppt/slides/slide9.xml><?xml version="1.0" encoding="utf-8"?>
 <p:sld xmlns:a="http://schemas.openxmlformats.org/drawingml/2006/main" xmlns:r="http://schemas.openxmlformats.org/officeDocument/2006/relationships" xmlns:p="http://schemas.openxmlformats.org/presentationml/2006/main">
   <p:cSld>
     <p:bg>
@@ -12855,196 +13539,6 @@
     <p:extLst>
       <p:ext uri="{BB962C8B-B14F-4D97-AF65-F5344CB8AC3E}">
         <p14:creationId xmlns:p14="http://schemas.microsoft.com/office/powerpoint/2010/main" val="3581807848"/>
-      </p:ext>
-    </p:extLst>
-  </p:cSld>
-  <p:clrMapOvr>
-    <a:masterClrMapping/>
-  </p:clrMapOvr>
-  <mc:AlternateContent xmlns:mc="http://schemas.openxmlformats.org/markup-compatibility/2006" xmlns:p14="http://schemas.microsoft.com/office/powerpoint/2010/main">
-    <mc:Choice Requires="p14">
-      <p:transition spd="med" p14:dur="700">
-        <p:fade/>
-      </p:transition>
-    </mc:Choice>
-    <mc:Fallback xmlns="">
-      <p:transition spd="med">
-        <p:fade/>
-      </p:transition>
-    </mc:Fallback>
-  </mc:AlternateContent>
-</p:sld>
-</file>
-
-<file path=ppt/slides/slide9.xml><?xml version="1.0" encoding="utf-8"?>
-<p:sld xmlns:a="http://schemas.openxmlformats.org/drawingml/2006/main" xmlns:r="http://schemas.openxmlformats.org/officeDocument/2006/relationships" xmlns:p="http://schemas.openxmlformats.org/presentationml/2006/main">
-  <p:cSld>
-    <p:bg>
-      <p:bgPr>
-        <a:solidFill>
-          <a:schemeClr val="tx1"/>
-        </a:solidFill>
-        <a:effectLst/>
-      </p:bgPr>
-    </p:bg>
-    <p:spTree>
-      <p:nvGrpSpPr>
-        <p:cNvPr id="1" name=""/>
-        <p:cNvGrpSpPr/>
-        <p:nvPr/>
-      </p:nvGrpSpPr>
-      <p:grpSpPr>
-        <a:xfrm>
-          <a:off x="0" y="0"/>
-          <a:ext cx="0" cy="0"/>
-          <a:chOff x="0" y="0"/>
-          <a:chExt cx="0" cy="0"/>
-        </a:xfrm>
-      </p:grpSpPr>
-      <p:sp>
-        <p:nvSpPr>
-          <p:cNvPr id="2" name="Título 1"/>
-          <p:cNvSpPr>
-            <a:spLocks noGrp="1"/>
-          </p:cNvSpPr>
-          <p:nvPr>
-            <p:ph type="title"/>
-          </p:nvPr>
-        </p:nvSpPr>
-        <p:spPr/>
-        <p:txBody>
-          <a:bodyPr rtlCol="0"/>
-          <a:lstStyle/>
-          <a:p>
-            <a:pPr algn="ctr"/>
-            <a:r>
-              <a:rPr lang="es-ES" dirty="0">
-                <a:solidFill>
-                  <a:srgbClr val="FFFF00"/>
-                </a:solidFill>
-              </a:rPr>
-              <a:t>Funcionalidades de ejercicios</a:t>
-            </a:r>
-          </a:p>
-        </p:txBody>
-      </p:sp>
-      <p:sp>
-        <p:nvSpPr>
-          <p:cNvPr id="3" name="Marcador de posición de contenido 2"/>
-          <p:cNvSpPr>
-            <a:spLocks noGrp="1"/>
-          </p:cNvSpPr>
-          <p:nvPr>
-            <p:ph sz="half" idx="1"/>
-          </p:nvPr>
-        </p:nvSpPr>
-        <p:spPr>
-          <a:xfrm>
-            <a:off x="6534485" y="1685192"/>
-            <a:ext cx="4313864" cy="3777622"/>
-          </a:xfrm>
-        </p:spPr>
-        <p:txBody>
-          <a:bodyPr rtlCol="0">
-            <a:normAutofit/>
-          </a:bodyPr>
-          <a:lstStyle/>
-          <a:p>
-            <a:r>
-              <a:rPr lang="es-ES" sz="2500" dirty="0">
-                <a:solidFill>
-                  <a:schemeClr val="bg1"/>
-                </a:solidFill>
-                <a:latin typeface="Baskerville"/>
-              </a:rPr>
-              <a:t>Ver videotutorial explicativo sobre el ejercicio</a:t>
-            </a:r>
-          </a:p>
-          <a:p>
-            <a:r>
-              <a:rPr lang="es-ES" sz="2500" dirty="0">
-                <a:solidFill>
-                  <a:schemeClr val="bg1"/>
-                </a:solidFill>
-                <a:latin typeface="Baskerville"/>
-              </a:rPr>
-              <a:t>Registrar marcas de entrenamiento por fecha</a:t>
-            </a:r>
-          </a:p>
-          <a:p>
-            <a:endParaRPr lang="es-ES" sz="2500" dirty="0">
-              <a:solidFill>
-                <a:schemeClr val="bg1"/>
-              </a:solidFill>
-              <a:latin typeface="Baskerville"/>
-            </a:endParaRPr>
-          </a:p>
-        </p:txBody>
-      </p:sp>
-      <p:pic>
-        <p:nvPicPr>
-          <p:cNvPr id="5" name="Imagen 4">
-            <a:extLst>
-              <a:ext uri="{FF2B5EF4-FFF2-40B4-BE49-F238E27FC236}">
-                <a16:creationId xmlns:a16="http://schemas.microsoft.com/office/drawing/2014/main" id="{B3DE2343-272D-4060-8549-39904DB78851}"/>
-              </a:ext>
-            </a:extLst>
-          </p:cNvPr>
-          <p:cNvPicPr>
-            <a:picLocks noChangeAspect="1"/>
-          </p:cNvPicPr>
-          <p:nvPr/>
-        </p:nvPicPr>
-        <p:blipFill>
-          <a:blip r:embed="rId3"/>
-          <a:stretch>
-            <a:fillRect/>
-          </a:stretch>
-        </p:blipFill>
-        <p:spPr>
-          <a:xfrm>
-            <a:off x="3510890" y="1671672"/>
-            <a:ext cx="2020425" cy="4678878"/>
-          </a:xfrm>
-          <a:prstGeom prst="rect">
-            <a:avLst/>
-          </a:prstGeom>
-        </p:spPr>
-      </p:pic>
-      <p:pic>
-        <p:nvPicPr>
-          <p:cNvPr id="7" name="Imagen 6">
-            <a:extLst>
-              <a:ext uri="{FF2B5EF4-FFF2-40B4-BE49-F238E27FC236}">
-                <a16:creationId xmlns:a16="http://schemas.microsoft.com/office/drawing/2014/main" id="{56A3EC2C-9099-4E27-9551-D8AF682F47A6}"/>
-              </a:ext>
-            </a:extLst>
-          </p:cNvPr>
-          <p:cNvPicPr>
-            <a:picLocks noChangeAspect="1"/>
-          </p:cNvPicPr>
-          <p:nvPr/>
-        </p:nvPicPr>
-        <p:blipFill>
-          <a:blip r:embed="rId4"/>
-          <a:stretch>
-            <a:fillRect/>
-          </a:stretch>
-        </p:blipFill>
-        <p:spPr>
-          <a:xfrm>
-            <a:off x="976458" y="1685192"/>
-            <a:ext cx="2020425" cy="4644611"/>
-          </a:xfrm>
-          <a:prstGeom prst="rect">
-            <a:avLst/>
-          </a:prstGeom>
-        </p:spPr>
-      </p:pic>
-    </p:spTree>
-    <p:extLst>
-      <p:ext uri="{BB962C8B-B14F-4D97-AF65-F5344CB8AC3E}">
-        <p14:creationId xmlns:p14="http://schemas.microsoft.com/office/powerpoint/2010/main" val="719840412"/>
       </p:ext>
     </p:extLst>
   </p:cSld>

--- a/Documentacion/TEMPLE BODY.pptx
+++ b/Documentacion/TEMPLE BODY.pptx
@@ -5,10 +5,10 @@
     <p:sldMasterId id="2147483757" r:id="rId1"/>
   </p:sldMasterIdLst>
   <p:notesMasterIdLst>
-    <p:notesMasterId r:id="rId16"/>
+    <p:notesMasterId r:id="rId18"/>
   </p:notesMasterIdLst>
   <p:handoutMasterIdLst>
-    <p:handoutMasterId r:id="rId17"/>
+    <p:handoutMasterId r:id="rId19"/>
   </p:handoutMasterIdLst>
   <p:sldIdLst>
     <p:sldId id="262" r:id="rId2"/>
@@ -24,7 +24,9 @@
     <p:sldId id="279" r:id="rId12"/>
     <p:sldId id="281" r:id="rId13"/>
     <p:sldId id="287" r:id="rId14"/>
-    <p:sldId id="273" r:id="rId15"/>
+    <p:sldId id="291" r:id="rId15"/>
+    <p:sldId id="292" r:id="rId16"/>
+    <p:sldId id="273" r:id="rId17"/>
   </p:sldIdLst>
   <p:sldSz cx="12192000" cy="6858000"/>
   <p:notesSz cx="6858000" cy="9144000"/>
@@ -229,7 +231,7 @@
             <a:pPr rtl="0"/>
             <a:fld id="{36733433-91C9-4F25-89C5-2049FA2AC72A}" type="datetime1">
               <a:rPr lang="es-ES" smtClean="0"/>
-              <a:t>07/06/2024</a:t>
+              <a:t>08/06/2024</a:t>
             </a:fld>
             <a:endParaRPr lang="es-ES" dirty="0"/>
           </a:p>
@@ -399,7 +401,7 @@
             <a:pPr rtl="0"/>
             <a:fld id="{0F42799A-0270-465F-BFBB-B1E8788AA761}" type="datetime1">
               <a:rPr lang="es-ES" noProof="0" smtClean="0"/>
-              <a:t>07/06/2024</a:t>
+              <a:t>08/06/2024</a:t>
             </a:fld>
             <a:endParaRPr lang="es-ES" noProof="0" dirty="0"/>
           </a:p>
@@ -1170,6 +1172,176 @@
     </p:spTree>
     <p:extLst>
       <p:ext uri="{BB962C8B-B14F-4D97-AF65-F5344CB8AC3E}">
+        <p14:creationId xmlns:p14="http://schemas.microsoft.com/office/powerpoint/2010/main" val="1744311673"/>
+      </p:ext>
+    </p:extLst>
+  </p:cSld>
+  <p:clrMapOvr>
+    <a:masterClrMapping/>
+  </p:clrMapOvr>
+</p:notes>
+</file>
+
+<file path=ppt/notesSlides/notesSlide15.xml><?xml version="1.0" encoding="utf-8"?>
+<p:notes xmlns:a="http://schemas.openxmlformats.org/drawingml/2006/main" xmlns:r="http://schemas.openxmlformats.org/officeDocument/2006/relationships" xmlns:p="http://schemas.openxmlformats.org/presentationml/2006/main">
+  <p:cSld>
+    <p:spTree>
+      <p:nvGrpSpPr>
+        <p:cNvPr id="1" name=""/>
+        <p:cNvGrpSpPr/>
+        <p:nvPr/>
+      </p:nvGrpSpPr>
+      <p:grpSpPr>
+        <a:xfrm>
+          <a:off x="0" y="0"/>
+          <a:ext cx="0" cy="0"/>
+          <a:chOff x="0" y="0"/>
+          <a:chExt cx="0" cy="0"/>
+        </a:xfrm>
+      </p:grpSpPr>
+      <p:sp>
+        <p:nvSpPr>
+          <p:cNvPr id="2" name="Marcador de imagen de diapositiva 1"/>
+          <p:cNvSpPr>
+            <a:spLocks noGrp="1" noRot="1" noChangeAspect="1"/>
+          </p:cNvSpPr>
+          <p:nvPr>
+            <p:ph type="sldImg"/>
+          </p:nvPr>
+        </p:nvSpPr>
+        <p:spPr/>
+      </p:sp>
+      <p:sp>
+        <p:nvSpPr>
+          <p:cNvPr id="3" name="Marcador de notas 2"/>
+          <p:cNvSpPr>
+            <a:spLocks noGrp="1"/>
+          </p:cNvSpPr>
+          <p:nvPr>
+            <p:ph type="body" idx="1"/>
+          </p:nvPr>
+        </p:nvSpPr>
+        <p:spPr/>
+        <p:txBody>
+          <a:bodyPr/>
+          <a:lstStyle/>
+          <a:p>
+            <a:endParaRPr lang="es-ES" dirty="0"/>
+          </a:p>
+        </p:txBody>
+      </p:sp>
+      <p:sp>
+        <p:nvSpPr>
+          <p:cNvPr id="4" name="Marcador de número de diapositiva 3"/>
+          <p:cNvSpPr>
+            <a:spLocks noGrp="1"/>
+          </p:cNvSpPr>
+          <p:nvPr>
+            <p:ph type="sldNum" sz="quarter" idx="10"/>
+          </p:nvPr>
+        </p:nvSpPr>
+        <p:spPr/>
+        <p:txBody>
+          <a:bodyPr/>
+          <a:lstStyle/>
+          <a:p>
+            <a:pPr rtl="0"/>
+            <a:fld id="{FC8BD8E7-1312-41F3-99C4-6DA5AF891969}" type="slidenum">
+              <a:rPr lang="es-ES" smtClean="0"/>
+              <a:t>15</a:t>
+            </a:fld>
+            <a:endParaRPr lang="es-ES" dirty="0"/>
+          </a:p>
+        </p:txBody>
+      </p:sp>
+    </p:spTree>
+    <p:extLst>
+      <p:ext uri="{BB962C8B-B14F-4D97-AF65-F5344CB8AC3E}">
+        <p14:creationId xmlns:p14="http://schemas.microsoft.com/office/powerpoint/2010/main" val="1022945318"/>
+      </p:ext>
+    </p:extLst>
+  </p:cSld>
+  <p:clrMapOvr>
+    <a:masterClrMapping/>
+  </p:clrMapOvr>
+</p:notes>
+</file>
+
+<file path=ppt/notesSlides/notesSlide16.xml><?xml version="1.0" encoding="utf-8"?>
+<p:notes xmlns:a="http://schemas.openxmlformats.org/drawingml/2006/main" xmlns:r="http://schemas.openxmlformats.org/officeDocument/2006/relationships" xmlns:p="http://schemas.openxmlformats.org/presentationml/2006/main">
+  <p:cSld>
+    <p:spTree>
+      <p:nvGrpSpPr>
+        <p:cNvPr id="1" name=""/>
+        <p:cNvGrpSpPr/>
+        <p:nvPr/>
+      </p:nvGrpSpPr>
+      <p:grpSpPr>
+        <a:xfrm>
+          <a:off x="0" y="0"/>
+          <a:ext cx="0" cy="0"/>
+          <a:chOff x="0" y="0"/>
+          <a:chExt cx="0" cy="0"/>
+        </a:xfrm>
+      </p:grpSpPr>
+      <p:sp>
+        <p:nvSpPr>
+          <p:cNvPr id="2" name="Marcador de imagen de diapositiva 1"/>
+          <p:cNvSpPr>
+            <a:spLocks noGrp="1" noRot="1" noChangeAspect="1"/>
+          </p:cNvSpPr>
+          <p:nvPr>
+            <p:ph type="sldImg"/>
+          </p:nvPr>
+        </p:nvSpPr>
+        <p:spPr/>
+      </p:sp>
+      <p:sp>
+        <p:nvSpPr>
+          <p:cNvPr id="3" name="Marcador de notas 2"/>
+          <p:cNvSpPr>
+            <a:spLocks noGrp="1"/>
+          </p:cNvSpPr>
+          <p:nvPr>
+            <p:ph type="body" idx="1"/>
+          </p:nvPr>
+        </p:nvSpPr>
+        <p:spPr/>
+        <p:txBody>
+          <a:bodyPr/>
+          <a:lstStyle/>
+          <a:p>
+            <a:endParaRPr lang="es-ES" dirty="0"/>
+          </a:p>
+        </p:txBody>
+      </p:sp>
+      <p:sp>
+        <p:nvSpPr>
+          <p:cNvPr id="4" name="Marcador de número de diapositiva 3"/>
+          <p:cNvSpPr>
+            <a:spLocks noGrp="1"/>
+          </p:cNvSpPr>
+          <p:nvPr>
+            <p:ph type="sldNum" sz="quarter" idx="10"/>
+          </p:nvPr>
+        </p:nvSpPr>
+        <p:spPr/>
+        <p:txBody>
+          <a:bodyPr/>
+          <a:lstStyle/>
+          <a:p>
+            <a:pPr rtl="0"/>
+            <a:fld id="{FC8BD8E7-1312-41F3-99C4-6DA5AF891969}" type="slidenum">
+              <a:rPr lang="es-ES" smtClean="0"/>
+              <a:t>16</a:t>
+            </a:fld>
+            <a:endParaRPr lang="es-ES" dirty="0"/>
+          </a:p>
+        </p:txBody>
+      </p:sp>
+    </p:spTree>
+    <p:extLst>
+      <p:ext uri="{BB962C8B-B14F-4D97-AF65-F5344CB8AC3E}">
         <p14:creationId xmlns:p14="http://schemas.microsoft.com/office/powerpoint/2010/main" val="3811988589"/>
       </p:ext>
     </p:extLst>
@@ -2048,7 +2220,7 @@
           <a:p>
             <a:fld id="{ADA5217B-C461-4E0A-B4E4-B5A6F1D99B01}" type="datetimeFigureOut">
               <a:rPr lang="es-ES" smtClean="0"/>
-              <a:t>07/06/2024</a:t>
+              <a:t>08/06/2024</a:t>
             </a:fld>
             <a:endParaRPr lang="es-ES"/>
           </a:p>
@@ -2452,7 +2624,7 @@
             <a:pPr rtl="0"/>
             <a:fld id="{5E879E85-5BBE-4DC3-949C-B551255CCB64}" type="datetime1">
               <a:rPr lang="es-ES" noProof="0" smtClean="0"/>
-              <a:t>07/06/2024</a:t>
+              <a:t>08/06/2024</a:t>
             </a:fld>
             <a:endParaRPr lang="es-ES" noProof="0" dirty="0"/>
           </a:p>
@@ -2862,7 +3034,7 @@
             <a:pPr rtl="0"/>
             <a:fld id="{5E879E85-5BBE-4DC3-949C-B551255CCB64}" type="datetime1">
               <a:rPr lang="es-ES" noProof="0" smtClean="0"/>
-              <a:t>07/06/2024</a:t>
+              <a:t>08/06/2024</a:t>
             </a:fld>
             <a:endParaRPr lang="es-ES" noProof="0" dirty="0"/>
           </a:p>
@@ -3207,7 +3379,7 @@
             <a:pPr rtl="0"/>
             <a:fld id="{5E879E85-5BBE-4DC3-949C-B551255CCB64}" type="datetime1">
               <a:rPr lang="es-ES" noProof="0" smtClean="0"/>
-              <a:t>07/06/2024</a:t>
+              <a:t>08/06/2024</a:t>
             </a:fld>
             <a:endParaRPr lang="es-ES" noProof="0" dirty="0"/>
           </a:p>
@@ -3536,7 +3708,7 @@
             <a:pPr rtl="0"/>
             <a:fld id="{5E879E85-5BBE-4DC3-949C-B551255CCB64}" type="datetime1">
               <a:rPr lang="es-ES" noProof="0" smtClean="0"/>
-              <a:t>07/06/2024</a:t>
+              <a:t>08/06/2024</a:t>
             </a:fld>
             <a:endParaRPr lang="es-ES" noProof="0" dirty="0"/>
           </a:p>
@@ -3941,7 +4113,7 @@
             <a:pPr rtl="0"/>
             <a:fld id="{5E879E85-5BBE-4DC3-949C-B551255CCB64}" type="datetime1">
               <a:rPr lang="es-ES" noProof="0" smtClean="0"/>
-              <a:t>07/06/2024</a:t>
+              <a:t>08/06/2024</a:t>
             </a:fld>
             <a:endParaRPr lang="es-ES" noProof="0" dirty="0"/>
           </a:p>
@@ -4207,7 +4379,7 @@
             <a:pPr rtl="0"/>
             <a:fld id="{A49C5101-B6E1-4C2F-96CC-D4D7C5FEAAF7}" type="datetime1">
               <a:rPr lang="es-ES" noProof="0" smtClean="0"/>
-              <a:t>07/06/2024</a:t>
+              <a:t>08/06/2024</a:t>
             </a:fld>
             <a:endParaRPr lang="es-ES" noProof="0" dirty="0"/>
           </a:p>
@@ -4488,7 +4660,7 @@
             <a:pPr rtl="0"/>
             <a:fld id="{AE3F2578-7180-4CCB-9A96-7D1B03AD95AA}" type="datetime1">
               <a:rPr lang="es-ES" noProof="0" smtClean="0"/>
-              <a:t>07/06/2024</a:t>
+              <a:t>08/06/2024</a:t>
             </a:fld>
             <a:endParaRPr lang="es-ES" noProof="0" dirty="0"/>
           </a:p>
@@ -5392,7 +5564,7 @@
             <a:pPr rtl="0"/>
             <a:fld id="{5E879E85-5BBE-4DC3-949C-B551255CCB64}" type="datetime1">
               <a:rPr lang="es-ES" noProof="0" smtClean="0"/>
-              <a:t>07/06/2024</a:t>
+              <a:t>08/06/2024</a:t>
             </a:fld>
             <a:endParaRPr lang="es-ES" noProof="0" dirty="0"/>
           </a:p>
@@ -5730,7 +5902,7 @@
             <a:pPr rtl="0"/>
             <a:fld id="{5E879E85-5BBE-4DC3-949C-B551255CCB64}" type="datetime1">
               <a:rPr lang="es-ES" noProof="0" smtClean="0"/>
-              <a:t>07/06/2024</a:t>
+              <a:t>08/06/2024</a:t>
             </a:fld>
             <a:endParaRPr lang="es-ES" noProof="0" dirty="0"/>
           </a:p>
@@ -6062,7 +6234,7 @@
             <a:pPr rtl="0"/>
             <a:fld id="{28D2FC1E-83DA-4E03-9666-93C59D8ACCEA}" type="datetime1">
               <a:rPr lang="es-ES" noProof="0" smtClean="0"/>
-              <a:t>07/06/2024</a:t>
+              <a:t>08/06/2024</a:t>
             </a:fld>
             <a:endParaRPr lang="es-ES" noProof="0" dirty="0"/>
           </a:p>
@@ -6538,7 +6710,7 @@
             <a:pPr rtl="0"/>
             <a:fld id="{CA1153A9-469E-4B41-9F8D-6E09C4AFB7F0}" type="datetime1">
               <a:rPr lang="es-ES" noProof="0" smtClean="0"/>
-              <a:t>07/06/2024</a:t>
+              <a:t>08/06/2024</a:t>
             </a:fld>
             <a:endParaRPr lang="es-ES" noProof="0" dirty="0"/>
           </a:p>
@@ -6762,7 +6934,7 @@
             <a:pPr rtl="0"/>
             <a:fld id="{C9ADA510-67ED-4878-A088-E9242C8AA6FD}" type="datetime1">
               <a:rPr lang="es-ES" noProof="0" smtClean="0"/>
-              <a:t>07/06/2024</a:t>
+              <a:t>08/06/2024</a:t>
             </a:fld>
             <a:endParaRPr lang="es-ES" noProof="0" dirty="0"/>
           </a:p>
@@ -6957,7 +7129,7 @@
           <a:p>
             <a:fld id="{ADA5217B-C461-4E0A-B4E4-B5A6F1D99B01}" type="datetimeFigureOut">
               <a:rPr lang="es-ES" smtClean="0"/>
-              <a:t>07/06/2024</a:t>
+              <a:t>08/06/2024</a:t>
             </a:fld>
             <a:endParaRPr lang="es-ES"/>
           </a:p>
@@ -7303,7 +7475,7 @@
             <a:pPr rtl="0"/>
             <a:fld id="{5E879E85-5BBE-4DC3-949C-B551255CCB64}" type="datetime1">
               <a:rPr lang="es-ES" noProof="0" smtClean="0"/>
-              <a:t>07/06/2024</a:t>
+              <a:t>08/06/2024</a:t>
             </a:fld>
             <a:endParaRPr lang="es-ES" noProof="0" dirty="0"/>
           </a:p>
@@ -7657,7 +7829,7 @@
             <a:pPr rtl="0"/>
             <a:fld id="{5E879E85-5BBE-4DC3-949C-B551255CCB64}" type="datetime1">
               <a:rPr lang="es-ES" noProof="0" smtClean="0"/>
-              <a:t>07/06/2024</a:t>
+              <a:t>08/06/2024</a:t>
             </a:fld>
             <a:endParaRPr lang="es-ES" noProof="0" dirty="0"/>
           </a:p>
@@ -9783,7 +9955,7 @@
             <a:pPr rtl="0"/>
             <a:fld id="{5E879E85-5BBE-4DC3-949C-B551255CCB64}" type="datetime1">
               <a:rPr lang="es-ES" noProof="0" smtClean="0"/>
-              <a:t>07/06/2024</a:t>
+              <a:t>08/06/2024</a:t>
             </a:fld>
             <a:endParaRPr lang="es-ES" noProof="0" dirty="0"/>
           </a:p>
@@ -11286,6 +11458,565 @@
 <file path=ppt/slides/slide14.xml><?xml version="1.0" encoding="utf-8"?>
 <p:sld xmlns:a="http://schemas.openxmlformats.org/drawingml/2006/main" xmlns:r="http://schemas.openxmlformats.org/officeDocument/2006/relationships" xmlns:p="http://schemas.openxmlformats.org/presentationml/2006/main">
   <p:cSld>
+    <p:bg>
+      <p:bgPr>
+        <a:solidFill>
+          <a:schemeClr val="tx1"/>
+        </a:solidFill>
+        <a:effectLst/>
+      </p:bgPr>
+    </p:bg>
+    <p:spTree>
+      <p:nvGrpSpPr>
+        <p:cNvPr id="1" name=""/>
+        <p:cNvGrpSpPr/>
+        <p:nvPr/>
+      </p:nvGrpSpPr>
+      <p:grpSpPr>
+        <a:xfrm>
+          <a:off x="0" y="0"/>
+          <a:ext cx="0" cy="0"/>
+          <a:chOff x="0" y="0"/>
+          <a:chExt cx="0" cy="0"/>
+        </a:xfrm>
+      </p:grpSpPr>
+      <p:sp>
+        <p:nvSpPr>
+          <p:cNvPr id="2" name="Título 1"/>
+          <p:cNvSpPr>
+            <a:spLocks noGrp="1"/>
+          </p:cNvSpPr>
+          <p:nvPr>
+            <p:ph type="title"/>
+          </p:nvPr>
+        </p:nvSpPr>
+        <p:spPr>
+          <a:xfrm>
+            <a:off x="1819201" y="534933"/>
+            <a:ext cx="8911687" cy="1280890"/>
+          </a:xfrm>
+        </p:spPr>
+        <p:txBody>
+          <a:bodyPr rtlCol="0"/>
+          <a:lstStyle/>
+          <a:p>
+            <a:pPr algn="ctr"/>
+            <a:r>
+              <a:rPr lang="es-ES" dirty="0">
+                <a:solidFill>
+                  <a:srgbClr val="FFFF00"/>
+                </a:solidFill>
+              </a:rPr>
+              <a:t>Demostración de la APP</a:t>
+            </a:r>
+          </a:p>
+        </p:txBody>
+      </p:sp>
+      <p:sp>
+        <p:nvSpPr>
+          <p:cNvPr id="3" name="Marcador de posición de contenido 2"/>
+          <p:cNvSpPr>
+            <a:spLocks noGrp="1"/>
+          </p:cNvSpPr>
+          <p:nvPr>
+            <p:ph sz="half" idx="1"/>
+          </p:nvPr>
+        </p:nvSpPr>
+        <p:spPr>
+          <a:xfrm>
+            <a:off x="5076473" y="2545445"/>
+            <a:ext cx="4313864" cy="3777622"/>
+          </a:xfrm>
+        </p:spPr>
+        <p:txBody>
+          <a:bodyPr rtlCol="0">
+            <a:normAutofit/>
+          </a:bodyPr>
+          <a:lstStyle/>
+          <a:p>
+            <a:r>
+              <a:rPr lang="es-ES" sz="2500" dirty="0">
+                <a:solidFill>
+                  <a:schemeClr val="bg1"/>
+                </a:solidFill>
+                <a:latin typeface="Baskerville"/>
+              </a:rPr>
+              <a:t>Funcionalidad</a:t>
+            </a:r>
+          </a:p>
+          <a:p>
+            <a:r>
+              <a:rPr lang="es-ES" sz="2500" dirty="0">
+                <a:solidFill>
+                  <a:schemeClr val="bg1"/>
+                </a:solidFill>
+                <a:latin typeface="Baskerville"/>
+              </a:rPr>
+              <a:t>Vistas</a:t>
+            </a:r>
+          </a:p>
+          <a:p>
+            <a:r>
+              <a:rPr lang="es-ES" sz="2500" dirty="0">
+                <a:solidFill>
+                  <a:schemeClr val="bg1"/>
+                </a:solidFill>
+                <a:latin typeface="Baskerville"/>
+              </a:rPr>
+              <a:t>Elementos</a:t>
+            </a:r>
+          </a:p>
+          <a:p>
+            <a:endParaRPr lang="es-ES" sz="2500" dirty="0">
+              <a:solidFill>
+                <a:schemeClr val="bg1"/>
+              </a:solidFill>
+              <a:latin typeface="Baskerville"/>
+            </a:endParaRPr>
+          </a:p>
+        </p:txBody>
+      </p:sp>
+      <p:pic>
+        <p:nvPicPr>
+          <p:cNvPr id="4" name="Imagen 3">
+            <a:extLst>
+              <a:ext uri="{FF2B5EF4-FFF2-40B4-BE49-F238E27FC236}">
+                <a16:creationId xmlns:a16="http://schemas.microsoft.com/office/drawing/2014/main" id="{A8638FE3-038F-38AE-0F4F-971965556F32}"/>
+              </a:ext>
+            </a:extLst>
+          </p:cNvPr>
+          <p:cNvPicPr>
+            <a:picLocks noChangeAspect="1"/>
+          </p:cNvPicPr>
+          <p:nvPr/>
+        </p:nvPicPr>
+        <p:blipFill>
+          <a:blip r:embed="rId3"/>
+          <a:stretch>
+            <a:fillRect/>
+          </a:stretch>
+        </p:blipFill>
+        <p:spPr>
+          <a:xfrm>
+            <a:off x="1692886" y="1225827"/>
+            <a:ext cx="2246884" cy="5008063"/>
+          </a:xfrm>
+          <a:prstGeom prst="rect">
+            <a:avLst/>
+          </a:prstGeom>
+        </p:spPr>
+      </p:pic>
+    </p:spTree>
+    <p:extLst>
+      <p:ext uri="{BB962C8B-B14F-4D97-AF65-F5344CB8AC3E}">
+        <p14:creationId xmlns:p14="http://schemas.microsoft.com/office/powerpoint/2010/main" val="3960457825"/>
+      </p:ext>
+    </p:extLst>
+  </p:cSld>
+  <p:clrMapOvr>
+    <a:masterClrMapping/>
+  </p:clrMapOvr>
+  <mc:AlternateContent xmlns:mc="http://schemas.openxmlformats.org/markup-compatibility/2006">
+    <mc:Choice xmlns:p14="http://schemas.microsoft.com/office/powerpoint/2010/main" Requires="p14">
+      <p:transition spd="med" p14:dur="700">
+        <p:fade/>
+      </p:transition>
+    </mc:Choice>
+    <mc:Fallback>
+      <p:transition spd="med">
+        <p:fade/>
+      </p:transition>
+    </mc:Fallback>
+  </mc:AlternateContent>
+</p:sld>
+</file>
+
+<file path=ppt/slides/slide15.xml><?xml version="1.0" encoding="utf-8"?>
+<p:sld xmlns:a="http://schemas.openxmlformats.org/drawingml/2006/main" xmlns:r="http://schemas.openxmlformats.org/officeDocument/2006/relationships" xmlns:p="http://schemas.openxmlformats.org/presentationml/2006/main">
+  <p:cSld>
+    <p:bg>
+      <p:bgPr>
+        <a:solidFill>
+          <a:schemeClr val="tx1"/>
+        </a:solidFill>
+        <a:effectLst/>
+      </p:bgPr>
+    </p:bg>
+    <p:spTree>
+      <p:nvGrpSpPr>
+        <p:cNvPr id="1" name=""/>
+        <p:cNvGrpSpPr/>
+        <p:nvPr/>
+      </p:nvGrpSpPr>
+      <p:grpSpPr>
+        <a:xfrm>
+          <a:off x="0" y="0"/>
+          <a:ext cx="0" cy="0"/>
+          <a:chOff x="0" y="0"/>
+          <a:chExt cx="0" cy="0"/>
+        </a:xfrm>
+      </p:grpSpPr>
+      <p:sp>
+        <p:nvSpPr>
+          <p:cNvPr id="2" name="Título 1"/>
+          <p:cNvSpPr>
+            <a:spLocks noGrp="1"/>
+          </p:cNvSpPr>
+          <p:nvPr>
+            <p:ph type="title"/>
+          </p:nvPr>
+        </p:nvSpPr>
+        <p:spPr>
+          <a:xfrm>
+            <a:off x="1819201" y="534933"/>
+            <a:ext cx="8911687" cy="1280890"/>
+          </a:xfrm>
+        </p:spPr>
+        <p:txBody>
+          <a:bodyPr rtlCol="0"/>
+          <a:lstStyle/>
+          <a:p>
+            <a:pPr algn="ctr"/>
+            <a:r>
+              <a:rPr lang="es-ES" dirty="0">
+                <a:solidFill>
+                  <a:srgbClr val="FFFF00"/>
+                </a:solidFill>
+              </a:rPr>
+              <a:t>Implantaciones futuras</a:t>
+            </a:r>
+          </a:p>
+        </p:txBody>
+      </p:sp>
+      <p:sp>
+        <p:nvSpPr>
+          <p:cNvPr id="3" name="Marcador de posición de contenido 2"/>
+          <p:cNvSpPr>
+            <a:spLocks noGrp="1"/>
+          </p:cNvSpPr>
+          <p:nvPr>
+            <p:ph sz="half" idx="1"/>
+          </p:nvPr>
+        </p:nvSpPr>
+        <p:spPr>
+          <a:xfrm>
+            <a:off x="2473950" y="1402445"/>
+            <a:ext cx="8155950" cy="3125593"/>
+          </a:xfrm>
+        </p:spPr>
+        <p:txBody>
+          <a:bodyPr rtlCol="0">
+            <a:normAutofit/>
+          </a:bodyPr>
+          <a:lstStyle/>
+          <a:p>
+            <a:r>
+              <a:rPr lang="es-ES" sz="2500" dirty="0">
+                <a:solidFill>
+                  <a:schemeClr val="bg1"/>
+                </a:solidFill>
+                <a:latin typeface="Baskerville"/>
+              </a:rPr>
+              <a:t>Uso de tarjetas NFC para almacenar datos de usuario</a:t>
+            </a:r>
+          </a:p>
+          <a:p>
+            <a:r>
+              <a:rPr lang="es-ES" sz="2500" dirty="0">
+                <a:solidFill>
+                  <a:schemeClr val="bg1"/>
+                </a:solidFill>
+                <a:latin typeface="Baskerville"/>
+              </a:rPr>
+              <a:t>Integración con aplicaciones para llevar alimentación y conteo de </a:t>
+            </a:r>
+            <a:r>
+              <a:rPr lang="es-ES" sz="2500" dirty="0" err="1">
+                <a:solidFill>
+                  <a:schemeClr val="bg1"/>
+                </a:solidFill>
+                <a:latin typeface="Baskerville"/>
+              </a:rPr>
+              <a:t>calorias</a:t>
+            </a:r>
+            <a:endParaRPr lang="es-ES" sz="2500" dirty="0">
+              <a:solidFill>
+                <a:schemeClr val="bg1"/>
+              </a:solidFill>
+              <a:latin typeface="Baskerville"/>
+            </a:endParaRPr>
+          </a:p>
+          <a:p>
+            <a:r>
+              <a:rPr lang="es-ES" sz="2500" dirty="0">
+                <a:solidFill>
+                  <a:schemeClr val="bg1"/>
+                </a:solidFill>
+                <a:latin typeface="Baskerville"/>
+              </a:rPr>
+              <a:t>Integración con redes sociales</a:t>
+            </a:r>
+          </a:p>
+          <a:p>
+            <a:r>
+              <a:rPr lang="es-ES" sz="2500" dirty="0">
+                <a:solidFill>
+                  <a:schemeClr val="bg1"/>
+                </a:solidFill>
+                <a:latin typeface="Baskerville"/>
+              </a:rPr>
+              <a:t>Coaching personalizado basado en IA</a:t>
+            </a:r>
+          </a:p>
+        </p:txBody>
+      </p:sp>
+      <p:pic>
+        <p:nvPicPr>
+          <p:cNvPr id="1026" name="Picture 2" descr="NFC en el móvil: qué es, para qué sirve y siete usos para sacarle todo el  partido">
+            <a:extLst>
+              <a:ext uri="{FF2B5EF4-FFF2-40B4-BE49-F238E27FC236}">
+                <a16:creationId xmlns:a16="http://schemas.microsoft.com/office/drawing/2014/main" id="{593249AA-3DF5-5115-DFCD-5E6432156B21}"/>
+              </a:ext>
+            </a:extLst>
+          </p:cNvPr>
+          <p:cNvPicPr>
+            <a:picLocks noChangeAspect="1" noChangeArrowheads="1"/>
+          </p:cNvPicPr>
+          <p:nvPr/>
+        </p:nvPicPr>
+        <p:blipFill>
+          <a:blip r:embed="rId3">
+            <a:extLst>
+              <a:ext uri="{28A0092B-C50C-407E-A947-70E740481C1C}">
+                <a14:useLocalDpi xmlns:a14="http://schemas.microsoft.com/office/drawing/2010/main" val="0"/>
+              </a:ext>
+            </a:extLst>
+          </a:blip>
+          <a:srcRect/>
+          <a:stretch>
+            <a:fillRect/>
+          </a:stretch>
+        </p:blipFill>
+        <p:spPr bwMode="auto">
+          <a:xfrm>
+            <a:off x="363161" y="4168655"/>
+            <a:ext cx="3195585" cy="2258524"/>
+          </a:xfrm>
+          <a:prstGeom prst="rect">
+            <a:avLst/>
+          </a:prstGeom>
+          <a:noFill/>
+          <a:extLst>
+            <a:ext uri="{909E8E84-426E-40DD-AFC4-6F175D3DCCD1}">
+              <a14:hiddenFill xmlns:a14="http://schemas.microsoft.com/office/drawing/2010/main">
+                <a:solidFill>
+                  <a:srgbClr val="FFFFFF"/>
+                </a:solidFill>
+              </a14:hiddenFill>
+            </a:ext>
+          </a:extLst>
+        </p:spPr>
+      </p:pic>
+      <p:pic>
+        <p:nvPicPr>
+          <p:cNvPr id="1028" name="Picture 4" descr="Qué son los datos de entrenamiento de IA 2024? (Beneficios, desafíos,  ejemplos y conjuntos de datos)">
+            <a:extLst>
+              <a:ext uri="{FF2B5EF4-FFF2-40B4-BE49-F238E27FC236}">
+                <a16:creationId xmlns:a16="http://schemas.microsoft.com/office/drawing/2014/main" id="{F042B0ED-A62C-23F8-8C4F-2E322627F000}"/>
+              </a:ext>
+            </a:extLst>
+          </p:cNvPr>
+          <p:cNvPicPr>
+            <a:picLocks noChangeAspect="1" noChangeArrowheads="1"/>
+          </p:cNvPicPr>
+          <p:nvPr/>
+        </p:nvPicPr>
+        <p:blipFill>
+          <a:blip r:embed="rId4">
+            <a:extLst>
+              <a:ext uri="{28A0092B-C50C-407E-A947-70E740481C1C}">
+                <a14:useLocalDpi xmlns:a14="http://schemas.microsoft.com/office/drawing/2010/main" val="0"/>
+              </a:ext>
+            </a:extLst>
+          </a:blip>
+          <a:srcRect/>
+          <a:stretch>
+            <a:fillRect/>
+          </a:stretch>
+        </p:blipFill>
+        <p:spPr bwMode="auto">
+          <a:xfrm>
+            <a:off x="3750756" y="4476001"/>
+            <a:ext cx="4441001" cy="1839097"/>
+          </a:xfrm>
+          <a:prstGeom prst="rect">
+            <a:avLst/>
+          </a:prstGeom>
+          <a:noFill/>
+          <a:extLst>
+            <a:ext uri="{909E8E84-426E-40DD-AFC4-6F175D3DCCD1}">
+              <a14:hiddenFill xmlns:a14="http://schemas.microsoft.com/office/drawing/2010/main">
+                <a:solidFill>
+                  <a:srgbClr val="FFFFFF"/>
+                </a:solidFill>
+              </a14:hiddenFill>
+            </a:ext>
+          </a:extLst>
+        </p:spPr>
+      </p:pic>
+      <p:pic>
+        <p:nvPicPr>
+          <p:cNvPr id="5" name="Marcador de posición de imagen 5">
+            <a:extLst>
+              <a:ext uri="{FF2B5EF4-FFF2-40B4-BE49-F238E27FC236}">
+                <a16:creationId xmlns:a16="http://schemas.microsoft.com/office/drawing/2014/main" id="{508D2B8A-D201-5088-D53D-5BA8CE69E4F4}"/>
+              </a:ext>
+            </a:extLst>
+          </p:cNvPr>
+          <p:cNvPicPr>
+            <a:picLocks noChangeAspect="1"/>
+          </p:cNvPicPr>
+          <p:nvPr/>
+        </p:nvPicPr>
+        <p:blipFill>
+          <a:blip r:embed="rId5"/>
+          <a:srcRect t="8926" b="8926"/>
+          <a:stretch>
+            <a:fillRect/>
+          </a:stretch>
+        </p:blipFill>
+        <p:spPr>
+          <a:xfrm>
+            <a:off x="5660430" y="5175619"/>
+            <a:ext cx="495239" cy="559872"/>
+          </a:xfrm>
+          <a:prstGeom prst="rect">
+            <a:avLst/>
+          </a:prstGeom>
+        </p:spPr>
+      </p:pic>
+      <p:pic>
+        <p:nvPicPr>
+          <p:cNvPr id="1030" name="Picture 6" descr="8 mejores apps para contar calorías y medir las que quemas (2023)">
+            <a:extLst>
+              <a:ext uri="{FF2B5EF4-FFF2-40B4-BE49-F238E27FC236}">
+                <a16:creationId xmlns:a16="http://schemas.microsoft.com/office/drawing/2014/main" id="{C0D2E6C9-276D-133C-9BA9-90D30184C5B7}"/>
+              </a:ext>
+            </a:extLst>
+          </p:cNvPr>
+          <p:cNvPicPr>
+            <a:picLocks noChangeAspect="1" noChangeArrowheads="1"/>
+          </p:cNvPicPr>
+          <p:nvPr/>
+        </p:nvPicPr>
+        <p:blipFill>
+          <a:blip r:embed="rId6" cstate="print">
+            <a:extLst>
+              <a:ext uri="{28A0092B-C50C-407E-A947-70E740481C1C}">
+                <a14:useLocalDpi xmlns:a14="http://schemas.microsoft.com/office/drawing/2010/main" val="0"/>
+              </a:ext>
+            </a:extLst>
+          </a:blip>
+          <a:srcRect/>
+          <a:stretch>
+            <a:fillRect/>
+          </a:stretch>
+        </p:blipFill>
+        <p:spPr bwMode="auto">
+          <a:xfrm>
+            <a:off x="9126580" y="2683335"/>
+            <a:ext cx="2562911" cy="1648812"/>
+          </a:xfrm>
+          <a:prstGeom prst="rect">
+            <a:avLst/>
+          </a:prstGeom>
+          <a:noFill/>
+          <a:extLst>
+            <a:ext uri="{909E8E84-426E-40DD-AFC4-6F175D3DCCD1}">
+              <a14:hiddenFill xmlns:a14="http://schemas.microsoft.com/office/drawing/2010/main">
+                <a:solidFill>
+                  <a:srgbClr val="FFFFFF"/>
+                </a:solidFill>
+              </a14:hiddenFill>
+            </a:ext>
+          </a:extLst>
+        </p:spPr>
+      </p:pic>
+      <p:pic>
+        <p:nvPicPr>
+          <p:cNvPr id="1032" name="Picture 8" descr="Principales redes sociales y cuál nos interesa más para nuestro negocio -">
+            <a:extLst>
+              <a:ext uri="{FF2B5EF4-FFF2-40B4-BE49-F238E27FC236}">
+                <a16:creationId xmlns:a16="http://schemas.microsoft.com/office/drawing/2014/main" id="{B0F62343-883E-C8C3-7064-7ADE36CF8E2E}"/>
+              </a:ext>
+            </a:extLst>
+          </p:cNvPr>
+          <p:cNvPicPr>
+            <a:picLocks noChangeAspect="1" noChangeArrowheads="1"/>
+          </p:cNvPicPr>
+          <p:nvPr/>
+        </p:nvPicPr>
+        <p:blipFill>
+          <a:blip r:embed="rId7" cstate="print">
+            <a:extLst>
+              <a:ext uri="{28A0092B-C50C-407E-A947-70E740481C1C}">
+                <a14:useLocalDpi xmlns:a14="http://schemas.microsoft.com/office/drawing/2010/main" val="0"/>
+              </a:ext>
+            </a:extLst>
+          </a:blip>
+          <a:srcRect/>
+          <a:stretch>
+            <a:fillRect/>
+          </a:stretch>
+        </p:blipFill>
+        <p:spPr bwMode="auto">
+          <a:xfrm>
+            <a:off x="8444552" y="4505003"/>
+            <a:ext cx="2715143" cy="1810095"/>
+          </a:xfrm>
+          <a:prstGeom prst="rect">
+            <a:avLst/>
+          </a:prstGeom>
+          <a:noFill/>
+          <a:extLst>
+            <a:ext uri="{909E8E84-426E-40DD-AFC4-6F175D3DCCD1}">
+              <a14:hiddenFill xmlns:a14="http://schemas.microsoft.com/office/drawing/2010/main">
+                <a:solidFill>
+                  <a:srgbClr val="FFFFFF"/>
+                </a:solidFill>
+              </a14:hiddenFill>
+            </a:ext>
+          </a:extLst>
+        </p:spPr>
+      </p:pic>
+    </p:spTree>
+    <p:extLst>
+      <p:ext uri="{BB962C8B-B14F-4D97-AF65-F5344CB8AC3E}">
+        <p14:creationId xmlns:p14="http://schemas.microsoft.com/office/powerpoint/2010/main" val="115281219"/>
+      </p:ext>
+    </p:extLst>
+  </p:cSld>
+  <p:clrMapOvr>
+    <a:masterClrMapping/>
+  </p:clrMapOvr>
+  <mc:AlternateContent xmlns:mc="http://schemas.openxmlformats.org/markup-compatibility/2006">
+    <mc:Choice xmlns:p14="http://schemas.microsoft.com/office/powerpoint/2010/main" Requires="p14">
+      <p:transition spd="med" p14:dur="700">
+        <p:fade/>
+      </p:transition>
+    </mc:Choice>
+    <mc:Fallback>
+      <p:transition spd="med">
+        <p:fade/>
+      </p:transition>
+    </mc:Fallback>
+  </mc:AlternateContent>
+</p:sld>
+</file>
+
+<file path=ppt/slides/slide16.xml><?xml version="1.0" encoding="utf-8"?>
+<p:sld xmlns:a="http://schemas.openxmlformats.org/drawingml/2006/main" xmlns:r="http://schemas.openxmlformats.org/officeDocument/2006/relationships" xmlns:p="http://schemas.openxmlformats.org/presentationml/2006/main">
+  <p:cSld>
     <p:spTree>
       <p:nvGrpSpPr>
         <p:cNvPr id="1" name=""/>
@@ -11492,13 +12223,13 @@
         </p:nvSpPr>
         <p:spPr>
           <a:xfrm>
-            <a:off x="2592924" y="2133599"/>
-            <a:ext cx="8911687" cy="4123765"/>
+            <a:off x="1986254" y="1219199"/>
+            <a:ext cx="9390992" cy="4777155"/>
           </a:xfrm>
         </p:spPr>
         <p:txBody>
           <a:bodyPr rtlCol="0">
-            <a:normAutofit fontScale="92500" lnSpcReduction="20000"/>
+            <a:normAutofit fontScale="85000" lnSpcReduction="20000"/>
           </a:bodyPr>
           <a:lstStyle/>
           <a:p>
@@ -11610,6 +12341,36 @@
               </a:rPr>
               <a:t>Consulta de historial</a:t>
             </a:r>
+          </a:p>
+          <a:p>
+            <a:r>
+              <a:rPr lang="es-ES" sz="2500" dirty="0">
+                <a:solidFill>
+                  <a:schemeClr val="bg1"/>
+                </a:solidFill>
+                <a:latin typeface="Baskerville"/>
+              </a:rPr>
+              <a:t>Demostración de la APP</a:t>
+            </a:r>
+          </a:p>
+          <a:p>
+            <a:r>
+              <a:rPr lang="es-ES" sz="2500" dirty="0">
+                <a:solidFill>
+                  <a:schemeClr val="bg1"/>
+                </a:solidFill>
+                <a:latin typeface="Baskerville"/>
+              </a:rPr>
+              <a:t>Implantaciones futuras</a:t>
+            </a:r>
+          </a:p>
+          <a:p>
+            <a:endParaRPr lang="es-ES" sz="2500" dirty="0">
+              <a:solidFill>
+                <a:schemeClr val="bg1"/>
+              </a:solidFill>
+              <a:latin typeface="Baskerville"/>
+            </a:endParaRPr>
           </a:p>
           <a:p>
             <a:endParaRPr lang="es-ES" sz="2500" dirty="0">
@@ -12317,13 +13078,13 @@
   <p:clrMapOvr>
     <a:masterClrMapping/>
   </p:clrMapOvr>
-  <mc:AlternateContent xmlns:mc="http://schemas.openxmlformats.org/markup-compatibility/2006">
-    <mc:Choice xmlns:p14="http://schemas.microsoft.com/office/powerpoint/2010/main" Requires="p14">
+  <mc:AlternateContent xmlns:mc="http://schemas.openxmlformats.org/markup-compatibility/2006" xmlns:p14="http://schemas.microsoft.com/office/powerpoint/2010/main">
+    <mc:Choice Requires="p14">
       <p:transition spd="med" p14:dur="700">
         <p:fade/>
       </p:transition>
     </mc:Choice>
-    <mc:Fallback>
+    <mc:Fallback xmlns="">
       <p:transition spd="med">
         <p:fade/>
       </p:transition>

--- a/Documentacion/TEMPLE BODY.pptx
+++ b/Documentacion/TEMPLE BODY.pptx
@@ -11118,7 +11118,7 @@
         </p:blipFill>
         <p:spPr>
           <a:xfrm>
-            <a:off x="8943692" y="1264555"/>
+            <a:off x="9115884" y="1217919"/>
             <a:ext cx="2325621" cy="5251989"/>
           </a:xfrm>
           <a:prstGeom prst="rect">
@@ -11616,13 +11616,13 @@
   <p:clrMapOvr>
     <a:masterClrMapping/>
   </p:clrMapOvr>
-  <mc:AlternateContent xmlns:mc="http://schemas.openxmlformats.org/markup-compatibility/2006">
-    <mc:Choice xmlns:p14="http://schemas.microsoft.com/office/powerpoint/2010/main" Requires="p14">
+  <mc:AlternateContent xmlns:mc="http://schemas.openxmlformats.org/markup-compatibility/2006" xmlns:p14="http://schemas.microsoft.com/office/powerpoint/2010/main">
+    <mc:Choice Requires="p14">
       <p:transition spd="med" p14:dur="700">
         <p:fade/>
       </p:transition>
     </mc:Choice>
-    <mc:Fallback>
+    <mc:Fallback xmlns="">
       <p:transition spd="med">
         <p:fade/>
       </p:transition>
@@ -11728,23 +11728,8 @@
                 </a:solidFill>
                 <a:latin typeface="Baskerville"/>
               </a:rPr>
-              <a:t>Integración con aplicaciones para llevar alimentación y conteo de </a:t>
-            </a:r>
-            <a:r>
-              <a:rPr lang="es-ES" sz="2500" dirty="0" err="1">
-                <a:solidFill>
-                  <a:schemeClr val="bg1"/>
-                </a:solidFill>
-                <a:latin typeface="Baskerville"/>
-              </a:rPr>
-              <a:t>calorias</a:t>
-            </a:r>
-            <a:endParaRPr lang="es-ES" sz="2500" dirty="0">
-              <a:solidFill>
-                <a:schemeClr val="bg1"/>
-              </a:solidFill>
-              <a:latin typeface="Baskerville"/>
-            </a:endParaRPr>
+              <a:t>Integración con aplicaciones para llevar alimentación y conteo de calorías</a:t>
+            </a:r>
           </a:p>
           <a:p>
             <a:r>
@@ -11999,13 +11984,13 @@
   <p:clrMapOvr>
     <a:masterClrMapping/>
   </p:clrMapOvr>
-  <mc:AlternateContent xmlns:mc="http://schemas.openxmlformats.org/markup-compatibility/2006">
-    <mc:Choice xmlns:p14="http://schemas.microsoft.com/office/powerpoint/2010/main" Requires="p14">
+  <mc:AlternateContent xmlns:mc="http://schemas.openxmlformats.org/markup-compatibility/2006" xmlns:p14="http://schemas.microsoft.com/office/powerpoint/2010/main">
+    <mc:Choice Requires="p14">
       <p:transition spd="med" p14:dur="700">
         <p:fade/>
       </p:transition>
     </mc:Choice>
-    <mc:Fallback>
+    <mc:Fallback xmlns="">
       <p:transition spd="med">
         <p:fade/>
       </p:transition>
@@ -13484,10 +13469,10 @@
       </p:sp>
       <p:pic>
         <p:nvPicPr>
-          <p:cNvPr id="6" name="Imagen 5">
+          <p:cNvPr id="5" name="Imagen 4">
             <a:extLst>
               <a:ext uri="{FF2B5EF4-FFF2-40B4-BE49-F238E27FC236}">
-                <a16:creationId xmlns:a16="http://schemas.microsoft.com/office/drawing/2014/main" id="{74D4B76D-EE7E-48E8-85EC-019421839AE7}"/>
+                <a16:creationId xmlns:a16="http://schemas.microsoft.com/office/drawing/2014/main" id="{2CE49425-B869-4229-861E-F72EEAE25341}"/>
               </a:ext>
             </a:extLst>
           </p:cNvPr>
@@ -13504,8 +13489,8 @@
         </p:blipFill>
         <p:spPr>
           <a:xfrm>
-            <a:off x="5007586" y="1414322"/>
-            <a:ext cx="2246884" cy="5008063"/>
+            <a:off x="5499724" y="1537911"/>
+            <a:ext cx="2082646" cy="4140645"/>
           </a:xfrm>
           <a:prstGeom prst="rect">
             <a:avLst/>
@@ -13514,10 +13499,10 @@
       </p:pic>
       <p:pic>
         <p:nvPicPr>
-          <p:cNvPr id="10" name="Imagen 9">
+          <p:cNvPr id="9" name="Imagen 8">
             <a:extLst>
               <a:ext uri="{FF2B5EF4-FFF2-40B4-BE49-F238E27FC236}">
-                <a16:creationId xmlns:a16="http://schemas.microsoft.com/office/drawing/2014/main" id="{F18950A5-5FB0-439A-B0D7-1BB21443F03C}"/>
+                <a16:creationId xmlns:a16="http://schemas.microsoft.com/office/drawing/2014/main" id="{EEAB0456-E9E9-4ACE-A6BC-DB7A4C7ABE38}"/>
               </a:ext>
             </a:extLst>
           </p:cNvPr>
@@ -13534,8 +13519,8 @@
         </p:blipFill>
         <p:spPr>
           <a:xfrm>
-            <a:off x="7229766" y="1469385"/>
-            <a:ext cx="2283921" cy="5008063"/>
+            <a:off x="7586543" y="1537911"/>
+            <a:ext cx="2082646" cy="4144711"/>
           </a:xfrm>
           <a:prstGeom prst="rect">
             <a:avLst/>
@@ -13544,10 +13529,10 @@
       </p:pic>
       <p:pic>
         <p:nvPicPr>
-          <p:cNvPr id="13" name="Imagen 12">
+          <p:cNvPr id="12" name="Imagen 11">
             <a:extLst>
               <a:ext uri="{FF2B5EF4-FFF2-40B4-BE49-F238E27FC236}">
-                <a16:creationId xmlns:a16="http://schemas.microsoft.com/office/drawing/2014/main" id="{F6DB4C3F-DD20-427F-8AF6-BF3597AE6046}"/>
+                <a16:creationId xmlns:a16="http://schemas.microsoft.com/office/drawing/2014/main" id="{43B2F6A7-7B07-423A-B0B9-80C5C97669FA}"/>
               </a:ext>
             </a:extLst>
           </p:cNvPr>
@@ -13564,8 +13549,8 @@
         </p:blipFill>
         <p:spPr>
           <a:xfrm>
-            <a:off x="9476650" y="1414321"/>
-            <a:ext cx="2177602" cy="5008063"/>
+            <a:off x="9669189" y="1537911"/>
+            <a:ext cx="2086819" cy="4144711"/>
           </a:xfrm>
           <a:prstGeom prst="rect">
             <a:avLst/>
@@ -13740,10 +13725,10 @@
       </p:sp>
       <p:pic>
         <p:nvPicPr>
-          <p:cNvPr id="6" name="Imagen 5">
+          <p:cNvPr id="5" name="Imagen 4">
             <a:extLst>
               <a:ext uri="{FF2B5EF4-FFF2-40B4-BE49-F238E27FC236}">
-                <a16:creationId xmlns:a16="http://schemas.microsoft.com/office/drawing/2014/main" id="{A690453D-C0EB-43CE-8E95-DEA04806BAA9}"/>
+                <a16:creationId xmlns:a16="http://schemas.microsoft.com/office/drawing/2014/main" id="{B595AD95-7459-4517-AF4C-40C5EAD3C522}"/>
               </a:ext>
             </a:extLst>
           </p:cNvPr>
@@ -13760,8 +13745,8 @@
         </p:blipFill>
         <p:spPr>
           <a:xfrm>
-            <a:off x="1600800" y="644236"/>
-            <a:ext cx="2421328" cy="5569527"/>
+            <a:off x="1706168" y="682831"/>
+            <a:ext cx="2560266" cy="5100452"/>
           </a:xfrm>
           <a:prstGeom prst="rect">
             <a:avLst/>
